--- a/ML Classification_Presentation.pptx
+++ b/ML Classification_Presentation.pptx
@@ -24,8 +24,10 @@
     <p:sldId id="299" r:id="rId18"/>
     <p:sldId id="300" r:id="rId19"/>
     <p:sldId id="301" r:id="rId20"/>
-    <p:sldId id="283" r:id="rId21"/>
-    <p:sldId id="282" r:id="rId22"/>
+    <p:sldId id="304" r:id="rId21"/>
+    <p:sldId id="305" r:id="rId22"/>
+    <p:sldId id="283" r:id="rId23"/>
+    <p:sldId id="282" r:id="rId24"/>
   </p:sldIdLst>
   <p:sldSz cx="12192000" cy="6858000"/>
   <p:notesSz cx="6858000" cy="9144000"/>
@@ -269,7 +271,7 @@
           <a:p>
             <a:fld id="{313D6DBE-1EC8-4F21-8C1A-F9AC36007C69}" type="datetimeFigureOut">
               <a:rPr lang="en-IN" smtClean="0"/>
-              <a:t>06-05-2022</a:t>
+              <a:t>07-05-2022</a:t>
             </a:fld>
             <a:endParaRPr lang="en-IN"/>
           </a:p>
@@ -434,7 +436,7 @@
           <a:p>
             <a:fld id="{313D6DBE-1EC8-4F21-8C1A-F9AC36007C69}" type="datetimeFigureOut">
               <a:rPr lang="en-IN" smtClean="0"/>
-              <a:t>06-05-2022</a:t>
+              <a:t>07-05-2022</a:t>
             </a:fld>
             <a:endParaRPr lang="en-IN"/>
           </a:p>
@@ -609,7 +611,7 @@
           <a:p>
             <a:fld id="{313D6DBE-1EC8-4F21-8C1A-F9AC36007C69}" type="datetimeFigureOut">
               <a:rPr lang="en-IN" smtClean="0"/>
-              <a:t>06-05-2022</a:t>
+              <a:t>07-05-2022</a:t>
             </a:fld>
             <a:endParaRPr lang="en-IN"/>
           </a:p>
@@ -774,7 +776,7 @@
           <a:p>
             <a:fld id="{313D6DBE-1EC8-4F21-8C1A-F9AC36007C69}" type="datetimeFigureOut">
               <a:rPr lang="en-IN" smtClean="0"/>
-              <a:t>06-05-2022</a:t>
+              <a:t>07-05-2022</a:t>
             </a:fld>
             <a:endParaRPr lang="en-IN"/>
           </a:p>
@@ -1015,7 +1017,7 @@
           <a:p>
             <a:fld id="{313D6DBE-1EC8-4F21-8C1A-F9AC36007C69}" type="datetimeFigureOut">
               <a:rPr lang="en-IN" smtClean="0"/>
-              <a:t>06-05-2022</a:t>
+              <a:t>07-05-2022</a:t>
             </a:fld>
             <a:endParaRPr lang="en-IN"/>
           </a:p>
@@ -1242,7 +1244,7 @@
           <a:p>
             <a:fld id="{313D6DBE-1EC8-4F21-8C1A-F9AC36007C69}" type="datetimeFigureOut">
               <a:rPr lang="en-IN" smtClean="0"/>
-              <a:t>06-05-2022</a:t>
+              <a:t>07-05-2022</a:t>
             </a:fld>
             <a:endParaRPr lang="en-IN"/>
           </a:p>
@@ -1604,7 +1606,7 @@
           <a:p>
             <a:fld id="{313D6DBE-1EC8-4F21-8C1A-F9AC36007C69}" type="datetimeFigureOut">
               <a:rPr lang="en-IN" smtClean="0"/>
-              <a:t>06-05-2022</a:t>
+              <a:t>07-05-2022</a:t>
             </a:fld>
             <a:endParaRPr lang="en-IN"/>
           </a:p>
@@ -1717,7 +1719,7 @@
           <a:p>
             <a:fld id="{313D6DBE-1EC8-4F21-8C1A-F9AC36007C69}" type="datetimeFigureOut">
               <a:rPr lang="en-IN" smtClean="0"/>
-              <a:t>06-05-2022</a:t>
+              <a:t>07-05-2022</a:t>
             </a:fld>
             <a:endParaRPr lang="en-IN"/>
           </a:p>
@@ -1807,7 +1809,7 @@
           <a:p>
             <a:fld id="{313D6DBE-1EC8-4F21-8C1A-F9AC36007C69}" type="datetimeFigureOut">
               <a:rPr lang="en-IN" smtClean="0"/>
-              <a:t>06-05-2022</a:t>
+              <a:t>07-05-2022</a:t>
             </a:fld>
             <a:endParaRPr lang="en-IN"/>
           </a:p>
@@ -2079,7 +2081,7 @@
           <a:p>
             <a:fld id="{313D6DBE-1EC8-4F21-8C1A-F9AC36007C69}" type="datetimeFigureOut">
               <a:rPr lang="en-IN" smtClean="0"/>
-              <a:t>06-05-2022</a:t>
+              <a:t>07-05-2022</a:t>
             </a:fld>
             <a:endParaRPr lang="en-IN"/>
           </a:p>
@@ -2327,7 +2329,7 @@
           <a:p>
             <a:fld id="{313D6DBE-1EC8-4F21-8C1A-F9AC36007C69}" type="datetimeFigureOut">
               <a:rPr lang="en-IN" smtClean="0"/>
-              <a:t>06-05-2022</a:t>
+              <a:t>07-05-2022</a:t>
             </a:fld>
             <a:endParaRPr lang="en-IN"/>
           </a:p>
@@ -2535,7 +2537,7 @@
           <a:p>
             <a:fld id="{313D6DBE-1EC8-4F21-8C1A-F9AC36007C69}" type="datetimeFigureOut">
               <a:rPr lang="en-IN" smtClean="0"/>
-              <a:t>06-05-2022</a:t>
+              <a:t>07-05-2022</a:t>
             </a:fld>
             <a:endParaRPr lang="en-IN"/>
           </a:p>
@@ -3382,7 +3384,7 @@
         <p:spPr>
           <a:xfrm>
             <a:off x="226695" y="210756"/>
-            <a:ext cx="11738610" cy="1200329"/>
+            <a:ext cx="11738610" cy="6370975"/>
           </a:xfrm>
           <a:prstGeom prst="rect">
             <a:avLst/>
@@ -3451,7 +3453,197 @@
               </a:rPr>
               <a:t>’ column</a:t>
             </a:r>
+          </a:p>
+          <a:p>
+            <a:pPr algn="just"/>
             <a:endParaRPr lang="en-US" sz="2400" b="1" i="0" dirty="0">
+              <a:solidFill>
+                <a:srgbClr val="042D85"/>
+              </a:solidFill>
+              <a:effectLst/>
+              <a:latin typeface="Times New Roman" panose="02020603050405020304" pitchFamily="18" charset="0"/>
+              <a:cs typeface="Times New Roman" panose="02020603050405020304" pitchFamily="18" charset="0"/>
+            </a:endParaRPr>
+          </a:p>
+          <a:p>
+            <a:pPr algn="just"/>
+            <a:endParaRPr lang="en-US" sz="2400" b="1" dirty="0">
+              <a:solidFill>
+                <a:srgbClr val="042D85"/>
+              </a:solidFill>
+              <a:latin typeface="Times New Roman" panose="02020603050405020304" pitchFamily="18" charset="0"/>
+              <a:cs typeface="Times New Roman" panose="02020603050405020304" pitchFamily="18" charset="0"/>
+            </a:endParaRPr>
+          </a:p>
+          <a:p>
+            <a:pPr algn="just"/>
+            <a:endParaRPr lang="en-US" sz="2400" b="1" i="0" dirty="0">
+              <a:solidFill>
+                <a:srgbClr val="042D85"/>
+              </a:solidFill>
+              <a:effectLst/>
+              <a:latin typeface="Times New Roman" panose="02020603050405020304" pitchFamily="18" charset="0"/>
+              <a:cs typeface="Times New Roman" panose="02020603050405020304" pitchFamily="18" charset="0"/>
+            </a:endParaRPr>
+          </a:p>
+          <a:p>
+            <a:pPr algn="just"/>
+            <a:endParaRPr lang="en-US" sz="2400" b="1" dirty="0">
+              <a:solidFill>
+                <a:srgbClr val="042D85"/>
+              </a:solidFill>
+              <a:latin typeface="Times New Roman" panose="02020603050405020304" pitchFamily="18" charset="0"/>
+              <a:cs typeface="Times New Roman" panose="02020603050405020304" pitchFamily="18" charset="0"/>
+            </a:endParaRPr>
+          </a:p>
+          <a:p>
+            <a:pPr algn="just"/>
+            <a:endParaRPr lang="en-US" sz="2400" b="1" i="0" dirty="0">
+              <a:solidFill>
+                <a:srgbClr val="042D85"/>
+              </a:solidFill>
+              <a:effectLst/>
+              <a:latin typeface="Times New Roman" panose="02020603050405020304" pitchFamily="18" charset="0"/>
+              <a:cs typeface="Times New Roman" panose="02020603050405020304" pitchFamily="18" charset="0"/>
+            </a:endParaRPr>
+          </a:p>
+          <a:p>
+            <a:pPr algn="just"/>
+            <a:endParaRPr lang="en-US" sz="2400" b="1" dirty="0">
+              <a:solidFill>
+                <a:srgbClr val="042D85"/>
+              </a:solidFill>
+              <a:latin typeface="Times New Roman" panose="02020603050405020304" pitchFamily="18" charset="0"/>
+              <a:cs typeface="Times New Roman" panose="02020603050405020304" pitchFamily="18" charset="0"/>
+            </a:endParaRPr>
+          </a:p>
+          <a:p>
+            <a:pPr algn="just"/>
+            <a:endParaRPr lang="en-US" sz="2400" b="1" i="0" dirty="0">
+              <a:solidFill>
+                <a:srgbClr val="042D85"/>
+              </a:solidFill>
+              <a:effectLst/>
+              <a:latin typeface="Times New Roman" panose="02020603050405020304" pitchFamily="18" charset="0"/>
+              <a:cs typeface="Times New Roman" panose="02020603050405020304" pitchFamily="18" charset="0"/>
+            </a:endParaRPr>
+          </a:p>
+          <a:p>
+            <a:pPr algn="just"/>
+            <a:endParaRPr lang="en-US" sz="2400" b="1" dirty="0">
+              <a:solidFill>
+                <a:srgbClr val="042D85"/>
+              </a:solidFill>
+              <a:latin typeface="Times New Roman" panose="02020603050405020304" pitchFamily="18" charset="0"/>
+              <a:cs typeface="Times New Roman" panose="02020603050405020304" pitchFamily="18" charset="0"/>
+            </a:endParaRPr>
+          </a:p>
+          <a:p>
+            <a:pPr algn="just"/>
+            <a:endParaRPr lang="en-US" sz="2400" b="1" i="0" dirty="0">
+              <a:solidFill>
+                <a:srgbClr val="042D85"/>
+              </a:solidFill>
+              <a:effectLst/>
+              <a:latin typeface="Times New Roman" panose="02020603050405020304" pitchFamily="18" charset="0"/>
+              <a:cs typeface="Times New Roman" panose="02020603050405020304" pitchFamily="18" charset="0"/>
+            </a:endParaRPr>
+          </a:p>
+          <a:p>
+            <a:pPr algn="just"/>
+            <a:endParaRPr lang="en-US" sz="2400" b="1" dirty="0">
+              <a:solidFill>
+                <a:srgbClr val="042D85"/>
+              </a:solidFill>
+              <a:latin typeface="Times New Roman" panose="02020603050405020304" pitchFamily="18" charset="0"/>
+              <a:cs typeface="Times New Roman" panose="02020603050405020304" pitchFamily="18" charset="0"/>
+            </a:endParaRPr>
+          </a:p>
+          <a:p>
+            <a:pPr algn="just"/>
+            <a:endParaRPr lang="en-US" sz="2400" b="1" i="0" dirty="0">
+              <a:solidFill>
+                <a:srgbClr val="042D85"/>
+              </a:solidFill>
+              <a:effectLst/>
+              <a:latin typeface="Times New Roman" panose="02020603050405020304" pitchFamily="18" charset="0"/>
+              <a:cs typeface="Times New Roman" panose="02020603050405020304" pitchFamily="18" charset="0"/>
+            </a:endParaRPr>
+          </a:p>
+          <a:p>
+            <a:pPr algn="just"/>
+            <a:endParaRPr lang="en-US" sz="2400" b="1" dirty="0">
+              <a:solidFill>
+                <a:srgbClr val="042D85"/>
+              </a:solidFill>
+              <a:latin typeface="Times New Roman" panose="02020603050405020304" pitchFamily="18" charset="0"/>
+              <a:cs typeface="Times New Roman" panose="02020603050405020304" pitchFamily="18" charset="0"/>
+            </a:endParaRPr>
+          </a:p>
+          <a:p>
+            <a:pPr algn="just"/>
+            <a:endParaRPr lang="en-US" sz="2400" b="1" i="0" dirty="0">
+              <a:solidFill>
+                <a:srgbClr val="042D85"/>
+              </a:solidFill>
+              <a:effectLst/>
+              <a:latin typeface="Times New Roman" panose="02020603050405020304" pitchFamily="18" charset="0"/>
+              <a:cs typeface="Times New Roman" panose="02020603050405020304" pitchFamily="18" charset="0"/>
+            </a:endParaRPr>
+          </a:p>
+          <a:p>
+            <a:pPr algn="just"/>
+            <a:r>
+              <a:rPr lang="en-US" sz="2400" dirty="0">
+                <a:solidFill>
+                  <a:srgbClr val="042D85"/>
+                </a:solidFill>
+                <a:latin typeface="Times New Roman" panose="02020603050405020304" pitchFamily="18" charset="0"/>
+                <a:cs typeface="Times New Roman" panose="02020603050405020304" pitchFamily="18" charset="0"/>
+              </a:rPr>
+              <a:t>The above graph shows </a:t>
+            </a:r>
+            <a:r>
+              <a:rPr lang="en-US" sz="2400" dirty="0" err="1">
+                <a:solidFill>
+                  <a:srgbClr val="042D85"/>
+                </a:solidFill>
+                <a:latin typeface="Times New Roman" panose="02020603050405020304" pitchFamily="18" charset="0"/>
+                <a:cs typeface="Times New Roman" panose="02020603050405020304" pitchFamily="18" charset="0"/>
+              </a:rPr>
+              <a:t>OriginalTweet</a:t>
+            </a:r>
+            <a:r>
+              <a:rPr lang="en-US" sz="2400" dirty="0">
+                <a:solidFill>
+                  <a:srgbClr val="042D85"/>
+                </a:solidFill>
+                <a:latin typeface="Times New Roman" panose="02020603050405020304" pitchFamily="18" charset="0"/>
+                <a:cs typeface="Times New Roman" panose="02020603050405020304" pitchFamily="18" charset="0"/>
+              </a:rPr>
+              <a:t> according to </a:t>
+            </a:r>
+            <a:r>
+              <a:rPr lang="en-US" sz="2400" dirty="0" err="1">
+                <a:solidFill>
+                  <a:srgbClr val="042D85"/>
+                </a:solidFill>
+                <a:latin typeface="Times New Roman" panose="02020603050405020304" pitchFamily="18" charset="0"/>
+                <a:cs typeface="Times New Roman" panose="02020603050405020304" pitchFamily="18" charset="0"/>
+              </a:rPr>
+              <a:t>TweetAt</a:t>
+            </a:r>
+            <a:r>
+              <a:rPr lang="en-US" sz="2400" dirty="0">
+                <a:solidFill>
+                  <a:srgbClr val="042D85"/>
+                </a:solidFill>
+                <a:latin typeface="Times New Roman" panose="02020603050405020304" pitchFamily="18" charset="0"/>
+                <a:cs typeface="Times New Roman" panose="02020603050405020304" pitchFamily="18" charset="0"/>
+              </a:rPr>
+              <a:t> column.</a:t>
+            </a:r>
+            <a:endParaRPr lang="en-US" sz="2400" i="0" dirty="0">
               <a:solidFill>
                 <a:srgbClr val="042D85"/>
               </a:solidFill>
@@ -3585,7 +3777,7 @@
         <p:spPr>
           <a:xfrm>
             <a:off x="226695" y="256505"/>
-            <a:ext cx="11738610" cy="1872629"/>
+            <a:ext cx="11738610" cy="6304611"/>
           </a:xfrm>
           <a:prstGeom prst="rect">
             <a:avLst/>
@@ -3684,6 +3876,242 @@
               <a:latin typeface="Times New Roman" panose="02020603050405020304" pitchFamily="18" charset="0"/>
               <a:cs typeface="Times New Roman" panose="02020603050405020304" pitchFamily="18" charset="0"/>
             </a:endParaRPr>
+          </a:p>
+          <a:p>
+            <a:pPr algn="just">
+              <a:lnSpc>
+                <a:spcPct val="150000"/>
+              </a:lnSpc>
+            </a:pPr>
+            <a:endParaRPr lang="en-US" sz="2400" b="1" dirty="0">
+              <a:ln w="0"/>
+              <a:gradFill>
+                <a:gsLst>
+                  <a:gs pos="0">
+                    <a:srgbClr val="012D86"/>
+                  </a:gs>
+                  <a:gs pos="100000">
+                    <a:srgbClr val="0E2557"/>
+                  </a:gs>
+                </a:gsLst>
+                <a:lin scaled="0"/>
+              </a:gradFill>
+              <a:effectLst>
+                <a:outerShdw blurRad="38100" dist="19050" dir="2700000" algn="tl" rotWithShape="0">
+                  <a:schemeClr val="dk1">
+                    <a:alpha val="40000"/>
+                  </a:schemeClr>
+                </a:outerShdw>
+              </a:effectLst>
+              <a:latin typeface="Times New Roman" panose="02020603050405020304" pitchFamily="18" charset="0"/>
+              <a:cs typeface="Times New Roman" panose="02020603050405020304" pitchFamily="18" charset="0"/>
+            </a:endParaRPr>
+          </a:p>
+          <a:p>
+            <a:pPr algn="just">
+              <a:lnSpc>
+                <a:spcPct val="150000"/>
+              </a:lnSpc>
+            </a:pPr>
+            <a:endParaRPr lang="en-US" sz="2400" b="1" dirty="0">
+              <a:ln w="0"/>
+              <a:gradFill>
+                <a:gsLst>
+                  <a:gs pos="0">
+                    <a:srgbClr val="012D86"/>
+                  </a:gs>
+                  <a:gs pos="100000">
+                    <a:srgbClr val="0E2557"/>
+                  </a:gs>
+                </a:gsLst>
+                <a:lin scaled="0"/>
+              </a:gradFill>
+              <a:effectLst>
+                <a:outerShdw blurRad="38100" dist="19050" dir="2700000" algn="tl" rotWithShape="0">
+                  <a:schemeClr val="dk1">
+                    <a:alpha val="40000"/>
+                  </a:schemeClr>
+                </a:outerShdw>
+              </a:effectLst>
+              <a:latin typeface="Times New Roman" panose="02020603050405020304" pitchFamily="18" charset="0"/>
+              <a:cs typeface="Times New Roman" panose="02020603050405020304" pitchFamily="18" charset="0"/>
+            </a:endParaRPr>
+          </a:p>
+          <a:p>
+            <a:pPr algn="just">
+              <a:lnSpc>
+                <a:spcPct val="150000"/>
+              </a:lnSpc>
+            </a:pPr>
+            <a:endParaRPr lang="en-US" sz="2400" b="1" dirty="0">
+              <a:ln w="0"/>
+              <a:gradFill>
+                <a:gsLst>
+                  <a:gs pos="0">
+                    <a:srgbClr val="012D86"/>
+                  </a:gs>
+                  <a:gs pos="100000">
+                    <a:srgbClr val="0E2557"/>
+                  </a:gs>
+                </a:gsLst>
+                <a:lin scaled="0"/>
+              </a:gradFill>
+              <a:effectLst>
+                <a:outerShdw blurRad="38100" dist="19050" dir="2700000" algn="tl" rotWithShape="0">
+                  <a:schemeClr val="dk1">
+                    <a:alpha val="40000"/>
+                  </a:schemeClr>
+                </a:outerShdw>
+              </a:effectLst>
+              <a:latin typeface="Times New Roman" panose="02020603050405020304" pitchFamily="18" charset="0"/>
+              <a:cs typeface="Times New Roman" panose="02020603050405020304" pitchFamily="18" charset="0"/>
+            </a:endParaRPr>
+          </a:p>
+          <a:p>
+            <a:pPr algn="just">
+              <a:lnSpc>
+                <a:spcPct val="150000"/>
+              </a:lnSpc>
+            </a:pPr>
+            <a:endParaRPr lang="en-US" sz="2400" b="1" dirty="0">
+              <a:ln w="0"/>
+              <a:gradFill>
+                <a:gsLst>
+                  <a:gs pos="0">
+                    <a:srgbClr val="012D86"/>
+                  </a:gs>
+                  <a:gs pos="100000">
+                    <a:srgbClr val="0E2557"/>
+                  </a:gs>
+                </a:gsLst>
+                <a:lin scaled="0"/>
+              </a:gradFill>
+              <a:effectLst>
+                <a:outerShdw blurRad="38100" dist="19050" dir="2700000" algn="tl" rotWithShape="0">
+                  <a:schemeClr val="dk1">
+                    <a:alpha val="40000"/>
+                  </a:schemeClr>
+                </a:outerShdw>
+              </a:effectLst>
+              <a:latin typeface="Times New Roman" panose="02020603050405020304" pitchFamily="18" charset="0"/>
+              <a:cs typeface="Times New Roman" panose="02020603050405020304" pitchFamily="18" charset="0"/>
+            </a:endParaRPr>
+          </a:p>
+          <a:p>
+            <a:pPr algn="just">
+              <a:lnSpc>
+                <a:spcPct val="150000"/>
+              </a:lnSpc>
+            </a:pPr>
+            <a:endParaRPr lang="en-US" sz="2400" b="1" dirty="0">
+              <a:ln w="0"/>
+              <a:gradFill>
+                <a:gsLst>
+                  <a:gs pos="0">
+                    <a:srgbClr val="012D86"/>
+                  </a:gs>
+                  <a:gs pos="100000">
+                    <a:srgbClr val="0E2557"/>
+                  </a:gs>
+                </a:gsLst>
+                <a:lin scaled="0"/>
+              </a:gradFill>
+              <a:effectLst>
+                <a:outerShdw blurRad="38100" dist="19050" dir="2700000" algn="tl" rotWithShape="0">
+                  <a:schemeClr val="dk1">
+                    <a:alpha val="40000"/>
+                  </a:schemeClr>
+                </a:outerShdw>
+              </a:effectLst>
+              <a:latin typeface="Times New Roman" panose="02020603050405020304" pitchFamily="18" charset="0"/>
+              <a:cs typeface="Times New Roman" panose="02020603050405020304" pitchFamily="18" charset="0"/>
+            </a:endParaRPr>
+          </a:p>
+          <a:p>
+            <a:pPr algn="just">
+              <a:lnSpc>
+                <a:spcPct val="150000"/>
+              </a:lnSpc>
+            </a:pPr>
+            <a:endParaRPr lang="en-US" sz="2400" b="1" dirty="0">
+              <a:ln w="0"/>
+              <a:gradFill>
+                <a:gsLst>
+                  <a:gs pos="0">
+                    <a:srgbClr val="012D86"/>
+                  </a:gs>
+                  <a:gs pos="100000">
+                    <a:srgbClr val="0E2557"/>
+                  </a:gs>
+                </a:gsLst>
+                <a:lin scaled="0"/>
+              </a:gradFill>
+              <a:effectLst>
+                <a:outerShdw blurRad="38100" dist="19050" dir="2700000" algn="tl" rotWithShape="0">
+                  <a:schemeClr val="dk1">
+                    <a:alpha val="40000"/>
+                  </a:schemeClr>
+                </a:outerShdw>
+              </a:effectLst>
+              <a:latin typeface="Times New Roman" panose="02020603050405020304" pitchFamily="18" charset="0"/>
+              <a:cs typeface="Times New Roman" panose="02020603050405020304" pitchFamily="18" charset="0"/>
+            </a:endParaRPr>
+          </a:p>
+          <a:p>
+            <a:pPr algn="just">
+              <a:lnSpc>
+                <a:spcPct val="150000"/>
+              </a:lnSpc>
+            </a:pPr>
+            <a:endParaRPr lang="en-US" sz="2400" b="1" dirty="0">
+              <a:ln w="0"/>
+              <a:gradFill>
+                <a:gsLst>
+                  <a:gs pos="0">
+                    <a:srgbClr val="012D86"/>
+                  </a:gs>
+                  <a:gs pos="100000">
+                    <a:srgbClr val="0E2557"/>
+                  </a:gs>
+                </a:gsLst>
+                <a:lin scaled="0"/>
+              </a:gradFill>
+              <a:effectLst>
+                <a:outerShdw blurRad="38100" dist="19050" dir="2700000" algn="tl" rotWithShape="0">
+                  <a:schemeClr val="dk1">
+                    <a:alpha val="40000"/>
+                  </a:schemeClr>
+                </a:outerShdw>
+              </a:effectLst>
+              <a:latin typeface="Times New Roman" panose="02020603050405020304" pitchFamily="18" charset="0"/>
+              <a:cs typeface="Times New Roman" panose="02020603050405020304" pitchFamily="18" charset="0"/>
+            </a:endParaRPr>
+          </a:p>
+          <a:p>
+            <a:pPr algn="just">
+              <a:lnSpc>
+                <a:spcPct val="150000"/>
+              </a:lnSpc>
+            </a:pPr>
+            <a:r>
+              <a:rPr lang="en-US" sz="2400" dirty="0">
+                <a:ln w="0"/>
+                <a:gradFill>
+                  <a:gsLst>
+                    <a:gs pos="0">
+                      <a:srgbClr val="012D86"/>
+                    </a:gs>
+                    <a:gs pos="100000">
+                      <a:srgbClr val="0E2557"/>
+                    </a:gs>
+                  </a:gsLst>
+                  <a:lin scaled="0"/>
+                </a:gradFill>
+                <a:latin typeface="Times New Roman" panose="02020603050405020304" pitchFamily="18" charset="0"/>
+                <a:cs typeface="Times New Roman" panose="02020603050405020304" pitchFamily="18" charset="0"/>
+              </a:rPr>
+              <a:t>The above histogram plot shows original tweets.</a:t>
+            </a:r>
           </a:p>
         </p:txBody>
       </p:sp>
@@ -3810,7 +4238,7 @@
         <p:spPr>
           <a:xfrm>
             <a:off x="226695" y="173049"/>
-            <a:ext cx="11738610" cy="1307537"/>
+            <a:ext cx="11738610" cy="6647974"/>
           </a:xfrm>
           <a:prstGeom prst="rect">
             <a:avLst/>
@@ -3871,6 +4299,182 @@
               </a:rPr>
               <a:t>Top 10 Locations</a:t>
             </a:r>
+          </a:p>
+          <a:p>
+            <a:pPr algn="just">
+              <a:lnSpc>
+                <a:spcPct val="150000"/>
+              </a:lnSpc>
+            </a:pPr>
+            <a:endParaRPr lang="en-US" sz="2800" b="1" dirty="0">
+              <a:ln w="0"/>
+              <a:solidFill>
+                <a:srgbClr val="042D85"/>
+              </a:solidFill>
+              <a:effectLst>
+                <a:outerShdw blurRad="38100" dist="19050" dir="2700000" algn="tl" rotWithShape="0">
+                  <a:schemeClr val="dk1">
+                    <a:alpha val="40000"/>
+                  </a:schemeClr>
+                </a:outerShdw>
+              </a:effectLst>
+              <a:latin typeface="Times New Roman" panose="02020603050405020304" pitchFamily="18" charset="0"/>
+              <a:cs typeface="Times New Roman" panose="02020603050405020304" pitchFamily="18" charset="0"/>
+            </a:endParaRPr>
+          </a:p>
+          <a:p>
+            <a:pPr algn="just">
+              <a:lnSpc>
+                <a:spcPct val="150000"/>
+              </a:lnSpc>
+            </a:pPr>
+            <a:endParaRPr lang="en-US" sz="2800" b="1" dirty="0">
+              <a:ln w="0"/>
+              <a:solidFill>
+                <a:srgbClr val="042D85"/>
+              </a:solidFill>
+              <a:effectLst>
+                <a:outerShdw blurRad="38100" dist="19050" dir="2700000" algn="tl" rotWithShape="0">
+                  <a:schemeClr val="dk1">
+                    <a:alpha val="40000"/>
+                  </a:schemeClr>
+                </a:outerShdw>
+              </a:effectLst>
+              <a:latin typeface="Times New Roman" panose="02020603050405020304" pitchFamily="18" charset="0"/>
+              <a:cs typeface="Times New Roman" panose="02020603050405020304" pitchFamily="18" charset="0"/>
+            </a:endParaRPr>
+          </a:p>
+          <a:p>
+            <a:pPr algn="just">
+              <a:lnSpc>
+                <a:spcPct val="150000"/>
+              </a:lnSpc>
+            </a:pPr>
+            <a:endParaRPr lang="en-US" sz="2800" b="1" dirty="0">
+              <a:ln w="0"/>
+              <a:solidFill>
+                <a:srgbClr val="042D85"/>
+              </a:solidFill>
+              <a:effectLst>
+                <a:outerShdw blurRad="38100" dist="19050" dir="2700000" algn="tl" rotWithShape="0">
+                  <a:schemeClr val="dk1">
+                    <a:alpha val="40000"/>
+                  </a:schemeClr>
+                </a:outerShdw>
+              </a:effectLst>
+              <a:latin typeface="Times New Roman" panose="02020603050405020304" pitchFamily="18" charset="0"/>
+              <a:cs typeface="Times New Roman" panose="02020603050405020304" pitchFamily="18" charset="0"/>
+            </a:endParaRPr>
+          </a:p>
+          <a:p>
+            <a:pPr algn="just">
+              <a:lnSpc>
+                <a:spcPct val="150000"/>
+              </a:lnSpc>
+            </a:pPr>
+            <a:endParaRPr lang="en-US" sz="2800" b="1" dirty="0">
+              <a:ln w="0"/>
+              <a:solidFill>
+                <a:srgbClr val="042D85"/>
+              </a:solidFill>
+              <a:effectLst>
+                <a:outerShdw blurRad="38100" dist="19050" dir="2700000" algn="tl" rotWithShape="0">
+                  <a:schemeClr val="dk1">
+                    <a:alpha val="40000"/>
+                  </a:schemeClr>
+                </a:outerShdw>
+              </a:effectLst>
+              <a:latin typeface="Times New Roman" panose="02020603050405020304" pitchFamily="18" charset="0"/>
+              <a:cs typeface="Times New Roman" panose="02020603050405020304" pitchFamily="18" charset="0"/>
+            </a:endParaRPr>
+          </a:p>
+          <a:p>
+            <a:pPr algn="just">
+              <a:lnSpc>
+                <a:spcPct val="150000"/>
+              </a:lnSpc>
+            </a:pPr>
+            <a:endParaRPr lang="en-US" sz="2800" b="1" dirty="0">
+              <a:ln w="0"/>
+              <a:solidFill>
+                <a:srgbClr val="042D85"/>
+              </a:solidFill>
+              <a:effectLst>
+                <a:outerShdw blurRad="38100" dist="19050" dir="2700000" algn="tl" rotWithShape="0">
+                  <a:schemeClr val="dk1">
+                    <a:alpha val="40000"/>
+                  </a:schemeClr>
+                </a:outerShdw>
+              </a:effectLst>
+              <a:latin typeface="Times New Roman" panose="02020603050405020304" pitchFamily="18" charset="0"/>
+              <a:cs typeface="Times New Roman" panose="02020603050405020304" pitchFamily="18" charset="0"/>
+            </a:endParaRPr>
+          </a:p>
+          <a:p>
+            <a:pPr algn="just">
+              <a:lnSpc>
+                <a:spcPct val="150000"/>
+              </a:lnSpc>
+            </a:pPr>
+            <a:endParaRPr lang="en-US" sz="2800" b="1" dirty="0">
+              <a:ln w="0"/>
+              <a:solidFill>
+                <a:srgbClr val="042D85"/>
+              </a:solidFill>
+              <a:effectLst>
+                <a:outerShdw blurRad="38100" dist="19050" dir="2700000" algn="tl" rotWithShape="0">
+                  <a:schemeClr val="dk1">
+                    <a:alpha val="40000"/>
+                  </a:schemeClr>
+                </a:outerShdw>
+              </a:effectLst>
+              <a:latin typeface="Times New Roman" panose="02020603050405020304" pitchFamily="18" charset="0"/>
+              <a:cs typeface="Times New Roman" panose="02020603050405020304" pitchFamily="18" charset="0"/>
+            </a:endParaRPr>
+          </a:p>
+          <a:p>
+            <a:pPr algn="just">
+              <a:lnSpc>
+                <a:spcPct val="150000"/>
+              </a:lnSpc>
+            </a:pPr>
+            <a:endParaRPr lang="en-US" sz="2800" b="1" dirty="0">
+              <a:ln w="0"/>
+              <a:solidFill>
+                <a:srgbClr val="042D85"/>
+              </a:solidFill>
+              <a:effectLst>
+                <a:outerShdw blurRad="38100" dist="19050" dir="2700000" algn="tl" rotWithShape="0">
+                  <a:schemeClr val="dk1">
+                    <a:alpha val="40000"/>
+                  </a:schemeClr>
+                </a:outerShdw>
+              </a:effectLst>
+              <a:latin typeface="Times New Roman" panose="02020603050405020304" pitchFamily="18" charset="0"/>
+              <a:cs typeface="Times New Roman" panose="02020603050405020304" pitchFamily="18" charset="0"/>
+            </a:endParaRPr>
+          </a:p>
+          <a:p>
+            <a:pPr algn="just"/>
+            <a:r>
+              <a:rPr lang="en-US" sz="2400" dirty="0">
+                <a:ln w="0"/>
+                <a:solidFill>
+                  <a:srgbClr val="042D85"/>
+                </a:solidFill>
+                <a:latin typeface="Times New Roman" panose="02020603050405020304" pitchFamily="18" charset="0"/>
+                <a:cs typeface="Times New Roman" panose="02020603050405020304" pitchFamily="18" charset="0"/>
+              </a:rPr>
+              <a:t>The above graph shows top 10 locations from where tweets are received. Most tweets received from London followed by United States.</a:t>
+            </a:r>
+            <a:endParaRPr lang="en-US" sz="2800" dirty="0">
+              <a:ln w="0"/>
+              <a:solidFill>
+                <a:srgbClr val="042D85"/>
+              </a:solidFill>
+              <a:latin typeface="Times New Roman" panose="02020603050405020304" pitchFamily="18" charset="0"/>
+              <a:cs typeface="Times New Roman" panose="02020603050405020304" pitchFamily="18" charset="0"/>
+            </a:endParaRPr>
           </a:p>
         </p:txBody>
       </p:sp>
@@ -3938,8 +4542,8 @@
         </p:blipFill>
         <p:spPr>
           <a:xfrm>
-            <a:off x="461176" y="1480586"/>
-            <a:ext cx="11269648" cy="4498873"/>
+            <a:off x="226695" y="1480586"/>
+            <a:ext cx="11738610" cy="4498873"/>
           </a:xfrm>
           <a:prstGeom prst="rect">
             <a:avLst/>
@@ -4150,7 +4754,7 @@
         <p:spPr>
           <a:xfrm>
             <a:off x="0" y="1356581"/>
-            <a:ext cx="12192000" cy="4494333"/>
+            <a:ext cx="12192000" cy="5081926"/>
           </a:xfrm>
           <a:prstGeom prst="rect">
             <a:avLst/>
@@ -4208,7 +4812,7 @@
         <p:spPr>
           <a:xfrm>
             <a:off x="226694" y="130283"/>
-            <a:ext cx="11738610" cy="1226298"/>
+            <a:ext cx="11738610" cy="6647974"/>
           </a:xfrm>
           <a:prstGeom prst="rect">
             <a:avLst/>
@@ -4293,6 +4897,308 @@
               </a:rPr>
               <a:t>Word Cloud</a:t>
             </a:r>
+          </a:p>
+          <a:p>
+            <a:pPr algn="just">
+              <a:lnSpc>
+                <a:spcPct val="150000"/>
+              </a:lnSpc>
+            </a:pPr>
+            <a:endParaRPr lang="en-US" sz="2400" b="1" dirty="0">
+              <a:ln w="0"/>
+              <a:gradFill>
+                <a:gsLst>
+                  <a:gs pos="0">
+                    <a:srgbClr val="012D86"/>
+                  </a:gs>
+                  <a:gs pos="100000">
+                    <a:srgbClr val="0E2557"/>
+                  </a:gs>
+                </a:gsLst>
+                <a:lin scaled="0"/>
+              </a:gradFill>
+              <a:effectLst>
+                <a:outerShdw blurRad="38100" dist="19050" dir="2700000" algn="tl" rotWithShape="0">
+                  <a:schemeClr val="dk1">
+                    <a:alpha val="40000"/>
+                  </a:schemeClr>
+                </a:outerShdw>
+              </a:effectLst>
+              <a:latin typeface="Times New Roman" panose="02020603050405020304" pitchFamily="18" charset="0"/>
+              <a:cs typeface="Times New Roman" panose="02020603050405020304" pitchFamily="18" charset="0"/>
+            </a:endParaRPr>
+          </a:p>
+          <a:p>
+            <a:pPr algn="just">
+              <a:lnSpc>
+                <a:spcPct val="150000"/>
+              </a:lnSpc>
+            </a:pPr>
+            <a:endParaRPr lang="en-US" sz="2400" b="1" dirty="0">
+              <a:ln w="0"/>
+              <a:gradFill>
+                <a:gsLst>
+                  <a:gs pos="0">
+                    <a:srgbClr val="012D86"/>
+                  </a:gs>
+                  <a:gs pos="100000">
+                    <a:srgbClr val="0E2557"/>
+                  </a:gs>
+                </a:gsLst>
+                <a:lin scaled="0"/>
+              </a:gradFill>
+              <a:effectLst>
+                <a:outerShdw blurRad="38100" dist="19050" dir="2700000" algn="tl" rotWithShape="0">
+                  <a:schemeClr val="dk1">
+                    <a:alpha val="40000"/>
+                  </a:schemeClr>
+                </a:outerShdw>
+              </a:effectLst>
+              <a:latin typeface="Times New Roman" panose="02020603050405020304" pitchFamily="18" charset="0"/>
+              <a:cs typeface="Times New Roman" panose="02020603050405020304" pitchFamily="18" charset="0"/>
+            </a:endParaRPr>
+          </a:p>
+          <a:p>
+            <a:pPr algn="just">
+              <a:lnSpc>
+                <a:spcPct val="150000"/>
+              </a:lnSpc>
+            </a:pPr>
+            <a:endParaRPr lang="en-US" sz="2400" b="1" dirty="0">
+              <a:ln w="0"/>
+              <a:gradFill>
+                <a:gsLst>
+                  <a:gs pos="0">
+                    <a:srgbClr val="012D86"/>
+                  </a:gs>
+                  <a:gs pos="100000">
+                    <a:srgbClr val="0E2557"/>
+                  </a:gs>
+                </a:gsLst>
+                <a:lin scaled="0"/>
+              </a:gradFill>
+              <a:effectLst>
+                <a:outerShdw blurRad="38100" dist="19050" dir="2700000" algn="tl" rotWithShape="0">
+                  <a:schemeClr val="dk1">
+                    <a:alpha val="40000"/>
+                  </a:schemeClr>
+                </a:outerShdw>
+              </a:effectLst>
+              <a:latin typeface="Times New Roman" panose="02020603050405020304" pitchFamily="18" charset="0"/>
+              <a:cs typeface="Times New Roman" panose="02020603050405020304" pitchFamily="18" charset="0"/>
+            </a:endParaRPr>
+          </a:p>
+          <a:p>
+            <a:pPr algn="just">
+              <a:lnSpc>
+                <a:spcPct val="150000"/>
+              </a:lnSpc>
+            </a:pPr>
+            <a:endParaRPr lang="en-US" sz="2400" b="1" dirty="0">
+              <a:ln w="0"/>
+              <a:gradFill>
+                <a:gsLst>
+                  <a:gs pos="0">
+                    <a:srgbClr val="012D86"/>
+                  </a:gs>
+                  <a:gs pos="100000">
+                    <a:srgbClr val="0E2557"/>
+                  </a:gs>
+                </a:gsLst>
+                <a:lin scaled="0"/>
+              </a:gradFill>
+              <a:effectLst>
+                <a:outerShdw blurRad="38100" dist="19050" dir="2700000" algn="tl" rotWithShape="0">
+                  <a:schemeClr val="dk1">
+                    <a:alpha val="40000"/>
+                  </a:schemeClr>
+                </a:outerShdw>
+              </a:effectLst>
+              <a:latin typeface="Times New Roman" panose="02020603050405020304" pitchFamily="18" charset="0"/>
+              <a:cs typeface="Times New Roman" panose="02020603050405020304" pitchFamily="18" charset="0"/>
+            </a:endParaRPr>
+          </a:p>
+          <a:p>
+            <a:pPr algn="just">
+              <a:lnSpc>
+                <a:spcPct val="150000"/>
+              </a:lnSpc>
+            </a:pPr>
+            <a:endParaRPr lang="en-US" sz="2400" b="1" dirty="0">
+              <a:ln w="0"/>
+              <a:gradFill>
+                <a:gsLst>
+                  <a:gs pos="0">
+                    <a:srgbClr val="012D86"/>
+                  </a:gs>
+                  <a:gs pos="100000">
+                    <a:srgbClr val="0E2557"/>
+                  </a:gs>
+                </a:gsLst>
+                <a:lin scaled="0"/>
+              </a:gradFill>
+              <a:effectLst>
+                <a:outerShdw blurRad="38100" dist="19050" dir="2700000" algn="tl" rotWithShape="0">
+                  <a:schemeClr val="dk1">
+                    <a:alpha val="40000"/>
+                  </a:schemeClr>
+                </a:outerShdw>
+              </a:effectLst>
+              <a:latin typeface="Times New Roman" panose="02020603050405020304" pitchFamily="18" charset="0"/>
+              <a:cs typeface="Times New Roman" panose="02020603050405020304" pitchFamily="18" charset="0"/>
+            </a:endParaRPr>
+          </a:p>
+          <a:p>
+            <a:pPr algn="just">
+              <a:lnSpc>
+                <a:spcPct val="150000"/>
+              </a:lnSpc>
+            </a:pPr>
+            <a:endParaRPr lang="en-US" sz="2400" b="1" dirty="0">
+              <a:ln w="0"/>
+              <a:gradFill>
+                <a:gsLst>
+                  <a:gs pos="0">
+                    <a:srgbClr val="012D86"/>
+                  </a:gs>
+                  <a:gs pos="100000">
+                    <a:srgbClr val="0E2557"/>
+                  </a:gs>
+                </a:gsLst>
+                <a:lin scaled="0"/>
+              </a:gradFill>
+              <a:effectLst>
+                <a:outerShdw blurRad="38100" dist="19050" dir="2700000" algn="tl" rotWithShape="0">
+                  <a:schemeClr val="dk1">
+                    <a:alpha val="40000"/>
+                  </a:schemeClr>
+                </a:outerShdw>
+              </a:effectLst>
+              <a:latin typeface="Times New Roman" panose="02020603050405020304" pitchFamily="18" charset="0"/>
+              <a:cs typeface="Times New Roman" panose="02020603050405020304" pitchFamily="18" charset="0"/>
+            </a:endParaRPr>
+          </a:p>
+          <a:p>
+            <a:pPr algn="just">
+              <a:lnSpc>
+                <a:spcPct val="150000"/>
+              </a:lnSpc>
+            </a:pPr>
+            <a:endParaRPr lang="en-US" sz="2400" b="1" dirty="0">
+              <a:ln w="0"/>
+              <a:gradFill>
+                <a:gsLst>
+                  <a:gs pos="0">
+                    <a:srgbClr val="012D86"/>
+                  </a:gs>
+                  <a:gs pos="100000">
+                    <a:srgbClr val="0E2557"/>
+                  </a:gs>
+                </a:gsLst>
+                <a:lin scaled="0"/>
+              </a:gradFill>
+              <a:effectLst>
+                <a:outerShdw blurRad="38100" dist="19050" dir="2700000" algn="tl" rotWithShape="0">
+                  <a:schemeClr val="dk1">
+                    <a:alpha val="40000"/>
+                  </a:schemeClr>
+                </a:outerShdw>
+              </a:effectLst>
+              <a:latin typeface="Times New Roman" panose="02020603050405020304" pitchFamily="18" charset="0"/>
+              <a:cs typeface="Times New Roman" panose="02020603050405020304" pitchFamily="18" charset="0"/>
+            </a:endParaRPr>
+          </a:p>
+          <a:p>
+            <a:pPr algn="just">
+              <a:lnSpc>
+                <a:spcPct val="150000"/>
+              </a:lnSpc>
+            </a:pPr>
+            <a:endParaRPr lang="en-US" sz="2400" b="1" dirty="0">
+              <a:ln w="0"/>
+              <a:gradFill>
+                <a:gsLst>
+                  <a:gs pos="0">
+                    <a:srgbClr val="012D86"/>
+                  </a:gs>
+                  <a:gs pos="100000">
+                    <a:srgbClr val="0E2557"/>
+                  </a:gs>
+                </a:gsLst>
+                <a:lin scaled="0"/>
+              </a:gradFill>
+              <a:effectLst>
+                <a:outerShdw blurRad="38100" dist="19050" dir="2700000" algn="tl" rotWithShape="0">
+                  <a:schemeClr val="dk1">
+                    <a:alpha val="40000"/>
+                  </a:schemeClr>
+                </a:outerShdw>
+              </a:effectLst>
+              <a:latin typeface="Times New Roman" panose="02020603050405020304" pitchFamily="18" charset="0"/>
+              <a:cs typeface="Times New Roman" panose="02020603050405020304" pitchFamily="18" charset="0"/>
+            </a:endParaRPr>
+          </a:p>
+          <a:p>
+            <a:pPr algn="just"/>
+            <a:endParaRPr lang="en-US" sz="2000" b="0" i="0" dirty="0">
+              <a:solidFill>
+                <a:srgbClr val="042D85"/>
+              </a:solidFill>
+              <a:effectLst/>
+              <a:latin typeface="Times New Roman" panose="02020603050405020304" pitchFamily="18" charset="0"/>
+              <a:cs typeface="Times New Roman" panose="02020603050405020304" pitchFamily="18" charset="0"/>
+            </a:endParaRPr>
+          </a:p>
+          <a:p>
+            <a:pPr algn="just"/>
+            <a:r>
+              <a:rPr lang="en-US" sz="2000" b="0" i="0" dirty="0">
+                <a:solidFill>
+                  <a:srgbClr val="042D85"/>
+                </a:solidFill>
+                <a:effectLst/>
+                <a:latin typeface="Times New Roman" panose="02020603050405020304" pitchFamily="18" charset="0"/>
+                <a:cs typeface="Times New Roman" panose="02020603050405020304" pitchFamily="18" charset="0"/>
+              </a:rPr>
+              <a:t>Word Clouds are </a:t>
+            </a:r>
+            <a:r>
+              <a:rPr lang="en-US" sz="2000" b="1" i="0" dirty="0">
+                <a:solidFill>
+                  <a:srgbClr val="042D85"/>
+                </a:solidFill>
+                <a:effectLst/>
+                <a:latin typeface="Times New Roman" panose="02020603050405020304" pitchFamily="18" charset="0"/>
+                <a:cs typeface="Times New Roman" panose="02020603050405020304" pitchFamily="18" charset="0"/>
+              </a:rPr>
+              <a:t>visual displays of text data – simple text analysis</a:t>
+            </a:r>
+            <a:r>
+              <a:rPr lang="en-US" sz="2000" b="0" i="0" dirty="0">
+                <a:solidFill>
+                  <a:srgbClr val="042D85"/>
+                </a:solidFill>
+                <a:effectLst/>
+                <a:latin typeface="Times New Roman" panose="02020603050405020304" pitchFamily="18" charset="0"/>
+                <a:cs typeface="Times New Roman" panose="02020603050405020304" pitchFamily="18" charset="0"/>
+              </a:rPr>
+              <a:t>. Word Clouds display the most prominent or frequent words in a body of text. </a:t>
+            </a:r>
+            <a:endParaRPr lang="en-US" sz="2000" b="1" dirty="0">
+              <a:ln w="0"/>
+              <a:solidFill>
+                <a:srgbClr val="042D85"/>
+              </a:solidFill>
+              <a:effectLst>
+                <a:outerShdw blurRad="38100" dist="19050" dir="2700000" algn="tl" rotWithShape="0">
+                  <a:schemeClr val="dk1">
+                    <a:alpha val="40000"/>
+                  </a:schemeClr>
+                </a:outerShdw>
+              </a:effectLst>
+              <a:latin typeface="Times New Roman" panose="02020603050405020304" pitchFamily="18" charset="0"/>
+              <a:cs typeface="Times New Roman" panose="02020603050405020304" pitchFamily="18" charset="0"/>
+            </a:endParaRPr>
           </a:p>
         </p:txBody>
       </p:sp>
@@ -4360,8 +5266,8 @@
         </p:blipFill>
         <p:spPr>
           <a:xfrm>
-            <a:off x="2070753" y="1385000"/>
-            <a:ext cx="8050491" cy="5193234"/>
+            <a:off x="2324585" y="1139124"/>
+            <a:ext cx="7542829" cy="4865750"/>
           </a:xfrm>
           <a:prstGeom prst="rect">
             <a:avLst/>
@@ -4965,7 +5871,7 @@
         <p:spPr>
           <a:xfrm>
             <a:off x="288421" y="76200"/>
-            <a:ext cx="11738610" cy="6309420"/>
+            <a:ext cx="11738610" cy="6494085"/>
           </a:xfrm>
           <a:prstGeom prst="rect">
             <a:avLst/>
@@ -5275,24 +6181,56 @@
             </a:endParaRPr>
           </a:p>
           <a:p>
-            <a:pPr algn="just">
-              <a:lnSpc>
-                <a:spcPct val="150000"/>
-              </a:lnSpc>
-            </a:pPr>
+            <a:pPr algn="just"/>
+            <a:r>
+              <a:rPr lang="en-US" sz="2400" b="1" i="0" dirty="0">
+                <a:solidFill>
+                  <a:srgbClr val="042D85"/>
+                </a:solidFill>
+                <a:effectLst/>
+                <a:latin typeface="Times New Roman" panose="02020603050405020304" pitchFamily="18" charset="0"/>
+                <a:cs typeface="Times New Roman" panose="02020603050405020304" pitchFamily="18" charset="0"/>
+              </a:rPr>
+              <a:t>Scatter plots</a:t>
+            </a:r>
+            <a:r>
+              <a:rPr lang="en-US" sz="2400" b="0" i="0" dirty="0">
+                <a:solidFill>
+                  <a:srgbClr val="042D85"/>
+                </a:solidFill>
+                <a:effectLst/>
+                <a:latin typeface="Times New Roman" panose="02020603050405020304" pitchFamily="18" charset="0"/>
+                <a:cs typeface="Times New Roman" panose="02020603050405020304" pitchFamily="18" charset="0"/>
+              </a:rPr>
+              <a:t> are </a:t>
+            </a:r>
+            <a:r>
+              <a:rPr lang="en-US" sz="2400" b="1" i="0" dirty="0">
+                <a:solidFill>
+                  <a:srgbClr val="042D85"/>
+                </a:solidFill>
+                <a:effectLst/>
+                <a:latin typeface="Times New Roman" panose="02020603050405020304" pitchFamily="18" charset="0"/>
+                <a:cs typeface="Times New Roman" panose="02020603050405020304" pitchFamily="18" charset="0"/>
+              </a:rPr>
+              <a:t>used to</a:t>
+            </a:r>
+            <a:r>
+              <a:rPr lang="en-US" sz="2400" b="0" i="0" dirty="0">
+                <a:solidFill>
+                  <a:srgbClr val="042D85"/>
+                </a:solidFill>
+                <a:effectLst/>
+                <a:latin typeface="Times New Roman" panose="02020603050405020304" pitchFamily="18" charset="0"/>
+                <a:cs typeface="Times New Roman" panose="02020603050405020304" pitchFamily="18" charset="0"/>
+              </a:rPr>
+              <a:t> plot data points on a horizontal and a vertical axis in the attempt to show how much one variable is affected by another.</a:t>
+            </a:r>
             <a:endParaRPr lang="en-US" sz="2400" b="1" dirty="0">
               <a:ln w="0"/>
-              <a:gradFill>
-                <a:gsLst>
-                  <a:gs pos="0">
-                    <a:srgbClr val="012D86"/>
-                  </a:gs>
-                  <a:gs pos="100000">
-                    <a:srgbClr val="0E2557"/>
-                  </a:gs>
-                </a:gsLst>
-                <a:lin scaled="0"/>
-              </a:gradFill>
+              <a:solidFill>
+                <a:srgbClr val="042D85"/>
+              </a:solidFill>
               <a:effectLst>
                 <a:outerShdw blurRad="38100" dist="19050" dir="2700000" algn="tl" rotWithShape="0">
                   <a:schemeClr val="dk1">
@@ -6222,7 +7160,7 @@
         <p:spPr>
           <a:xfrm>
             <a:off x="288421" y="76200"/>
-            <a:ext cx="11738610" cy="1569660"/>
+            <a:ext cx="11738610" cy="2308324"/>
           </a:xfrm>
           <a:prstGeom prst="rect">
             <a:avLst/>
@@ -6280,6 +7218,72 @@
           </a:p>
           <a:p>
             <a:pPr algn="just"/>
+            <a:endParaRPr lang="en-US" sz="2400" b="0" i="0" dirty="0">
+              <a:solidFill>
+                <a:srgbClr val="042D85"/>
+              </a:solidFill>
+              <a:effectLst/>
+              <a:latin typeface="Times New Roman" panose="02020603050405020304" pitchFamily="18" charset="0"/>
+              <a:cs typeface="Times New Roman" panose="02020603050405020304" pitchFamily="18" charset="0"/>
+            </a:endParaRPr>
+          </a:p>
+          <a:p>
+            <a:pPr algn="just"/>
+            <a:r>
+              <a:rPr lang="en-US" sz="2400" b="0" i="0" dirty="0">
+                <a:solidFill>
+                  <a:srgbClr val="042D85"/>
+                </a:solidFill>
+                <a:effectLst/>
+                <a:latin typeface="Times New Roman" panose="02020603050405020304" pitchFamily="18" charset="0"/>
+                <a:cs typeface="Times New Roman" panose="02020603050405020304" pitchFamily="18" charset="0"/>
+              </a:rPr>
+              <a:t>A </a:t>
+            </a:r>
+            <a:r>
+              <a:rPr lang="en-US" sz="2400" b="1" i="0" dirty="0">
+                <a:solidFill>
+                  <a:srgbClr val="042D85"/>
+                </a:solidFill>
+                <a:effectLst/>
+                <a:latin typeface="Times New Roman" panose="02020603050405020304" pitchFamily="18" charset="0"/>
+                <a:cs typeface="Times New Roman" panose="02020603050405020304" pitchFamily="18" charset="0"/>
+              </a:rPr>
+              <a:t>Confusion matrix</a:t>
+            </a:r>
+            <a:r>
+              <a:rPr lang="en-US" sz="2400" b="0" i="0" dirty="0">
+                <a:solidFill>
+                  <a:srgbClr val="042D85"/>
+                </a:solidFill>
+                <a:effectLst/>
+                <a:latin typeface="Times New Roman" panose="02020603050405020304" pitchFamily="18" charset="0"/>
+                <a:cs typeface="Times New Roman" panose="02020603050405020304" pitchFamily="18" charset="0"/>
+              </a:rPr>
+              <a:t> is an N x N matrix </a:t>
+            </a:r>
+            <a:r>
+              <a:rPr lang="en-US" sz="2400" b="1" i="0" dirty="0">
+                <a:solidFill>
+                  <a:srgbClr val="042D85"/>
+                </a:solidFill>
+                <a:effectLst/>
+                <a:latin typeface="Times New Roman" panose="02020603050405020304" pitchFamily="18" charset="0"/>
+                <a:cs typeface="Times New Roman" panose="02020603050405020304" pitchFamily="18" charset="0"/>
+              </a:rPr>
+              <a:t>used for</a:t>
+            </a:r>
+            <a:r>
+              <a:rPr lang="en-US" sz="2400" b="0" i="0" dirty="0">
+                <a:solidFill>
+                  <a:srgbClr val="042D85"/>
+                </a:solidFill>
+                <a:effectLst/>
+                <a:latin typeface="Times New Roman" panose="02020603050405020304" pitchFamily="18" charset="0"/>
+                <a:cs typeface="Times New Roman" panose="02020603050405020304" pitchFamily="18" charset="0"/>
+              </a:rPr>
+              <a:t> evaluating the performance of a classification model, where N is the number of target classes.</a:t>
+            </a:r>
             <a:endParaRPr lang="en-US" sz="2400" b="1" i="0" dirty="0">
               <a:solidFill>
                 <a:srgbClr val="042D85"/>
@@ -6350,10 +7354,10 @@
       </p:pic>
       <p:pic>
         <p:nvPicPr>
-          <p:cNvPr id="4" name="Picture 3">
+          <p:cNvPr id="6" name="Picture 5">
             <a:extLst>
               <a:ext uri="{FF2B5EF4-FFF2-40B4-BE49-F238E27FC236}">
-                <a16:creationId xmlns:a16="http://schemas.microsoft.com/office/drawing/2014/main" id="{83FFB551-E650-470E-8B6B-7B0F18F4A6F8}"/>
+                <a16:creationId xmlns:a16="http://schemas.microsoft.com/office/drawing/2014/main" id="{93669908-0381-415C-B50F-1B4F66EE50C7}"/>
               </a:ext>
             </a:extLst>
           </p:cNvPr>
@@ -6376,8 +7380,44 @@
         </p:blipFill>
         <p:spPr>
           <a:xfrm>
-            <a:off x="2329796" y="565612"/>
-            <a:ext cx="7655859" cy="4865916"/>
+            <a:off x="164969" y="2015192"/>
+            <a:ext cx="5639587" cy="4067743"/>
+          </a:xfrm>
+          <a:prstGeom prst="rect">
+            <a:avLst/>
+          </a:prstGeom>
+        </p:spPr>
+      </p:pic>
+      <p:pic>
+        <p:nvPicPr>
+          <p:cNvPr id="8" name="Picture 7">
+            <a:extLst>
+              <a:ext uri="{FF2B5EF4-FFF2-40B4-BE49-F238E27FC236}">
+                <a16:creationId xmlns:a16="http://schemas.microsoft.com/office/drawing/2014/main" id="{30CD59DF-5A1B-49F0-A129-C640863D4CDC}"/>
+              </a:ext>
+            </a:extLst>
+          </p:cNvPr>
+          <p:cNvPicPr>
+            <a:picLocks noChangeAspect="1"/>
+          </p:cNvPicPr>
+          <p:nvPr/>
+        </p:nvPicPr>
+        <p:blipFill>
+          <a:blip r:embed="rId4">
+            <a:extLst>
+              <a:ext uri="{28A0092B-C50C-407E-A947-70E740481C1C}">
+                <a14:useLocalDpi xmlns:a14="http://schemas.microsoft.com/office/drawing/2010/main" val="0"/>
+              </a:ext>
+            </a:extLst>
+          </a:blip>
+          <a:stretch>
+            <a:fillRect/>
+          </a:stretch>
+        </p:blipFill>
+        <p:spPr>
+          <a:xfrm>
+            <a:off x="6396970" y="2015192"/>
+            <a:ext cx="5630061" cy="4039164"/>
           </a:xfrm>
           <a:prstGeom prst="rect">
             <a:avLst/>
@@ -6435,7 +7475,7 @@
         <p:spPr>
           <a:xfrm>
             <a:off x="226695" y="215452"/>
-            <a:ext cx="11738610" cy="6095066"/>
+            <a:ext cx="11738610" cy="6402843"/>
           </a:xfrm>
           <a:prstGeom prst="rect">
             <a:avLst/>
@@ -6471,30 +7511,6 @@
               </a:rPr>
               <a:t>POINTS FOR DISCUSSION</a:t>
             </a:r>
-            <a:endParaRPr lang="en-US" sz="2400" dirty="0">
-              <a:ln w="0"/>
-              <a:effectLst>
-                <a:outerShdw blurRad="38100" dist="19050" dir="2700000" algn="tl" rotWithShape="0">
-                  <a:schemeClr val="dk1">
-                    <a:alpha val="40000"/>
-                  </a:schemeClr>
-                </a:outerShdw>
-              </a:effectLst>
-              <a:latin typeface="Times New Roman" panose="02020603050405020304" pitchFamily="18" charset="0"/>
-              <a:cs typeface="Times New Roman" panose="02020603050405020304" pitchFamily="18" charset="0"/>
-            </a:endParaRPr>
-          </a:p>
-          <a:p>
-            <a:pPr marL="457200" indent="-457200" algn="just">
-              <a:spcBef>
-                <a:spcPts val="60"/>
-              </a:spcBef>
-              <a:spcAft>
-                <a:spcPts val="60"/>
-              </a:spcAft>
-              <a:buFont typeface="Wingdings" panose="05000000000000000000" pitchFamily="2" charset="2"/>
-              <a:buChar char="Ø"/>
-            </a:pPr>
             <a:endParaRPr lang="en-US" sz="2000" dirty="0">
               <a:ln w="0"/>
               <a:gradFill>
@@ -6804,6 +7820,47 @@
                 <a:cs typeface="Times New Roman" panose="02020603050405020304" pitchFamily="18" charset="0"/>
               </a:rPr>
               <a:t>Performance Metrics and Accuracy</a:t>
+            </a:r>
+          </a:p>
+          <a:p>
+            <a:pPr marL="457200" indent="-457200" algn="just">
+              <a:lnSpc>
+                <a:spcPct val="200000"/>
+              </a:lnSpc>
+              <a:spcBef>
+                <a:spcPts val="60"/>
+              </a:spcBef>
+              <a:spcAft>
+                <a:spcPts val="60"/>
+              </a:spcAft>
+              <a:buFont typeface="Wingdings" panose="05000000000000000000" pitchFamily="2" charset="2"/>
+              <a:buChar char="Ø"/>
+            </a:pPr>
+            <a:r>
+              <a:rPr lang="en-US" sz="2000" dirty="0">
+                <a:ln w="0"/>
+                <a:gradFill>
+                  <a:gsLst>
+                    <a:gs pos="0">
+                      <a:srgbClr val="012D86"/>
+                    </a:gs>
+                    <a:gs pos="100000">
+                      <a:srgbClr val="0E2557"/>
+                    </a:gs>
+                  </a:gsLst>
+                  <a:lin scaled="0"/>
+                </a:gradFill>
+                <a:effectLst>
+                  <a:outerShdw blurRad="38100" dist="19050" dir="2700000" algn="tl" rotWithShape="0">
+                    <a:schemeClr val="dk1">
+                      <a:alpha val="40000"/>
+                    </a:schemeClr>
+                  </a:outerShdw>
+                </a:effectLst>
+                <a:latin typeface="Times New Roman" panose="02020603050405020304" pitchFamily="18" charset="0"/>
+                <a:cs typeface="Times New Roman" panose="02020603050405020304" pitchFamily="18" charset="0"/>
+              </a:rPr>
+              <a:t>Confusion Metrics</a:t>
             </a:r>
           </a:p>
           <a:p>
@@ -6930,6 +7987,446 @@
         </p:nvSpPr>
         <p:spPr>
           <a:xfrm>
+            <a:off x="288421" y="76200"/>
+            <a:ext cx="11738610" cy="1261884"/>
+          </a:xfrm>
+          <a:prstGeom prst="rect">
+            <a:avLst/>
+          </a:prstGeom>
+          <a:noFill/>
+        </p:spPr>
+        <p:txBody>
+          <a:bodyPr wrap="square" lIns="91440" tIns="45720" rIns="91440" bIns="45720">
+            <a:spAutoFit/>
+          </a:bodyPr>
+          <a:lstStyle/>
+          <a:p>
+            <a:pPr algn="just"/>
+            <a:r>
+              <a:rPr lang="en-US" sz="3200" b="1" dirty="0">
+                <a:ln w="0"/>
+                <a:solidFill>
+                  <a:srgbClr val="C00000"/>
+                </a:solidFill>
+                <a:effectLst>
+                  <a:outerShdw blurRad="38100" dist="19050" dir="2700000" algn="tl" rotWithShape="0">
+                    <a:schemeClr val="dk1">
+                      <a:alpha val="40000"/>
+                    </a:schemeClr>
+                  </a:outerShdw>
+                </a:effectLst>
+                <a:latin typeface="Times New Roman" panose="02020603050405020304" pitchFamily="18" charset="0"/>
+                <a:cs typeface="Times New Roman" panose="02020603050405020304" pitchFamily="18" charset="0"/>
+              </a:rPr>
+              <a:t>Confusion Matrix</a:t>
+            </a:r>
+            <a:endParaRPr lang="en-US" sz="2400" b="1" dirty="0">
+              <a:ln w="0"/>
+              <a:gradFill>
+                <a:gsLst>
+                  <a:gs pos="0">
+                    <a:srgbClr val="012D86"/>
+                  </a:gs>
+                  <a:gs pos="100000">
+                    <a:srgbClr val="0E2557"/>
+                  </a:gs>
+                </a:gsLst>
+                <a:lin scaled="0"/>
+              </a:gradFill>
+              <a:effectLst>
+                <a:outerShdw blurRad="38100" dist="19050" dir="2700000" algn="tl" rotWithShape="0">
+                  <a:schemeClr val="dk1">
+                    <a:alpha val="40000"/>
+                  </a:schemeClr>
+                </a:outerShdw>
+              </a:effectLst>
+              <a:latin typeface="Times New Roman" panose="02020603050405020304" pitchFamily="18" charset="0"/>
+              <a:cs typeface="Times New Roman" panose="02020603050405020304" pitchFamily="18" charset="0"/>
+            </a:endParaRPr>
+          </a:p>
+          <a:p>
+            <a:pPr algn="just"/>
+            <a:endParaRPr lang="en-US" sz="2400" b="0" i="0" dirty="0">
+              <a:solidFill>
+                <a:srgbClr val="042D85"/>
+              </a:solidFill>
+              <a:effectLst/>
+              <a:latin typeface="Times New Roman" panose="02020603050405020304" pitchFamily="18" charset="0"/>
+              <a:cs typeface="Times New Roman" panose="02020603050405020304" pitchFamily="18" charset="0"/>
+            </a:endParaRPr>
+          </a:p>
+          <a:p>
+            <a:pPr algn="just"/>
+            <a:endParaRPr lang="en-US" sz="2000" dirty="0">
+              <a:solidFill>
+                <a:srgbClr val="042D85"/>
+              </a:solidFill>
+              <a:latin typeface="Times New Roman" panose="02020603050405020304" pitchFamily="18" charset="0"/>
+              <a:cs typeface="Times New Roman" panose="02020603050405020304" pitchFamily="18" charset="0"/>
+            </a:endParaRPr>
+          </a:p>
+        </p:txBody>
+      </p:sp>
+      <p:pic>
+        <p:nvPicPr>
+          <p:cNvPr id="5" name="Picture 4">
+            <a:extLst>
+              <a:ext uri="{FF2B5EF4-FFF2-40B4-BE49-F238E27FC236}">
+                <a16:creationId xmlns:a16="http://schemas.microsoft.com/office/drawing/2014/main" id="{C63DC5EE-F5B7-4467-81FD-E92050D03BB3}"/>
+              </a:ext>
+            </a:extLst>
+          </p:cNvPr>
+          <p:cNvPicPr>
+            <a:picLocks noChangeAspect="1"/>
+          </p:cNvPicPr>
+          <p:nvPr/>
+        </p:nvPicPr>
+        <p:blipFill>
+          <a:blip r:embed="rId2" cstate="print">
+            <a:extLst>
+              <a:ext uri="{28A0092B-C50C-407E-A947-70E740481C1C}">
+                <a14:useLocalDpi xmlns:a14="http://schemas.microsoft.com/office/drawing/2010/main" val="0"/>
+              </a:ext>
+            </a:extLst>
+          </a:blip>
+          <a:stretch>
+            <a:fillRect/>
+          </a:stretch>
+        </p:blipFill>
+        <p:spPr>
+          <a:xfrm>
+            <a:off x="11639150" y="101864"/>
+            <a:ext cx="463748" cy="463748"/>
+          </a:xfrm>
+          <a:prstGeom prst="rect">
+            <a:avLst/>
+          </a:prstGeom>
+        </p:spPr>
+      </p:pic>
+      <p:pic>
+        <p:nvPicPr>
+          <p:cNvPr id="4" name="Picture 3">
+            <a:extLst>
+              <a:ext uri="{FF2B5EF4-FFF2-40B4-BE49-F238E27FC236}">
+                <a16:creationId xmlns:a16="http://schemas.microsoft.com/office/drawing/2014/main" id="{9DC2114E-A7E5-47E7-BAC8-DF4528EF60CC}"/>
+              </a:ext>
+            </a:extLst>
+          </p:cNvPr>
+          <p:cNvPicPr>
+            <a:picLocks noChangeAspect="1"/>
+          </p:cNvPicPr>
+          <p:nvPr/>
+        </p:nvPicPr>
+        <p:blipFill>
+          <a:blip r:embed="rId3">
+            <a:extLst>
+              <a:ext uri="{28A0092B-C50C-407E-A947-70E740481C1C}">
+                <a14:useLocalDpi xmlns:a14="http://schemas.microsoft.com/office/drawing/2010/main" val="0"/>
+              </a:ext>
+            </a:extLst>
+          </a:blip>
+          <a:stretch>
+            <a:fillRect/>
+          </a:stretch>
+        </p:blipFill>
+        <p:spPr>
+          <a:xfrm>
+            <a:off x="212554" y="1338084"/>
+            <a:ext cx="5725324" cy="4110498"/>
+          </a:xfrm>
+          <a:prstGeom prst="rect">
+            <a:avLst/>
+          </a:prstGeom>
+        </p:spPr>
+      </p:pic>
+      <p:pic>
+        <p:nvPicPr>
+          <p:cNvPr id="9" name="Picture 8">
+            <a:extLst>
+              <a:ext uri="{FF2B5EF4-FFF2-40B4-BE49-F238E27FC236}">
+                <a16:creationId xmlns:a16="http://schemas.microsoft.com/office/drawing/2014/main" id="{300FEB86-2322-4B3E-9D5A-6915C3F939E2}"/>
+              </a:ext>
+            </a:extLst>
+          </p:cNvPr>
+          <p:cNvPicPr>
+            <a:picLocks noChangeAspect="1"/>
+          </p:cNvPicPr>
+          <p:nvPr/>
+        </p:nvPicPr>
+        <p:blipFill>
+          <a:blip r:embed="rId4">
+            <a:extLst>
+              <a:ext uri="{28A0092B-C50C-407E-A947-70E740481C1C}">
+                <a14:useLocalDpi xmlns:a14="http://schemas.microsoft.com/office/drawing/2010/main" val="0"/>
+              </a:ext>
+            </a:extLst>
+          </a:blip>
+          <a:stretch>
+            <a:fillRect/>
+          </a:stretch>
+        </p:blipFill>
+        <p:spPr>
+          <a:xfrm>
+            <a:off x="6139759" y="1338084"/>
+            <a:ext cx="5887272" cy="4110498"/>
+          </a:xfrm>
+          <a:prstGeom prst="rect">
+            <a:avLst/>
+          </a:prstGeom>
+        </p:spPr>
+      </p:pic>
+    </p:spTree>
+    <p:extLst>
+      <p:ext uri="{BB962C8B-B14F-4D97-AF65-F5344CB8AC3E}">
+        <p14:creationId xmlns:p14="http://schemas.microsoft.com/office/powerpoint/2010/main" val="2430665842"/>
+      </p:ext>
+    </p:extLst>
+  </p:cSld>
+  <p:clrMapOvr>
+    <a:masterClrMapping/>
+  </p:clrMapOvr>
+  <mc:AlternateContent xmlns:mc="http://schemas.openxmlformats.org/markup-compatibility/2006">
+    <mc:Choice xmlns:p14="http://schemas.microsoft.com/office/powerpoint/2010/main" Requires="p14">
+      <p:transition spd="slow" p14:dur="1500">
+        <p:cover/>
+      </p:transition>
+    </mc:Choice>
+    <mc:Fallback>
+      <p:transition spd="slow">
+        <p:cover/>
+      </p:transition>
+    </mc:Fallback>
+  </mc:AlternateContent>
+</p:sld>
+</file>
+
+<file path=ppt/slides/slide21.xml><?xml version="1.0" encoding="utf-8"?>
+<p:sld xmlns:a="http://schemas.openxmlformats.org/drawingml/2006/main" xmlns:r="http://schemas.openxmlformats.org/officeDocument/2006/relationships" xmlns:p="http://schemas.openxmlformats.org/presentationml/2006/main">
+  <p:cSld>
+    <p:spTree>
+      <p:nvGrpSpPr>
+        <p:cNvPr id="1" name=""/>
+        <p:cNvGrpSpPr/>
+        <p:nvPr/>
+      </p:nvGrpSpPr>
+      <p:grpSpPr>
+        <a:xfrm>
+          <a:off x="0" y="0"/>
+          <a:ext cx="0" cy="0"/>
+          <a:chOff x="0" y="0"/>
+          <a:chExt cx="0" cy="0"/>
+        </a:xfrm>
+      </p:grpSpPr>
+      <p:sp>
+        <p:nvSpPr>
+          <p:cNvPr id="2" name="Rectangle 1"/>
+          <p:cNvSpPr/>
+          <p:nvPr/>
+        </p:nvSpPr>
+        <p:spPr>
+          <a:xfrm>
+            <a:off x="288421" y="76200"/>
+            <a:ext cx="11738610" cy="1261884"/>
+          </a:xfrm>
+          <a:prstGeom prst="rect">
+            <a:avLst/>
+          </a:prstGeom>
+          <a:noFill/>
+        </p:spPr>
+        <p:txBody>
+          <a:bodyPr wrap="square" lIns="91440" tIns="45720" rIns="91440" bIns="45720">
+            <a:spAutoFit/>
+          </a:bodyPr>
+          <a:lstStyle/>
+          <a:p>
+            <a:pPr algn="just"/>
+            <a:r>
+              <a:rPr lang="en-US" sz="3200" b="1" dirty="0">
+                <a:ln w="0"/>
+                <a:solidFill>
+                  <a:srgbClr val="C00000"/>
+                </a:solidFill>
+                <a:effectLst>
+                  <a:outerShdw blurRad="38100" dist="19050" dir="2700000" algn="tl" rotWithShape="0">
+                    <a:schemeClr val="dk1">
+                      <a:alpha val="40000"/>
+                    </a:schemeClr>
+                  </a:outerShdw>
+                </a:effectLst>
+                <a:latin typeface="Times New Roman" panose="02020603050405020304" pitchFamily="18" charset="0"/>
+                <a:cs typeface="Times New Roman" panose="02020603050405020304" pitchFamily="18" charset="0"/>
+              </a:rPr>
+              <a:t>Confusion Matrix</a:t>
+            </a:r>
+            <a:endParaRPr lang="en-US" sz="2400" b="1" dirty="0">
+              <a:ln w="0"/>
+              <a:gradFill>
+                <a:gsLst>
+                  <a:gs pos="0">
+                    <a:srgbClr val="012D86"/>
+                  </a:gs>
+                  <a:gs pos="100000">
+                    <a:srgbClr val="0E2557"/>
+                  </a:gs>
+                </a:gsLst>
+                <a:lin scaled="0"/>
+              </a:gradFill>
+              <a:effectLst>
+                <a:outerShdw blurRad="38100" dist="19050" dir="2700000" algn="tl" rotWithShape="0">
+                  <a:schemeClr val="dk1">
+                    <a:alpha val="40000"/>
+                  </a:schemeClr>
+                </a:outerShdw>
+              </a:effectLst>
+              <a:latin typeface="Times New Roman" panose="02020603050405020304" pitchFamily="18" charset="0"/>
+              <a:cs typeface="Times New Roman" panose="02020603050405020304" pitchFamily="18" charset="0"/>
+            </a:endParaRPr>
+          </a:p>
+          <a:p>
+            <a:pPr algn="just"/>
+            <a:endParaRPr lang="en-US" sz="2400" b="0" i="0" dirty="0">
+              <a:solidFill>
+                <a:srgbClr val="042D85"/>
+              </a:solidFill>
+              <a:effectLst/>
+              <a:latin typeface="Times New Roman" panose="02020603050405020304" pitchFamily="18" charset="0"/>
+              <a:cs typeface="Times New Roman" panose="02020603050405020304" pitchFamily="18" charset="0"/>
+            </a:endParaRPr>
+          </a:p>
+          <a:p>
+            <a:pPr algn="just"/>
+            <a:endParaRPr lang="en-US" sz="2000" dirty="0">
+              <a:solidFill>
+                <a:srgbClr val="042D85"/>
+              </a:solidFill>
+              <a:latin typeface="Times New Roman" panose="02020603050405020304" pitchFamily="18" charset="0"/>
+              <a:cs typeface="Times New Roman" panose="02020603050405020304" pitchFamily="18" charset="0"/>
+            </a:endParaRPr>
+          </a:p>
+        </p:txBody>
+      </p:sp>
+      <p:pic>
+        <p:nvPicPr>
+          <p:cNvPr id="5" name="Picture 4">
+            <a:extLst>
+              <a:ext uri="{FF2B5EF4-FFF2-40B4-BE49-F238E27FC236}">
+                <a16:creationId xmlns:a16="http://schemas.microsoft.com/office/drawing/2014/main" id="{C63DC5EE-F5B7-4467-81FD-E92050D03BB3}"/>
+              </a:ext>
+            </a:extLst>
+          </p:cNvPr>
+          <p:cNvPicPr>
+            <a:picLocks noChangeAspect="1"/>
+          </p:cNvPicPr>
+          <p:nvPr/>
+        </p:nvPicPr>
+        <p:blipFill>
+          <a:blip r:embed="rId2" cstate="print">
+            <a:extLst>
+              <a:ext uri="{28A0092B-C50C-407E-A947-70E740481C1C}">
+                <a14:useLocalDpi xmlns:a14="http://schemas.microsoft.com/office/drawing/2010/main" val="0"/>
+              </a:ext>
+            </a:extLst>
+          </a:blip>
+          <a:stretch>
+            <a:fillRect/>
+          </a:stretch>
+        </p:blipFill>
+        <p:spPr>
+          <a:xfrm>
+            <a:off x="11639150" y="101864"/>
+            <a:ext cx="463748" cy="463748"/>
+          </a:xfrm>
+          <a:prstGeom prst="rect">
+            <a:avLst/>
+          </a:prstGeom>
+        </p:spPr>
+      </p:pic>
+      <p:pic>
+        <p:nvPicPr>
+          <p:cNvPr id="6" name="Picture 5">
+            <a:extLst>
+              <a:ext uri="{FF2B5EF4-FFF2-40B4-BE49-F238E27FC236}">
+                <a16:creationId xmlns:a16="http://schemas.microsoft.com/office/drawing/2014/main" id="{E332E51E-9E0C-48C9-ADB5-45EFCA309116}"/>
+              </a:ext>
+            </a:extLst>
+          </p:cNvPr>
+          <p:cNvPicPr>
+            <a:picLocks noChangeAspect="1"/>
+          </p:cNvPicPr>
+          <p:nvPr/>
+        </p:nvPicPr>
+        <p:blipFill>
+          <a:blip r:embed="rId3">
+            <a:extLst>
+              <a:ext uri="{28A0092B-C50C-407E-A947-70E740481C1C}">
+                <a14:useLocalDpi xmlns:a14="http://schemas.microsoft.com/office/drawing/2010/main" val="0"/>
+              </a:ext>
+            </a:extLst>
+          </a:blip>
+          <a:stretch>
+            <a:fillRect/>
+          </a:stretch>
+        </p:blipFill>
+        <p:spPr>
+          <a:xfrm>
+            <a:off x="2902755" y="1102935"/>
+            <a:ext cx="6386489" cy="4374026"/>
+          </a:xfrm>
+          <a:prstGeom prst="rect">
+            <a:avLst/>
+          </a:prstGeom>
+        </p:spPr>
+      </p:pic>
+    </p:spTree>
+    <p:extLst>
+      <p:ext uri="{BB962C8B-B14F-4D97-AF65-F5344CB8AC3E}">
+        <p14:creationId xmlns:p14="http://schemas.microsoft.com/office/powerpoint/2010/main" val="3695951856"/>
+      </p:ext>
+    </p:extLst>
+  </p:cSld>
+  <p:clrMapOvr>
+    <a:masterClrMapping/>
+  </p:clrMapOvr>
+  <mc:AlternateContent xmlns:mc="http://schemas.openxmlformats.org/markup-compatibility/2006">
+    <mc:Choice xmlns:p14="http://schemas.microsoft.com/office/powerpoint/2010/main" Requires="p14">
+      <p:transition spd="slow" p14:dur="1500">
+        <p:cover/>
+      </p:transition>
+    </mc:Choice>
+    <mc:Fallback>
+      <p:transition spd="slow">
+        <p:cover/>
+      </p:transition>
+    </mc:Fallback>
+  </mc:AlternateContent>
+</p:sld>
+</file>
+
+<file path=ppt/slides/slide22.xml><?xml version="1.0" encoding="utf-8"?>
+<p:sld xmlns:a="http://schemas.openxmlformats.org/drawingml/2006/main" xmlns:r="http://schemas.openxmlformats.org/officeDocument/2006/relationships" xmlns:p="http://schemas.openxmlformats.org/presentationml/2006/main">
+  <p:cSld>
+    <p:spTree>
+      <p:nvGrpSpPr>
+        <p:cNvPr id="1" name=""/>
+        <p:cNvGrpSpPr/>
+        <p:nvPr/>
+      </p:nvGrpSpPr>
+      <p:grpSpPr>
+        <a:xfrm>
+          <a:off x="0" y="0"/>
+          <a:ext cx="0" cy="0"/>
+          <a:chOff x="0" y="0"/>
+          <a:chExt cx="0" cy="0"/>
+        </a:xfrm>
+      </p:grpSpPr>
+      <p:sp>
+        <p:nvSpPr>
+          <p:cNvPr id="2" name="Rectangle 1"/>
+          <p:cNvSpPr/>
+          <p:nvPr/>
+        </p:nvSpPr>
+        <p:spPr>
+          <a:xfrm>
             <a:off x="226695" y="101864"/>
             <a:ext cx="11738610" cy="6924973"/>
           </a:xfrm>
@@ -7459,7 +8956,7 @@
 </p:sld>
 </file>
 
-<file path=ppt/slides/slide21.xml><?xml version="1.0" encoding="utf-8"?>
+<file path=ppt/slides/slide23.xml><?xml version="1.0" encoding="utf-8"?>
 <p:sld xmlns:a="http://schemas.openxmlformats.org/drawingml/2006/main" xmlns:r="http://schemas.openxmlformats.org/officeDocument/2006/relationships" xmlns:p="http://schemas.openxmlformats.org/presentationml/2006/main">
   <p:cSld>
     <p:spTree>
@@ -8108,6 +9605,16 @@
           <a:p>
             <a:pPr algn="l"/>
             <a:r>
+              <a:rPr lang="en-US" sz="2400" dirty="0">
+                <a:solidFill>
+                  <a:srgbClr val="042D85"/>
+                </a:solidFill>
+                <a:latin typeface="Times New Roman" panose="02020603050405020304" pitchFamily="18" charset="0"/>
+                <a:cs typeface="Times New Roman" panose="02020603050405020304" pitchFamily="18" charset="0"/>
+              </a:rPr>
+              <a:t>We</a:t>
+            </a:r>
+            <a:r>
               <a:rPr lang="en-US" sz="2400" b="0" i="0" dirty="0">
                 <a:solidFill>
                   <a:srgbClr val="042D85"/>
@@ -8116,7 +9623,7 @@
                 <a:latin typeface="Times New Roman" panose="02020603050405020304" pitchFamily="18" charset="0"/>
                 <a:cs typeface="Times New Roman" panose="02020603050405020304" pitchFamily="18" charset="0"/>
               </a:rPr>
-              <a:t>You are given the following information:</a:t>
+              <a:t> are given the following information:</a:t>
             </a:r>
           </a:p>
           <a:p>
@@ -8287,7 +9794,7 @@
         <p:spPr>
           <a:xfrm>
             <a:off x="226695" y="236081"/>
-            <a:ext cx="11738610" cy="5878532"/>
+            <a:ext cx="11738610" cy="6432530"/>
           </a:xfrm>
           <a:prstGeom prst="rect">
             <a:avLst/>
@@ -8345,10 +9852,11 @@
           </a:p>
           <a:p>
             <a:pPr algn="l"/>
-            <a:endParaRPr lang="en-US" sz="2000" dirty="0">
+            <a:endParaRPr lang="en-US" sz="2000" i="0" dirty="0">
               <a:solidFill>
                 <a:srgbClr val="042D85"/>
               </a:solidFill>
+              <a:effectLst/>
               <a:latin typeface="Times New Roman" panose="02020603050405020304" pitchFamily="18" charset="0"/>
               <a:cs typeface="Times New Roman" panose="02020603050405020304" pitchFamily="18" charset="0"/>
             </a:endParaRPr>
@@ -8356,7 +9864,7 @@
           <a:p>
             <a:pPr algn="l"/>
             <a:r>
-              <a:rPr lang="en-US" sz="2000" b="1" i="0" u="sng" dirty="0">
+              <a:rPr lang="en-US" sz="2000" i="0" dirty="0">
                 <a:solidFill>
                   <a:srgbClr val="042D85"/>
                 </a:solidFill>
@@ -8364,21 +9872,64 @@
                 <a:latin typeface="Times New Roman" panose="02020603050405020304" pitchFamily="18" charset="0"/>
                 <a:cs typeface="Times New Roman" panose="02020603050405020304" pitchFamily="18" charset="0"/>
               </a:rPr>
-              <a:t>Data fields</a:t>
-            </a:r>
-          </a:p>
-          <a:p>
-            <a:pPr algn="l"/>
-            <a:endParaRPr lang="en-US" sz="2000" b="1" u="sng" dirty="0">
+              <a:t>We are given the dataset having 6 columns – </a:t>
+            </a:r>
+          </a:p>
+          <a:p>
+            <a:pPr marL="342900" indent="-342900" algn="l">
+              <a:buFont typeface="Arial" panose="020B0604020202020204" pitchFamily="34" charset="0"/>
+              <a:buChar char="•"/>
+            </a:pPr>
+            <a:r>
+              <a:rPr lang="en-US" sz="2000" i="0" dirty="0" err="1">
+                <a:solidFill>
+                  <a:srgbClr val="042D85"/>
+                </a:solidFill>
+                <a:effectLst/>
+                <a:latin typeface="Times New Roman" panose="02020603050405020304" pitchFamily="18" charset="0"/>
+                <a:cs typeface="Times New Roman" panose="02020603050405020304" pitchFamily="18" charset="0"/>
+              </a:rPr>
+              <a:t>UserName</a:t>
+            </a:r>
+            <a:endParaRPr lang="en-US" sz="2000" i="0" dirty="0">
               <a:solidFill>
                 <a:srgbClr val="042D85"/>
               </a:solidFill>
-              <a:latin typeface="Times New Roman" panose="02020603050405020304" pitchFamily="18" charset="0"/>
-              <a:cs typeface="Times New Roman" panose="02020603050405020304" pitchFamily="18" charset="0"/>
-            </a:endParaRPr>
-          </a:p>
-          <a:p>
-            <a:pPr algn="l"/>
+              <a:effectLst/>
+              <a:latin typeface="Times New Roman" panose="02020603050405020304" pitchFamily="18" charset="0"/>
+              <a:cs typeface="Times New Roman" panose="02020603050405020304" pitchFamily="18" charset="0"/>
+            </a:endParaRPr>
+          </a:p>
+          <a:p>
+            <a:pPr marL="342900" indent="-342900" algn="l">
+              <a:buFont typeface="Arial" panose="020B0604020202020204" pitchFamily="34" charset="0"/>
+              <a:buChar char="•"/>
+            </a:pPr>
+            <a:r>
+              <a:rPr lang="en-US" sz="2000" i="0" dirty="0" err="1">
+                <a:solidFill>
+                  <a:srgbClr val="042D85"/>
+                </a:solidFill>
+                <a:effectLst/>
+                <a:latin typeface="Times New Roman" panose="02020603050405020304" pitchFamily="18" charset="0"/>
+                <a:cs typeface="Times New Roman" panose="02020603050405020304" pitchFamily="18" charset="0"/>
+              </a:rPr>
+              <a:t>ScreenName</a:t>
+            </a:r>
+            <a:endParaRPr lang="en-US" sz="2000" i="0" dirty="0">
+              <a:solidFill>
+                <a:srgbClr val="042D85"/>
+              </a:solidFill>
+              <a:effectLst/>
+              <a:latin typeface="Times New Roman" panose="02020603050405020304" pitchFamily="18" charset="0"/>
+              <a:cs typeface="Times New Roman" panose="02020603050405020304" pitchFamily="18" charset="0"/>
+            </a:endParaRPr>
+          </a:p>
+          <a:p>
+            <a:pPr marL="342900" indent="-342900" algn="l">
+              <a:buFont typeface="Arial" panose="020B0604020202020204" pitchFamily="34" charset="0"/>
+              <a:buChar char="•"/>
+            </a:pPr>
             <a:r>
               <a:rPr lang="en-US" sz="2000" i="0" dirty="0">
                 <a:solidFill>
@@ -8388,8 +9939,14 @@
                 <a:latin typeface="Times New Roman" panose="02020603050405020304" pitchFamily="18" charset="0"/>
                 <a:cs typeface="Times New Roman" panose="02020603050405020304" pitchFamily="18" charset="0"/>
               </a:rPr>
-              <a:t>We are given the dataset having 6 columns – ‘</a:t>
-            </a:r>
+              <a:t>Location</a:t>
+            </a:r>
+          </a:p>
+          <a:p>
+            <a:pPr marL="342900" indent="-342900" algn="l">
+              <a:buFont typeface="Arial" panose="020B0604020202020204" pitchFamily="34" charset="0"/>
+              <a:buChar char="•"/>
+            </a:pPr>
             <a:r>
               <a:rPr lang="en-US" sz="2000" i="0" dirty="0" err="1">
                 <a:solidFill>
@@ -8399,8 +9956,47 @@
                 <a:latin typeface="Times New Roman" panose="02020603050405020304" pitchFamily="18" charset="0"/>
                 <a:cs typeface="Times New Roman" panose="02020603050405020304" pitchFamily="18" charset="0"/>
               </a:rPr>
-              <a:t>UserName</a:t>
-            </a:r>
+              <a:t>TweetAt</a:t>
+            </a:r>
+            <a:endParaRPr lang="en-US" sz="2000" i="0" dirty="0">
+              <a:solidFill>
+                <a:srgbClr val="042D85"/>
+              </a:solidFill>
+              <a:effectLst/>
+              <a:latin typeface="Times New Roman" panose="02020603050405020304" pitchFamily="18" charset="0"/>
+              <a:cs typeface="Times New Roman" panose="02020603050405020304" pitchFamily="18" charset="0"/>
+            </a:endParaRPr>
+          </a:p>
+          <a:p>
+            <a:pPr marL="342900" indent="-342900" algn="l">
+              <a:buFont typeface="Arial" panose="020B0604020202020204" pitchFamily="34" charset="0"/>
+              <a:buChar char="•"/>
+            </a:pPr>
+            <a:r>
+              <a:rPr lang="en-US" sz="2000" i="0" dirty="0" err="1">
+                <a:solidFill>
+                  <a:srgbClr val="042D85"/>
+                </a:solidFill>
+                <a:effectLst/>
+                <a:latin typeface="Times New Roman" panose="02020603050405020304" pitchFamily="18" charset="0"/>
+                <a:cs typeface="Times New Roman" panose="02020603050405020304" pitchFamily="18" charset="0"/>
+              </a:rPr>
+              <a:t>OriginalTweet</a:t>
+            </a:r>
+            <a:endParaRPr lang="en-US" sz="2000" i="0" dirty="0">
+              <a:solidFill>
+                <a:srgbClr val="042D85"/>
+              </a:solidFill>
+              <a:effectLst/>
+              <a:latin typeface="Times New Roman" panose="02020603050405020304" pitchFamily="18" charset="0"/>
+              <a:cs typeface="Times New Roman" panose="02020603050405020304" pitchFamily="18" charset="0"/>
+            </a:endParaRPr>
+          </a:p>
+          <a:p>
+            <a:pPr marL="342900" indent="-342900" algn="l">
+              <a:buFont typeface="Arial" panose="020B0604020202020204" pitchFamily="34" charset="0"/>
+              <a:buChar char="•"/>
+            </a:pPr>
             <a:r>
               <a:rPr lang="en-US" sz="2000" i="0" dirty="0">
                 <a:solidFill>
@@ -8410,73 +10006,7 @@
                 <a:latin typeface="Times New Roman" panose="02020603050405020304" pitchFamily="18" charset="0"/>
                 <a:cs typeface="Times New Roman" panose="02020603050405020304" pitchFamily="18" charset="0"/>
               </a:rPr>
-              <a:t>’, ‘</a:t>
-            </a:r>
-            <a:r>
-              <a:rPr lang="en-US" sz="2000" i="0" dirty="0" err="1">
-                <a:solidFill>
-                  <a:srgbClr val="042D85"/>
-                </a:solidFill>
-                <a:effectLst/>
-                <a:latin typeface="Times New Roman" panose="02020603050405020304" pitchFamily="18" charset="0"/>
-                <a:cs typeface="Times New Roman" panose="02020603050405020304" pitchFamily="18" charset="0"/>
-              </a:rPr>
-              <a:t>ScreenName</a:t>
-            </a:r>
-            <a:r>
-              <a:rPr lang="en-US" sz="2000" i="0" dirty="0">
-                <a:solidFill>
-                  <a:srgbClr val="042D85"/>
-                </a:solidFill>
-                <a:effectLst/>
-                <a:latin typeface="Times New Roman" panose="02020603050405020304" pitchFamily="18" charset="0"/>
-                <a:cs typeface="Times New Roman" panose="02020603050405020304" pitchFamily="18" charset="0"/>
-              </a:rPr>
-              <a:t>’, ‘Location’, ‘</a:t>
-            </a:r>
-            <a:r>
-              <a:rPr lang="en-US" sz="2000" i="0" dirty="0" err="1">
-                <a:solidFill>
-                  <a:srgbClr val="042D85"/>
-                </a:solidFill>
-                <a:effectLst/>
-                <a:latin typeface="Times New Roman" panose="02020603050405020304" pitchFamily="18" charset="0"/>
-                <a:cs typeface="Times New Roman" panose="02020603050405020304" pitchFamily="18" charset="0"/>
-              </a:rPr>
-              <a:t>TweetAt</a:t>
-            </a:r>
-            <a:r>
-              <a:rPr lang="en-US" sz="2000" i="0" dirty="0">
-                <a:solidFill>
-                  <a:srgbClr val="042D85"/>
-                </a:solidFill>
-                <a:effectLst/>
-                <a:latin typeface="Times New Roman" panose="02020603050405020304" pitchFamily="18" charset="0"/>
-                <a:cs typeface="Times New Roman" panose="02020603050405020304" pitchFamily="18" charset="0"/>
-              </a:rPr>
-              <a:t>’, ‘</a:t>
-            </a:r>
-            <a:r>
-              <a:rPr lang="en-US" sz="2000" i="0" dirty="0" err="1">
-                <a:solidFill>
-                  <a:srgbClr val="042D85"/>
-                </a:solidFill>
-                <a:effectLst/>
-                <a:latin typeface="Times New Roman" panose="02020603050405020304" pitchFamily="18" charset="0"/>
-                <a:cs typeface="Times New Roman" panose="02020603050405020304" pitchFamily="18" charset="0"/>
-              </a:rPr>
-              <a:t>OriginalTweet</a:t>
-            </a:r>
-            <a:r>
-              <a:rPr lang="en-US" sz="2000" i="0" dirty="0">
-                <a:solidFill>
-                  <a:srgbClr val="042D85"/>
-                </a:solidFill>
-                <a:effectLst/>
-                <a:latin typeface="Times New Roman" panose="02020603050405020304" pitchFamily="18" charset="0"/>
-                <a:cs typeface="Times New Roman" panose="02020603050405020304" pitchFamily="18" charset="0"/>
-              </a:rPr>
-              <a:t>’ and ‘Sentiment’.</a:t>
+              <a:t>Sentiment</a:t>
             </a:r>
           </a:p>
           <a:p>
@@ -8567,11 +10097,25 @@
                 <a:latin typeface="Times New Roman" panose="02020603050405020304" pitchFamily="18" charset="0"/>
                 <a:cs typeface="Times New Roman" panose="02020603050405020304" pitchFamily="18" charset="0"/>
               </a:rPr>
-              <a:t>We have done classification using five models namely - Logistic Regression Model, Decision Tree Classifier, Random Forest Classifier, Gradient Boosting Classifier and Passive Aggressive Classifier.</a:t>
-            </a:r>
-          </a:p>
-          <a:p>
-            <a:pPr algn="l"/>
+              <a:t>We have done classification using five models namely – </a:t>
+            </a:r>
+          </a:p>
+          <a:p>
+            <a:pPr marL="342900" indent="-342900">
+              <a:buFont typeface="Arial" panose="020B0604020202020204" pitchFamily="34" charset="0"/>
+              <a:buChar char="•"/>
+            </a:pPr>
+            <a:r>
+              <a:rPr lang="en-US" sz="2000" b="0" i="0" dirty="0">
+                <a:solidFill>
+                  <a:srgbClr val="042D85"/>
+                </a:solidFill>
+                <a:effectLst/>
+                <a:latin typeface="Times New Roman" panose="02020603050405020304" pitchFamily="18" charset="0"/>
+                <a:cs typeface="Times New Roman" panose="02020603050405020304" pitchFamily="18" charset="0"/>
+              </a:rPr>
+              <a:t>Logistic Regression Model</a:t>
+            </a:r>
             <a:endParaRPr lang="en-US" sz="2000" dirty="0">
               <a:solidFill>
                 <a:srgbClr val="042D85"/>
@@ -8581,9 +10125,12 @@
             </a:endParaRPr>
           </a:p>
           <a:p>
-            <a:pPr algn="l"/>
-            <a:r>
-              <a:rPr lang="en-US" sz="2000" i="0" dirty="0">
+            <a:pPr marL="342900" indent="-342900">
+              <a:buFont typeface="Arial" panose="020B0604020202020204" pitchFamily="34" charset="0"/>
+              <a:buChar char="•"/>
+            </a:pPr>
+            <a:r>
+              <a:rPr lang="en-US" sz="2000" b="0" i="0" dirty="0">
                 <a:solidFill>
                   <a:srgbClr val="042D85"/>
                 </a:solidFill>
@@ -8591,12 +10138,9 @@
                 <a:latin typeface="Times New Roman" panose="02020603050405020304" pitchFamily="18" charset="0"/>
                 <a:cs typeface="Times New Roman" panose="02020603050405020304" pitchFamily="18" charset="0"/>
               </a:rPr>
-              <a:t>  </a:t>
-            </a:r>
-          </a:p>
-          <a:p>
-            <a:pPr algn="l"/>
-            <a:endParaRPr lang="en-US" sz="1600" b="1" u="sng" dirty="0">
+              <a:t>Decision Tree Classifier</a:t>
+            </a:r>
+            <a:endParaRPr lang="en-US" sz="2000" dirty="0">
               <a:solidFill>
                 <a:srgbClr val="042D85"/>
               </a:solidFill>
@@ -8605,36 +10149,62 @@
             </a:endParaRPr>
           </a:p>
           <a:p>
-            <a:pPr algn="l"/>
-            <a:endParaRPr lang="en-US" sz="1600" b="0" i="0" dirty="0">
+            <a:pPr marL="342900" indent="-342900">
+              <a:buFont typeface="Arial" panose="020B0604020202020204" pitchFamily="34" charset="0"/>
+              <a:buChar char="•"/>
+            </a:pPr>
+            <a:r>
+              <a:rPr lang="en-US" sz="2000" b="0" i="0" dirty="0">
+                <a:solidFill>
+                  <a:srgbClr val="042D85"/>
+                </a:solidFill>
+                <a:effectLst/>
+                <a:latin typeface="Times New Roman" panose="02020603050405020304" pitchFamily="18" charset="0"/>
+                <a:cs typeface="Times New Roman" panose="02020603050405020304" pitchFamily="18" charset="0"/>
+              </a:rPr>
+              <a:t>Random Forest Classifier</a:t>
+            </a:r>
+            <a:endParaRPr lang="en-US" sz="2000" dirty="0">
               <a:solidFill>
                 <a:srgbClr val="042D85"/>
               </a:solidFill>
-              <a:effectLst/>
-              <a:latin typeface="Times New Roman" panose="02020603050405020304" pitchFamily="18" charset="0"/>
-              <a:cs typeface="Times New Roman" panose="02020603050405020304" pitchFamily="18" charset="0"/>
-            </a:endParaRPr>
-          </a:p>
-          <a:p>
-            <a:pPr algn="l"/>
-            <a:endParaRPr lang="en-US" sz="1600" dirty="0">
-              <a:solidFill>
-                <a:srgbClr val="042D85"/>
-              </a:solidFill>
-              <a:latin typeface="Times New Roman" panose="02020603050405020304" pitchFamily="18" charset="0"/>
-              <a:cs typeface="Times New Roman" panose="02020603050405020304" pitchFamily="18" charset="0"/>
-            </a:endParaRPr>
-          </a:p>
-          <a:p>
-            <a:pPr algn="l"/>
-            <a:endParaRPr lang="en-US" sz="1600" b="0" i="0" dirty="0">
-              <a:solidFill>
-                <a:srgbClr val="042D85"/>
-              </a:solidFill>
-              <a:effectLst/>
-              <a:latin typeface="Times New Roman" panose="02020603050405020304" pitchFamily="18" charset="0"/>
-              <a:cs typeface="Times New Roman" panose="02020603050405020304" pitchFamily="18" charset="0"/>
-            </a:endParaRPr>
+              <a:latin typeface="Times New Roman" panose="02020603050405020304" pitchFamily="18" charset="0"/>
+              <a:cs typeface="Times New Roman" panose="02020603050405020304" pitchFamily="18" charset="0"/>
+            </a:endParaRPr>
+          </a:p>
+          <a:p>
+            <a:pPr marL="342900" indent="-342900">
+              <a:buFont typeface="Arial" panose="020B0604020202020204" pitchFamily="34" charset="0"/>
+              <a:buChar char="•"/>
+            </a:pPr>
+            <a:r>
+              <a:rPr lang="en-US" sz="2000" b="0" i="0" dirty="0">
+                <a:solidFill>
+                  <a:srgbClr val="042D85"/>
+                </a:solidFill>
+                <a:effectLst/>
+                <a:latin typeface="Times New Roman" panose="02020603050405020304" pitchFamily="18" charset="0"/>
+                <a:cs typeface="Times New Roman" panose="02020603050405020304" pitchFamily="18" charset="0"/>
+              </a:rPr>
+              <a:t>Gradient Boosting Classifier</a:t>
+            </a:r>
+          </a:p>
+          <a:p>
+            <a:pPr marL="342900" indent="-342900">
+              <a:buFont typeface="Arial" panose="020B0604020202020204" pitchFamily="34" charset="0"/>
+              <a:buChar char="•"/>
+            </a:pPr>
+            <a:r>
+              <a:rPr lang="en-US" sz="2000" b="0" i="0" dirty="0">
+                <a:solidFill>
+                  <a:srgbClr val="042D85"/>
+                </a:solidFill>
+                <a:effectLst/>
+                <a:latin typeface="Times New Roman" panose="02020603050405020304" pitchFamily="18" charset="0"/>
+                <a:cs typeface="Times New Roman" panose="02020603050405020304" pitchFamily="18" charset="0"/>
+              </a:rPr>
+              <a:t>Passive Aggressive Classifier.</a:t>
+            </a:r>
           </a:p>
         </p:txBody>
       </p:sp>
@@ -8797,8 +10367,48 @@
                 <a:latin typeface="Times New Roman" panose="02020603050405020304" pitchFamily="18" charset="0"/>
                 <a:cs typeface="Times New Roman" panose="02020603050405020304" pitchFamily="18" charset="0"/>
               </a:rPr>
-              <a:t>pandas</a:t>
-            </a:r>
+              <a:t>Pandas – M</a:t>
+            </a:r>
+            <a:r>
+              <a:rPr lang="en-US" sz="2400" i="0" dirty="0">
+                <a:solidFill>
+                  <a:srgbClr val="042D85"/>
+                </a:solidFill>
+                <a:effectLst/>
+                <a:latin typeface="Times New Roman" panose="02020603050405020304" pitchFamily="18" charset="0"/>
+                <a:cs typeface="Times New Roman" panose="02020603050405020304" pitchFamily="18" charset="0"/>
+              </a:rPr>
+              <a:t>anipulation of tabular data in </a:t>
+            </a:r>
+            <a:r>
+              <a:rPr lang="en-US" sz="2400" i="0" dirty="0" err="1">
+                <a:solidFill>
+                  <a:srgbClr val="042D85"/>
+                </a:solidFill>
+                <a:effectLst/>
+                <a:latin typeface="Times New Roman" panose="02020603050405020304" pitchFamily="18" charset="0"/>
+                <a:cs typeface="Times New Roman" panose="02020603050405020304" pitchFamily="18" charset="0"/>
+              </a:rPr>
+              <a:t>Dataframes</a:t>
+            </a:r>
+            <a:r>
+              <a:rPr lang="en-US" sz="2400" dirty="0">
+                <a:solidFill>
+                  <a:srgbClr val="042D85"/>
+                </a:solidFill>
+                <a:latin typeface="Times New Roman" panose="02020603050405020304" pitchFamily="18" charset="0"/>
+                <a:cs typeface="Times New Roman" panose="02020603050405020304" pitchFamily="18" charset="0"/>
+              </a:rPr>
+              <a:t> </a:t>
+            </a:r>
+            <a:endParaRPr lang="en-US" sz="2400" dirty="0">
+              <a:ln w="0"/>
+              <a:solidFill>
+                <a:srgbClr val="042D85"/>
+              </a:solidFill>
+              <a:latin typeface="Times New Roman" panose="02020603050405020304" pitchFamily="18" charset="0"/>
+              <a:cs typeface="Times New Roman" panose="02020603050405020304" pitchFamily="18" charset="0"/>
+            </a:endParaRPr>
           </a:p>
           <a:p>
             <a:pPr marL="342900" indent="-342900" algn="just">
@@ -8814,7 +10424,40 @@
                 <a:latin typeface="Times New Roman" panose="02020603050405020304" pitchFamily="18" charset="0"/>
                 <a:cs typeface="Times New Roman" panose="02020603050405020304" pitchFamily="18" charset="0"/>
               </a:rPr>
-              <a:t>numpy</a:t>
+              <a:t>Numpy</a:t>
+            </a:r>
+            <a:r>
+              <a:rPr lang="en-US" sz="2400" dirty="0">
+                <a:ln w="0"/>
+                <a:solidFill>
+                  <a:srgbClr val="042D85"/>
+                </a:solidFill>
+                <a:latin typeface="Times New Roman" panose="02020603050405020304" pitchFamily="18" charset="0"/>
+                <a:cs typeface="Times New Roman" panose="02020603050405020304" pitchFamily="18" charset="0"/>
+              </a:rPr>
+              <a:t> – </a:t>
+            </a:r>
+            <a:r>
+              <a:rPr lang="en-IN" sz="2400" dirty="0">
+                <a:ln w="0"/>
+                <a:solidFill>
+                  <a:srgbClr val="042D85"/>
+                </a:solidFill>
+                <a:latin typeface="Times New Roman" panose="02020603050405020304" pitchFamily="18" charset="0"/>
+                <a:cs typeface="Times New Roman" panose="02020603050405020304" pitchFamily="18" charset="0"/>
+              </a:rPr>
+              <a:t>M</a:t>
+            </a:r>
+            <a:r>
+              <a:rPr lang="en-IN" sz="2400" i="0" dirty="0">
+                <a:solidFill>
+                  <a:srgbClr val="042D85"/>
+                </a:solidFill>
+                <a:effectLst/>
+                <a:latin typeface="Times New Roman" panose="02020603050405020304" pitchFamily="18" charset="0"/>
+                <a:cs typeface="Times New Roman" panose="02020603050405020304" pitchFamily="18" charset="0"/>
+              </a:rPr>
+              <a:t>athematical operations on arrays</a:t>
             </a:r>
             <a:endParaRPr lang="en-US" sz="2400" dirty="0">
               <a:ln w="0"/>
@@ -8839,7 +10482,7 @@
                 <a:latin typeface="Times New Roman" panose="02020603050405020304" pitchFamily="18" charset="0"/>
                 <a:cs typeface="Times New Roman" panose="02020603050405020304" pitchFamily="18" charset="0"/>
               </a:rPr>
-              <a:t>matplotlib</a:t>
+              <a:t>Matplotlib – Visualization</a:t>
             </a:r>
           </a:p>
           <a:p>
@@ -8856,7 +10499,7 @@
                 <a:latin typeface="Times New Roman" panose="02020603050405020304" pitchFamily="18" charset="0"/>
                 <a:cs typeface="Times New Roman" panose="02020603050405020304" pitchFamily="18" charset="0"/>
               </a:rPr>
-              <a:t>seaborn</a:t>
+              <a:t>Seaborn – Visualization</a:t>
             </a:r>
           </a:p>
           <a:p>
@@ -8875,14 +10518,17 @@
               </a:rPr>
               <a:t>Sklearn</a:t>
             </a:r>
-            <a:endParaRPr lang="en-US" sz="2400" dirty="0">
-              <a:ln w="0"/>
-              <a:solidFill>
-                <a:srgbClr val="042D85"/>
-              </a:solidFill>
-              <a:latin typeface="Times New Roman" panose="02020603050405020304" pitchFamily="18" charset="0"/>
-              <a:cs typeface="Times New Roman" panose="02020603050405020304" pitchFamily="18" charset="0"/>
-            </a:endParaRPr>
+            <a:r>
+              <a:rPr lang="en-US" sz="2400" dirty="0">
+                <a:ln w="0"/>
+                <a:solidFill>
+                  <a:srgbClr val="042D85"/>
+                </a:solidFill>
+                <a:latin typeface="Times New Roman" panose="02020603050405020304" pitchFamily="18" charset="0"/>
+                <a:cs typeface="Times New Roman" panose="02020603050405020304" pitchFamily="18" charset="0"/>
+              </a:rPr>
+              <a:t> – Data Modeling</a:t>
+            </a:r>
           </a:p>
           <a:p>
             <a:pPr marL="342900" indent="-342900" algn="just">
@@ -8900,14 +10546,17 @@
               </a:rPr>
               <a:t>Nltk</a:t>
             </a:r>
-            <a:endParaRPr lang="en-US" sz="2400" dirty="0">
-              <a:ln w="0"/>
-              <a:solidFill>
-                <a:srgbClr val="042D85"/>
-              </a:solidFill>
-              <a:latin typeface="Times New Roman" panose="02020603050405020304" pitchFamily="18" charset="0"/>
-              <a:cs typeface="Times New Roman" panose="02020603050405020304" pitchFamily="18" charset="0"/>
-            </a:endParaRPr>
+            <a:r>
+              <a:rPr lang="en-US" sz="2400" dirty="0">
+                <a:ln w="0"/>
+                <a:solidFill>
+                  <a:srgbClr val="042D85"/>
+                </a:solidFill>
+                <a:latin typeface="Times New Roman" panose="02020603050405020304" pitchFamily="18" charset="0"/>
+                <a:cs typeface="Times New Roman" panose="02020603050405020304" pitchFamily="18" charset="0"/>
+              </a:rPr>
+              <a:t> – Pre Processing / Feature Engineering</a:t>
+            </a:r>
           </a:p>
           <a:p>
             <a:pPr marL="342900" indent="-342900" algn="just">
@@ -8925,14 +10574,17 @@
               </a:rPr>
               <a:t>WordCloud</a:t>
             </a:r>
-            <a:endParaRPr lang="en-US" sz="2400" dirty="0">
-              <a:ln w="0"/>
-              <a:solidFill>
-                <a:srgbClr val="042D85"/>
-              </a:solidFill>
-              <a:latin typeface="Times New Roman" panose="02020603050405020304" pitchFamily="18" charset="0"/>
-              <a:cs typeface="Times New Roman" panose="02020603050405020304" pitchFamily="18" charset="0"/>
-            </a:endParaRPr>
+            <a:r>
+              <a:rPr lang="en-US" sz="2400" dirty="0">
+                <a:ln w="0"/>
+                <a:solidFill>
+                  <a:srgbClr val="042D85"/>
+                </a:solidFill>
+                <a:latin typeface="Times New Roman" panose="02020603050405020304" pitchFamily="18" charset="0"/>
+                <a:cs typeface="Times New Roman" panose="02020603050405020304" pitchFamily="18" charset="0"/>
+              </a:rPr>
+              <a:t> – Visualization</a:t>
+            </a:r>
           </a:p>
           <a:p>
             <a:pPr algn="just">
@@ -9592,7 +11244,7 @@
         </p:blipFill>
         <p:spPr>
           <a:xfrm>
-            <a:off x="283676" y="3145526"/>
+            <a:off x="283676" y="2928709"/>
             <a:ext cx="11624646" cy="2717391"/>
           </a:xfrm>
           <a:prstGeom prst="rect">
@@ -9651,7 +11303,7 @@
         <p:spPr>
           <a:xfrm>
             <a:off x="226695" y="217602"/>
-            <a:ext cx="11738610" cy="5335115"/>
+            <a:ext cx="11738610" cy="6443110"/>
           </a:xfrm>
           <a:prstGeom prst="rect">
             <a:avLst/>
@@ -9965,6 +11617,55 @@
               <a:latin typeface="Times New Roman" panose="02020603050405020304" pitchFamily="18" charset="0"/>
               <a:cs typeface="Times New Roman" panose="02020603050405020304" pitchFamily="18" charset="0"/>
             </a:endParaRPr>
+          </a:p>
+          <a:p>
+            <a:pPr algn="just">
+              <a:lnSpc>
+                <a:spcPct val="150000"/>
+              </a:lnSpc>
+            </a:pPr>
+            <a:endParaRPr lang="en-US" sz="2400" dirty="0">
+              <a:ln w="0"/>
+              <a:gradFill>
+                <a:gsLst>
+                  <a:gs pos="0">
+                    <a:srgbClr val="012D86"/>
+                  </a:gs>
+                  <a:gs pos="100000">
+                    <a:srgbClr val="0E2557"/>
+                  </a:gs>
+                </a:gsLst>
+                <a:lin scaled="0"/>
+              </a:gradFill>
+              <a:latin typeface="Times New Roman" panose="02020603050405020304" pitchFamily="18" charset="0"/>
+              <a:cs typeface="Times New Roman" panose="02020603050405020304" pitchFamily="18" charset="0"/>
+            </a:endParaRPr>
+          </a:p>
+          <a:p>
+            <a:pPr algn="just">
+              <a:lnSpc>
+                <a:spcPct val="150000"/>
+              </a:lnSpc>
+            </a:pPr>
+            <a:r>
+              <a:rPr lang="en-US" sz="2400" dirty="0">
+                <a:ln w="0"/>
+                <a:gradFill>
+                  <a:gsLst>
+                    <a:gs pos="0">
+                      <a:srgbClr val="012D86"/>
+                    </a:gs>
+                    <a:gs pos="100000">
+                      <a:srgbClr val="0E2557"/>
+                    </a:gs>
+                  </a:gsLst>
+                  <a:lin scaled="0"/>
+                </a:gradFill>
+                <a:latin typeface="Times New Roman" panose="02020603050405020304" pitchFamily="18" charset="0"/>
+                <a:cs typeface="Times New Roman" panose="02020603050405020304" pitchFamily="18" charset="0"/>
+              </a:rPr>
+              <a:t>There are five types of sentiments. The above graph shows count of each sentiment.</a:t>
+            </a:r>
           </a:p>
         </p:txBody>
       </p:sp>
@@ -10032,8 +11733,8 @@
         </p:blipFill>
         <p:spPr>
           <a:xfrm>
-            <a:off x="723150" y="1305282"/>
-            <a:ext cx="10745700" cy="4584529"/>
+            <a:off x="723150" y="1206631"/>
+            <a:ext cx="10745700" cy="4854804"/>
           </a:xfrm>
           <a:prstGeom prst="rect">
             <a:avLst/>
@@ -10391,14 +12092,125 @@
         </p:blipFill>
         <p:spPr>
           <a:xfrm>
-            <a:off x="226694" y="1627868"/>
-            <a:ext cx="5118303" cy="4647425"/>
+            <a:off x="226694" y="1388200"/>
+            <a:ext cx="5589644" cy="4887093"/>
           </a:xfrm>
           <a:prstGeom prst="rect">
             <a:avLst/>
           </a:prstGeom>
         </p:spPr>
       </p:pic>
+      <p:sp>
+        <p:nvSpPr>
+          <p:cNvPr id="5" name="TextBox 4">
+            <a:extLst>
+              <a:ext uri="{FF2B5EF4-FFF2-40B4-BE49-F238E27FC236}">
+                <a16:creationId xmlns:a16="http://schemas.microsoft.com/office/drawing/2014/main" id="{C2E115E3-20FC-4AFF-820A-44844D571631}"/>
+              </a:ext>
+            </a:extLst>
+          </p:cNvPr>
+          <p:cNvSpPr txBox="1"/>
+          <p:nvPr/>
+        </p:nvSpPr>
+        <p:spPr>
+          <a:xfrm flipH="1">
+            <a:off x="6096000" y="1388200"/>
+            <a:ext cx="5869304" cy="5016758"/>
+          </a:xfrm>
+          <a:prstGeom prst="rect">
+            <a:avLst/>
+          </a:prstGeom>
+          <a:noFill/>
+        </p:spPr>
+        <p:txBody>
+          <a:bodyPr wrap="square" rtlCol="0">
+            <a:spAutoFit/>
+          </a:bodyPr>
+          <a:lstStyle/>
+          <a:p>
+            <a:pPr algn="just"/>
+            <a:r>
+              <a:rPr lang="en-IN" sz="2000" dirty="0">
+                <a:solidFill>
+                  <a:srgbClr val="042D85"/>
+                </a:solidFill>
+                <a:latin typeface="Times New Roman" panose="02020603050405020304" pitchFamily="18" charset="0"/>
+                <a:cs typeface="Times New Roman" panose="02020603050405020304" pitchFamily="18" charset="0"/>
+              </a:rPr>
+              <a:t>As there was five types of sentiments – Positive Sentiment, Extremely Positive Sentiment, Negative Sentiment, Extremely Negative Sentiment and Neutral Sentiment. So, we have replaced Extremely Positive Sentiment by Positive Sentiment and Extremely Negative Sentiment by Negative Sentiment. Now we have three types of sentiments – Positive Sentiment, Negative Sentiment and Neutral Sentiment.</a:t>
+            </a:r>
+          </a:p>
+          <a:p>
+            <a:pPr algn="just"/>
+            <a:endParaRPr lang="en-IN" sz="2000" dirty="0">
+              <a:solidFill>
+                <a:srgbClr val="042D85"/>
+              </a:solidFill>
+              <a:latin typeface="Times New Roman" panose="02020603050405020304" pitchFamily="18" charset="0"/>
+              <a:cs typeface="Times New Roman" panose="02020603050405020304" pitchFamily="18" charset="0"/>
+            </a:endParaRPr>
+          </a:p>
+          <a:p>
+            <a:pPr algn="just"/>
+            <a:r>
+              <a:rPr lang="en-IN" sz="2000" dirty="0">
+                <a:solidFill>
+                  <a:srgbClr val="042D85"/>
+                </a:solidFill>
+                <a:latin typeface="Times New Roman" panose="02020603050405020304" pitchFamily="18" charset="0"/>
+                <a:cs typeface="Times New Roman" panose="02020603050405020304" pitchFamily="18" charset="0"/>
+              </a:rPr>
+              <a:t>The Pi Chart shows the proportion of each sentiment.</a:t>
+            </a:r>
+          </a:p>
+          <a:p>
+            <a:pPr algn="just"/>
+            <a:endParaRPr lang="en-IN" sz="2000" dirty="0">
+              <a:solidFill>
+                <a:srgbClr val="042D85"/>
+              </a:solidFill>
+              <a:latin typeface="Times New Roman" panose="02020603050405020304" pitchFamily="18" charset="0"/>
+              <a:cs typeface="Times New Roman" panose="02020603050405020304" pitchFamily="18" charset="0"/>
+            </a:endParaRPr>
+          </a:p>
+          <a:p>
+            <a:pPr algn="just"/>
+            <a:r>
+              <a:rPr lang="en-IN" sz="2000" dirty="0">
+                <a:solidFill>
+                  <a:srgbClr val="042D85"/>
+                </a:solidFill>
+                <a:latin typeface="Times New Roman" panose="02020603050405020304" pitchFamily="18" charset="0"/>
+                <a:cs typeface="Times New Roman" panose="02020603050405020304" pitchFamily="18" charset="0"/>
+              </a:rPr>
+              <a:t>There are 44.16% Positive Sentiments, 36.88% Negative Sentiments and 18.95% Neutral Sentiments.</a:t>
+            </a:r>
+          </a:p>
+          <a:p>
+            <a:pPr algn="just"/>
+            <a:endParaRPr lang="en-IN" sz="2000" dirty="0">
+              <a:solidFill>
+                <a:srgbClr val="042D85"/>
+              </a:solidFill>
+              <a:latin typeface="Times New Roman" panose="02020603050405020304" pitchFamily="18" charset="0"/>
+              <a:cs typeface="Times New Roman" panose="02020603050405020304" pitchFamily="18" charset="0"/>
+            </a:endParaRPr>
+          </a:p>
+          <a:p>
+            <a:pPr algn="just"/>
+            <a:r>
+              <a:rPr lang="en-IN" sz="2000" dirty="0">
+                <a:solidFill>
+                  <a:srgbClr val="042D85"/>
+                </a:solidFill>
+                <a:latin typeface="Times New Roman" panose="02020603050405020304" pitchFamily="18" charset="0"/>
+                <a:cs typeface="Times New Roman" panose="02020603050405020304" pitchFamily="18" charset="0"/>
+              </a:rPr>
+              <a:t>Positive Sentiments are having higher proportion among all.</a:t>
+            </a:r>
+          </a:p>
+        </p:txBody>
+      </p:sp>
     </p:spTree>
     <p:extLst>
       <p:ext uri="{BB962C8B-B14F-4D97-AF65-F5344CB8AC3E}">
@@ -10450,7 +12262,7 @@
         <p:spPr>
           <a:xfrm>
             <a:off x="226695" y="313065"/>
-            <a:ext cx="11738610" cy="6001643"/>
+            <a:ext cx="11738610" cy="6370975"/>
           </a:xfrm>
           <a:prstGeom prst="rect">
             <a:avLst/>
@@ -10733,6 +12545,20 @@
               <a:latin typeface="Times New Roman" panose="02020603050405020304" pitchFamily="18" charset="0"/>
               <a:cs typeface="Times New Roman" panose="02020603050405020304" pitchFamily="18" charset="0"/>
             </a:endParaRPr>
+          </a:p>
+          <a:p>
+            <a:pPr algn="just"/>
+            <a:r>
+              <a:rPr lang="en-US" sz="2400" dirty="0">
+                <a:ln w="0"/>
+                <a:solidFill>
+                  <a:srgbClr val="042D85"/>
+                </a:solidFill>
+                <a:latin typeface="Times New Roman" panose="02020603050405020304" pitchFamily="18" charset="0"/>
+                <a:cs typeface="Times New Roman" panose="02020603050405020304" pitchFamily="18" charset="0"/>
+              </a:rPr>
+              <a:t>The above graph shows unique values in each column.</a:t>
+            </a:r>
           </a:p>
         </p:txBody>
       </p:sp>

--- a/ML Classification_Presentation.pptx
+++ b/ML Classification_Presentation.pptx
@@ -19,15 +19,19 @@
     <p:sldId id="271" r:id="rId13"/>
     <p:sldId id="272" r:id="rId14"/>
     <p:sldId id="303" r:id="rId15"/>
-    <p:sldId id="281" r:id="rId16"/>
-    <p:sldId id="302" r:id="rId17"/>
-    <p:sldId id="299" r:id="rId18"/>
-    <p:sldId id="300" r:id="rId19"/>
-    <p:sldId id="301" r:id="rId20"/>
-    <p:sldId id="304" r:id="rId21"/>
-    <p:sldId id="305" r:id="rId22"/>
-    <p:sldId id="283" r:id="rId23"/>
-    <p:sldId id="282" r:id="rId24"/>
+    <p:sldId id="306" r:id="rId16"/>
+    <p:sldId id="307" r:id="rId17"/>
+    <p:sldId id="308" r:id="rId18"/>
+    <p:sldId id="309" r:id="rId19"/>
+    <p:sldId id="310" r:id="rId20"/>
+    <p:sldId id="299" r:id="rId21"/>
+    <p:sldId id="300" r:id="rId22"/>
+    <p:sldId id="311" r:id="rId23"/>
+    <p:sldId id="312" r:id="rId24"/>
+    <p:sldId id="305" r:id="rId25"/>
+    <p:sldId id="304" r:id="rId26"/>
+    <p:sldId id="283" r:id="rId27"/>
+    <p:sldId id="282" r:id="rId28"/>
   </p:sldIdLst>
   <p:sldSz cx="12192000" cy="6858000"/>
   <p:notesSz cx="6858000" cy="9144000"/>
@@ -271,7 +275,7 @@
           <a:p>
             <a:fld id="{313D6DBE-1EC8-4F21-8C1A-F9AC36007C69}" type="datetimeFigureOut">
               <a:rPr lang="en-IN" smtClean="0"/>
-              <a:t>07-05-2022</a:t>
+              <a:t>08-05-2022</a:t>
             </a:fld>
             <a:endParaRPr lang="en-IN"/>
           </a:p>
@@ -436,7 +440,7 @@
           <a:p>
             <a:fld id="{313D6DBE-1EC8-4F21-8C1A-F9AC36007C69}" type="datetimeFigureOut">
               <a:rPr lang="en-IN" smtClean="0"/>
-              <a:t>07-05-2022</a:t>
+              <a:t>08-05-2022</a:t>
             </a:fld>
             <a:endParaRPr lang="en-IN"/>
           </a:p>
@@ -611,7 +615,7 @@
           <a:p>
             <a:fld id="{313D6DBE-1EC8-4F21-8C1A-F9AC36007C69}" type="datetimeFigureOut">
               <a:rPr lang="en-IN" smtClean="0"/>
-              <a:t>07-05-2022</a:t>
+              <a:t>08-05-2022</a:t>
             </a:fld>
             <a:endParaRPr lang="en-IN"/>
           </a:p>
@@ -776,7 +780,7 @@
           <a:p>
             <a:fld id="{313D6DBE-1EC8-4F21-8C1A-F9AC36007C69}" type="datetimeFigureOut">
               <a:rPr lang="en-IN" smtClean="0"/>
-              <a:t>07-05-2022</a:t>
+              <a:t>08-05-2022</a:t>
             </a:fld>
             <a:endParaRPr lang="en-IN"/>
           </a:p>
@@ -1017,7 +1021,7 @@
           <a:p>
             <a:fld id="{313D6DBE-1EC8-4F21-8C1A-F9AC36007C69}" type="datetimeFigureOut">
               <a:rPr lang="en-IN" smtClean="0"/>
-              <a:t>07-05-2022</a:t>
+              <a:t>08-05-2022</a:t>
             </a:fld>
             <a:endParaRPr lang="en-IN"/>
           </a:p>
@@ -1244,7 +1248,7 @@
           <a:p>
             <a:fld id="{313D6DBE-1EC8-4F21-8C1A-F9AC36007C69}" type="datetimeFigureOut">
               <a:rPr lang="en-IN" smtClean="0"/>
-              <a:t>07-05-2022</a:t>
+              <a:t>08-05-2022</a:t>
             </a:fld>
             <a:endParaRPr lang="en-IN"/>
           </a:p>
@@ -1606,7 +1610,7 @@
           <a:p>
             <a:fld id="{313D6DBE-1EC8-4F21-8C1A-F9AC36007C69}" type="datetimeFigureOut">
               <a:rPr lang="en-IN" smtClean="0"/>
-              <a:t>07-05-2022</a:t>
+              <a:t>08-05-2022</a:t>
             </a:fld>
             <a:endParaRPr lang="en-IN"/>
           </a:p>
@@ -1719,7 +1723,7 @@
           <a:p>
             <a:fld id="{313D6DBE-1EC8-4F21-8C1A-F9AC36007C69}" type="datetimeFigureOut">
               <a:rPr lang="en-IN" smtClean="0"/>
-              <a:t>07-05-2022</a:t>
+              <a:t>08-05-2022</a:t>
             </a:fld>
             <a:endParaRPr lang="en-IN"/>
           </a:p>
@@ -1809,7 +1813,7 @@
           <a:p>
             <a:fld id="{313D6DBE-1EC8-4F21-8C1A-F9AC36007C69}" type="datetimeFigureOut">
               <a:rPr lang="en-IN" smtClean="0"/>
-              <a:t>07-05-2022</a:t>
+              <a:t>08-05-2022</a:t>
             </a:fld>
             <a:endParaRPr lang="en-IN"/>
           </a:p>
@@ -2081,7 +2085,7 @@
           <a:p>
             <a:fld id="{313D6DBE-1EC8-4F21-8C1A-F9AC36007C69}" type="datetimeFigureOut">
               <a:rPr lang="en-IN" smtClean="0"/>
-              <a:t>07-05-2022</a:t>
+              <a:t>08-05-2022</a:t>
             </a:fld>
             <a:endParaRPr lang="en-IN"/>
           </a:p>
@@ -2329,7 +2333,7 @@
           <a:p>
             <a:fld id="{313D6DBE-1EC8-4F21-8C1A-F9AC36007C69}" type="datetimeFigureOut">
               <a:rPr lang="en-IN" smtClean="0"/>
-              <a:t>07-05-2022</a:t>
+              <a:t>08-05-2022</a:t>
             </a:fld>
             <a:endParaRPr lang="en-IN"/>
           </a:p>
@@ -2537,7 +2541,7 @@
           <a:p>
             <a:fld id="{313D6DBE-1EC8-4F21-8C1A-F9AC36007C69}" type="datetimeFigureOut">
               <a:rPr lang="en-IN" smtClean="0"/>
-              <a:t>07-05-2022</a:t>
+              <a:t>08-05-2022</a:t>
             </a:fld>
             <a:endParaRPr lang="en-IN"/>
           </a:p>
@@ -5324,8 +5328,8 @@
         </p:nvSpPr>
         <p:spPr>
           <a:xfrm>
-            <a:off x="288421" y="76200"/>
-            <a:ext cx="11738610" cy="6309420"/>
+            <a:off x="226694" y="130283"/>
+            <a:ext cx="11738610" cy="6089167"/>
           </a:xfrm>
           <a:prstGeom prst="rect">
             <a:avLst/>
@@ -5338,9 +5342,13 @@
           </a:bodyPr>
           <a:lstStyle/>
           <a:p>
-            <a:pPr algn="just"/>
-            <a:r>
-              <a:rPr lang="en-US" sz="3200" b="1" dirty="0">
+            <a:pPr algn="just">
+              <a:lnSpc>
+                <a:spcPct val="150000"/>
+              </a:lnSpc>
+            </a:pPr>
+            <a:r>
+              <a:rPr lang="en-US" sz="2800" b="1" dirty="0">
                 <a:ln w="0"/>
                 <a:solidFill>
                   <a:srgbClr val="C00000"/>
@@ -5355,17 +5363,45 @@
                 <a:latin typeface="Times New Roman" panose="02020603050405020304" pitchFamily="18" charset="0"/>
                 <a:cs typeface="Times New Roman" panose="02020603050405020304" pitchFamily="18" charset="0"/>
               </a:rPr>
-              <a:t>Model Training</a:t>
-            </a:r>
-          </a:p>
-          <a:p>
-            <a:pPr algn="ctr"/>
-            <a:r>
-              <a:rPr lang="en-US" sz="2800" b="1" dirty="0">
+              <a:t>Model Preprocessing</a:t>
+            </a:r>
+            <a:endParaRPr lang="en-US" sz="2400" b="1" dirty="0">
+              <a:ln w="0"/>
+              <a:gradFill>
+                <a:gsLst>
+                  <a:gs pos="0">
+                    <a:srgbClr val="012D86"/>
+                  </a:gs>
+                  <a:gs pos="100000">
+                    <a:srgbClr val="0E2557"/>
+                  </a:gs>
+                </a:gsLst>
+                <a:lin scaled="0"/>
+              </a:gradFill>
+              <a:latin typeface="Times New Roman" panose="02020603050405020304" pitchFamily="18" charset="0"/>
+              <a:cs typeface="Times New Roman" panose="02020603050405020304" pitchFamily="18" charset="0"/>
+            </a:endParaRPr>
+          </a:p>
+          <a:p>
+            <a:pPr algn="just">
+              <a:lnSpc>
+                <a:spcPct val="150000"/>
+              </a:lnSpc>
+            </a:pPr>
+            <a:r>
+              <a:rPr lang="en-US" sz="2400" b="1" dirty="0">
                 <a:ln w="0"/>
-                <a:solidFill>
-                  <a:srgbClr val="042D85"/>
-                </a:solidFill>
+                <a:gradFill>
+                  <a:gsLst>
+                    <a:gs pos="0">
+                      <a:srgbClr val="012D86"/>
+                    </a:gs>
+                    <a:gs pos="100000">
+                      <a:srgbClr val="0E2557"/>
+                    </a:gs>
+                  </a:gsLst>
+                  <a:lin scaled="0"/>
+                </a:gradFill>
                 <a:effectLst>
                   <a:outerShdw blurRad="38100" dist="19050" dir="2700000" algn="tl" rotWithShape="0">
                     <a:schemeClr val="dk1">
@@ -5376,23 +5412,63 @@
                 <a:latin typeface="Times New Roman" panose="02020603050405020304" pitchFamily="18" charset="0"/>
                 <a:cs typeface="Times New Roman" panose="02020603050405020304" pitchFamily="18" charset="0"/>
               </a:rPr>
-              <a:t>Scatter Plot</a:t>
-            </a:r>
-            <a:endParaRPr lang="en-US" sz="2000" b="1" dirty="0">
-              <a:ln w="0"/>
-              <a:solidFill>
-                <a:srgbClr val="042D85"/>
-              </a:solidFill>
-              <a:effectLst>
-                <a:outerShdw blurRad="38100" dist="19050" dir="2700000" algn="tl" rotWithShape="0">
-                  <a:schemeClr val="dk1">
-                    <a:alpha val="40000"/>
+              <a:t>Extracting Features From Text</a:t>
+            </a:r>
+          </a:p>
+          <a:p>
+            <a:pPr marL="342900" indent="-342900" algn="just">
+              <a:buFont typeface="Arial" panose="020B0604020202020204" pitchFamily="34" charset="0"/>
+              <a:buChar char="•"/>
+            </a:pPr>
+            <a:r>
+              <a:rPr lang="en-US" sz="2400" b="1" dirty="0">
+                <a:ln w="0"/>
+                <a:solidFill>
+                  <a:schemeClr val="tx1">
+                    <a:lumMod val="95000"/>
+                    <a:lumOff val="5000"/>
                   </a:schemeClr>
-                </a:outerShdw>
-              </a:effectLst>
-              <a:latin typeface="Times New Roman" panose="02020603050405020304" pitchFamily="18" charset="0"/>
-              <a:cs typeface="Times New Roman" panose="02020603050405020304" pitchFamily="18" charset="0"/>
-            </a:endParaRPr>
+                </a:solidFill>
+                <a:effectLst>
+                  <a:outerShdw blurRad="38100" dist="19050" dir="2700000" algn="tl" rotWithShape="0">
+                    <a:schemeClr val="dk1">
+                      <a:alpha val="40000"/>
+                    </a:schemeClr>
+                  </a:outerShdw>
+                </a:effectLst>
+                <a:latin typeface="Times New Roman" panose="02020603050405020304" pitchFamily="18" charset="0"/>
+                <a:cs typeface="Times New Roman" panose="02020603050405020304" pitchFamily="18" charset="0"/>
+              </a:rPr>
+              <a:t>Count Vectorizer - </a:t>
+            </a:r>
+            <a:r>
+              <a:rPr lang="en-US" sz="2000" dirty="0" err="1">
+                <a:ln w="0"/>
+                <a:solidFill>
+                  <a:schemeClr val="tx1">
+                    <a:lumMod val="95000"/>
+                    <a:lumOff val="5000"/>
+                  </a:schemeClr>
+                </a:solidFill>
+                <a:latin typeface="Times New Roman" panose="02020603050405020304" pitchFamily="18" charset="0"/>
+                <a:cs typeface="Times New Roman" panose="02020603050405020304" pitchFamily="18" charset="0"/>
+              </a:rPr>
+              <a:t>CountVectorizer</a:t>
+            </a:r>
+            <a:r>
+              <a:rPr lang="en-US" sz="2000" dirty="0">
+                <a:ln w="0"/>
+                <a:solidFill>
+                  <a:schemeClr val="tx1">
+                    <a:lumMod val="95000"/>
+                    <a:lumOff val="5000"/>
+                  </a:schemeClr>
+                </a:solidFill>
+                <a:latin typeface="Times New Roman" panose="02020603050405020304" pitchFamily="18" charset="0"/>
+                <a:cs typeface="Times New Roman" panose="02020603050405020304" pitchFamily="18" charset="0"/>
+              </a:rPr>
+              <a:t> is a great tool provided by the scikit-learn library in Python. It is used to transform a given text into a vector on the basis of the frequency (count) of each word that occurs in the entire text. </a:t>
+            </a:r>
           </a:p>
           <a:p>
             <a:pPr algn="just">
@@ -5604,84 +5680,14 @@
               <a:cs typeface="Times New Roman" panose="02020603050405020304" pitchFamily="18" charset="0"/>
             </a:endParaRPr>
           </a:p>
-          <a:p>
-            <a:pPr algn="just">
-              <a:lnSpc>
-                <a:spcPct val="150000"/>
-              </a:lnSpc>
-            </a:pPr>
-            <a:endParaRPr lang="en-US" sz="2400" b="1" dirty="0">
-              <a:ln w="0"/>
-              <a:gradFill>
-                <a:gsLst>
-                  <a:gs pos="0">
-                    <a:srgbClr val="012D86"/>
-                  </a:gs>
-                  <a:gs pos="100000">
-                    <a:srgbClr val="0E2557"/>
-                  </a:gs>
-                </a:gsLst>
-                <a:lin scaled="0"/>
-              </a:gradFill>
-              <a:effectLst>
-                <a:outerShdw blurRad="38100" dist="19050" dir="2700000" algn="tl" rotWithShape="0">
-                  <a:schemeClr val="dk1">
-                    <a:alpha val="40000"/>
-                  </a:schemeClr>
-                </a:outerShdw>
-              </a:effectLst>
-              <a:latin typeface="Times New Roman" panose="02020603050405020304" pitchFamily="18" charset="0"/>
-              <a:cs typeface="Times New Roman" panose="02020603050405020304" pitchFamily="18" charset="0"/>
-            </a:endParaRPr>
-          </a:p>
-          <a:p>
-            <a:pPr algn="just">
-              <a:lnSpc>
-                <a:spcPct val="150000"/>
-              </a:lnSpc>
-            </a:pPr>
-            <a:endParaRPr lang="en-US" sz="2400" b="1" dirty="0">
-              <a:ln w="0"/>
-              <a:gradFill>
-                <a:gsLst>
-                  <a:gs pos="0">
-                    <a:srgbClr val="012D86"/>
-                  </a:gs>
-                  <a:gs pos="100000">
-                    <a:srgbClr val="0E2557"/>
-                  </a:gs>
-                </a:gsLst>
-                <a:lin scaled="0"/>
-              </a:gradFill>
-              <a:effectLst>
-                <a:outerShdw blurRad="38100" dist="19050" dir="2700000" algn="tl" rotWithShape="0">
-                  <a:schemeClr val="dk1">
-                    <a:alpha val="40000"/>
-                  </a:schemeClr>
-                </a:outerShdw>
-              </a:effectLst>
-              <a:latin typeface="Times New Roman" panose="02020603050405020304" pitchFamily="18" charset="0"/>
-              <a:cs typeface="Times New Roman" panose="02020603050405020304" pitchFamily="18" charset="0"/>
-            </a:endParaRPr>
-          </a:p>
-          <a:p>
-            <a:pPr algn="just"/>
-            <a:endParaRPr lang="en-US" sz="2000" dirty="0">
-              <a:solidFill>
-                <a:srgbClr val="042D85"/>
-              </a:solidFill>
-              <a:latin typeface="Times New Roman" panose="02020603050405020304" pitchFamily="18" charset="0"/>
-              <a:cs typeface="Times New Roman" panose="02020603050405020304" pitchFamily="18" charset="0"/>
-            </a:endParaRPr>
-          </a:p>
         </p:txBody>
       </p:sp>
       <p:pic>
         <p:nvPicPr>
-          <p:cNvPr id="5" name="Picture 4">
+          <p:cNvPr id="6" name="Picture 5">
             <a:extLst>
               <a:ext uri="{FF2B5EF4-FFF2-40B4-BE49-F238E27FC236}">
-                <a16:creationId xmlns:a16="http://schemas.microsoft.com/office/drawing/2014/main" id="{C63DC5EE-F5B7-4467-81FD-E92050D03BB3}"/>
+                <a16:creationId xmlns:a16="http://schemas.microsoft.com/office/drawing/2014/main" id="{70465705-B307-4AF1-A76E-56C9D327F365}"/>
               </a:ext>
             </a:extLst>
           </p:cNvPr>
@@ -5714,10 +5720,10 @@
       </p:pic>
       <p:pic>
         <p:nvPicPr>
-          <p:cNvPr id="15" name="Picture 14">
+          <p:cNvPr id="8" name="Picture 7">
             <a:extLst>
               <a:ext uri="{FF2B5EF4-FFF2-40B4-BE49-F238E27FC236}">
-                <a16:creationId xmlns:a16="http://schemas.microsoft.com/office/drawing/2014/main" id="{7A441CC9-44C7-4850-8F2D-4685C84FDDF1}"/>
+                <a16:creationId xmlns:a16="http://schemas.microsoft.com/office/drawing/2014/main" id="{04F0B668-E3D0-F0BD-7A85-AF758CB653C2}"/>
               </a:ext>
             </a:extLst>
           </p:cNvPr>
@@ -5740,103 +5746,43 @@
         </p:blipFill>
         <p:spPr>
           <a:xfrm>
-            <a:off x="288421" y="976531"/>
-            <a:ext cx="3760611" cy="2778440"/>
+            <a:off x="1999677" y="2716706"/>
+            <a:ext cx="8192643" cy="3829584"/>
           </a:xfrm>
           <a:prstGeom prst="rect">
             <a:avLst/>
           </a:prstGeom>
-        </p:spPr>
-      </p:pic>
-      <p:pic>
-        <p:nvPicPr>
-          <p:cNvPr id="17" name="Picture 16">
-            <a:extLst>
-              <a:ext uri="{FF2B5EF4-FFF2-40B4-BE49-F238E27FC236}">
-                <a16:creationId xmlns:a16="http://schemas.microsoft.com/office/drawing/2014/main" id="{2C602805-BE4E-446A-9014-DE7CB4231A18}"/>
-              </a:ext>
-            </a:extLst>
-          </p:cNvPr>
-          <p:cNvPicPr>
-            <a:picLocks noChangeAspect="1"/>
-          </p:cNvPicPr>
-          <p:nvPr/>
-        </p:nvPicPr>
-        <p:blipFill>
-          <a:blip r:embed="rId4">
-            <a:extLst>
-              <a:ext uri="{28A0092B-C50C-407E-A947-70E740481C1C}">
-                <a14:useLocalDpi xmlns:a14="http://schemas.microsoft.com/office/drawing/2010/main" val="0"/>
-              </a:ext>
-            </a:extLst>
-          </a:blip>
-          <a:stretch>
-            <a:fillRect/>
-          </a:stretch>
-        </p:blipFill>
-        <p:spPr>
-          <a:xfrm>
-            <a:off x="7899147" y="976531"/>
-            <a:ext cx="3760611" cy="2778440"/>
-          </a:xfrm>
-          <a:prstGeom prst="rect">
-            <a:avLst/>
-          </a:prstGeom>
-        </p:spPr>
-      </p:pic>
-      <p:pic>
-        <p:nvPicPr>
-          <p:cNvPr id="19" name="Picture 18">
-            <a:extLst>
-              <a:ext uri="{FF2B5EF4-FFF2-40B4-BE49-F238E27FC236}">
-                <a16:creationId xmlns:a16="http://schemas.microsoft.com/office/drawing/2014/main" id="{2D795A79-F19A-4A36-9355-BCC0A4F89EA9}"/>
-              </a:ext>
-            </a:extLst>
-          </p:cNvPr>
-          <p:cNvPicPr>
-            <a:picLocks noChangeAspect="1"/>
-          </p:cNvPicPr>
-          <p:nvPr/>
-        </p:nvPicPr>
-        <p:blipFill>
-          <a:blip r:embed="rId5">
-            <a:extLst>
-              <a:ext uri="{28A0092B-C50C-407E-A947-70E740481C1C}">
-                <a14:useLocalDpi xmlns:a14="http://schemas.microsoft.com/office/drawing/2010/main" val="0"/>
-              </a:ext>
-            </a:extLst>
-          </a:blip>
-          <a:stretch>
-            <a:fillRect/>
-          </a:stretch>
-        </p:blipFill>
-        <p:spPr>
-          <a:xfrm>
-            <a:off x="4165373" y="3754971"/>
-            <a:ext cx="4167922" cy="2797210"/>
-          </a:xfrm>
-          <a:prstGeom prst="rect">
-            <a:avLst/>
-          </a:prstGeom>
+          <a:ln w="228600" cap="sq" cmpd="thickThin">
+            <a:solidFill>
+              <a:srgbClr val="000000"/>
+            </a:solidFill>
+            <a:prstDash val="solid"/>
+            <a:miter lim="800000"/>
+          </a:ln>
+          <a:effectLst>
+            <a:innerShdw blurRad="76200">
+              <a:srgbClr val="000000"/>
+            </a:innerShdw>
+          </a:effectLst>
         </p:spPr>
       </p:pic>
     </p:spTree>
     <p:extLst>
       <p:ext uri="{BB962C8B-B14F-4D97-AF65-F5344CB8AC3E}">
-        <p14:creationId xmlns:p14="http://schemas.microsoft.com/office/powerpoint/2010/main" val="1498874192"/>
+        <p14:creationId xmlns:p14="http://schemas.microsoft.com/office/powerpoint/2010/main" val="1708912018"/>
       </p:ext>
     </p:extLst>
   </p:cSld>
   <p:clrMapOvr>
     <a:masterClrMapping/>
   </p:clrMapOvr>
-  <mc:AlternateContent xmlns:mc="http://schemas.openxmlformats.org/markup-compatibility/2006" xmlns:p14="http://schemas.microsoft.com/office/powerpoint/2010/main">
-    <mc:Choice Requires="p14">
+  <mc:AlternateContent xmlns:mc="http://schemas.openxmlformats.org/markup-compatibility/2006">
+    <mc:Choice xmlns:p14="http://schemas.microsoft.com/office/powerpoint/2010/main" Requires="p14">
       <p:transition spd="slow" p14:dur="1500">
         <p:cover/>
       </p:transition>
     </mc:Choice>
-    <mc:Fallback xmlns="">
+    <mc:Fallback>
       <p:transition spd="slow">
         <p:cover/>
       </p:transition>
@@ -5870,8 +5816,8 @@
         </p:nvSpPr>
         <p:spPr>
           <a:xfrm>
-            <a:off x="288421" y="76200"/>
-            <a:ext cx="11738610" cy="6494085"/>
+            <a:off x="226694" y="130283"/>
+            <a:ext cx="11738610" cy="5170646"/>
           </a:xfrm>
           <a:prstGeom prst="rect">
             <a:avLst/>
@@ -5884,9 +5830,13 @@
           </a:bodyPr>
           <a:lstStyle/>
           <a:p>
-            <a:pPr algn="just"/>
-            <a:r>
-              <a:rPr lang="en-US" sz="3200" b="1" dirty="0">
+            <a:pPr algn="just">
+              <a:lnSpc>
+                <a:spcPct val="150000"/>
+              </a:lnSpc>
+            </a:pPr>
+            <a:r>
+              <a:rPr lang="en-US" sz="2800" b="1" dirty="0">
                 <a:ln w="0"/>
                 <a:solidFill>
                   <a:srgbClr val="C00000"/>
@@ -5901,17 +5851,45 @@
                 <a:latin typeface="Times New Roman" panose="02020603050405020304" pitchFamily="18" charset="0"/>
                 <a:cs typeface="Times New Roman" panose="02020603050405020304" pitchFamily="18" charset="0"/>
               </a:rPr>
-              <a:t>Model Training</a:t>
-            </a:r>
-          </a:p>
-          <a:p>
-            <a:pPr algn="ctr"/>
-            <a:r>
-              <a:rPr lang="en-US" sz="2800" b="1" dirty="0">
+              <a:t>Model Preprocessing</a:t>
+            </a:r>
+            <a:endParaRPr lang="en-US" sz="2400" b="1" dirty="0">
+              <a:ln w="0"/>
+              <a:gradFill>
+                <a:gsLst>
+                  <a:gs pos="0">
+                    <a:srgbClr val="012D86"/>
+                  </a:gs>
+                  <a:gs pos="100000">
+                    <a:srgbClr val="0E2557"/>
+                  </a:gs>
+                </a:gsLst>
+                <a:lin scaled="0"/>
+              </a:gradFill>
+              <a:latin typeface="Times New Roman" panose="02020603050405020304" pitchFamily="18" charset="0"/>
+              <a:cs typeface="Times New Roman" panose="02020603050405020304" pitchFamily="18" charset="0"/>
+            </a:endParaRPr>
+          </a:p>
+          <a:p>
+            <a:pPr algn="just">
+              <a:lnSpc>
+                <a:spcPct val="150000"/>
+              </a:lnSpc>
+            </a:pPr>
+            <a:r>
+              <a:rPr lang="en-US" sz="2400" b="1" dirty="0">
                 <a:ln w="0"/>
-                <a:solidFill>
-                  <a:srgbClr val="042D85"/>
-                </a:solidFill>
+                <a:gradFill>
+                  <a:gsLst>
+                    <a:gs pos="0">
+                      <a:srgbClr val="012D86"/>
+                    </a:gs>
+                    <a:gs pos="100000">
+                      <a:srgbClr val="0E2557"/>
+                    </a:gs>
+                  </a:gsLst>
+                  <a:lin scaled="0"/>
+                </a:gradFill>
                 <a:effectLst>
                   <a:outerShdw blurRad="38100" dist="19050" dir="2700000" algn="tl" rotWithShape="0">
                     <a:schemeClr val="dk1">
@@ -5922,20 +5900,83 @@
                 <a:latin typeface="Times New Roman" panose="02020603050405020304" pitchFamily="18" charset="0"/>
                 <a:cs typeface="Times New Roman" panose="02020603050405020304" pitchFamily="18" charset="0"/>
               </a:rPr>
-              <a:t>Scatter Plot</a:t>
-            </a:r>
-            <a:endParaRPr lang="en-US" sz="2000" b="1" dirty="0">
+              <a:t>Extracting Features From Text</a:t>
+            </a:r>
+          </a:p>
+          <a:p>
+            <a:pPr marL="342900" indent="-342900" algn="just">
+              <a:buFont typeface="Arial" panose="020B0604020202020204" pitchFamily="34" charset="0"/>
+              <a:buChar char="•"/>
+            </a:pPr>
+            <a:r>
+              <a:rPr lang="en-US" sz="2400" b="1" dirty="0" err="1">
+                <a:ln w="0"/>
+                <a:solidFill>
+                  <a:schemeClr val="tx1">
+                    <a:lumMod val="95000"/>
+                    <a:lumOff val="5000"/>
+                  </a:schemeClr>
+                </a:solidFill>
+                <a:effectLst>
+                  <a:outerShdw blurRad="38100" dist="19050" dir="2700000" algn="tl" rotWithShape="0">
+                    <a:schemeClr val="dk1">
+                      <a:alpha val="40000"/>
+                    </a:schemeClr>
+                  </a:outerShdw>
+                </a:effectLst>
+                <a:latin typeface="Times New Roman" panose="02020603050405020304" pitchFamily="18" charset="0"/>
+                <a:cs typeface="Times New Roman" panose="02020603050405020304" pitchFamily="18" charset="0"/>
+              </a:rPr>
+              <a:t>NGram</a:t>
+            </a:r>
+            <a:r>
+              <a:rPr lang="en-US" sz="2400" b="1" dirty="0">
+                <a:ln w="0"/>
+                <a:solidFill>
+                  <a:schemeClr val="tx1">
+                    <a:lumMod val="95000"/>
+                    <a:lumOff val="5000"/>
+                  </a:schemeClr>
+                </a:solidFill>
+                <a:effectLst>
+                  <a:outerShdw blurRad="38100" dist="19050" dir="2700000" algn="tl" rotWithShape="0">
+                    <a:schemeClr val="dk1">
+                      <a:alpha val="40000"/>
+                    </a:schemeClr>
+                  </a:outerShdw>
+                </a:effectLst>
+                <a:latin typeface="Times New Roman" panose="02020603050405020304" pitchFamily="18" charset="0"/>
+                <a:cs typeface="Times New Roman" panose="02020603050405020304" pitchFamily="18" charset="0"/>
+              </a:rPr>
+              <a:t> Vectorizer - </a:t>
+            </a:r>
+            <a:r>
+              <a:rPr lang="en-US" sz="2000" dirty="0">
+                <a:ln w="0"/>
+                <a:solidFill>
+                  <a:schemeClr val="tx1">
+                    <a:lumMod val="95000"/>
+                    <a:lumOff val="5000"/>
+                  </a:schemeClr>
+                </a:solidFill>
+                <a:latin typeface="Times New Roman" panose="02020603050405020304" pitchFamily="18" charset="0"/>
+                <a:cs typeface="Times New Roman" panose="02020603050405020304" pitchFamily="18" charset="0"/>
+              </a:rPr>
+              <a:t>Similar to the count vectorization technique, in the N-Gram method, a document term matrix is generated, and each cell represents the count. Count vectorization is a special case of N-Gram where n=1. N-grams consider the sequence of n words in the text; where n is (1,2,3.. ) like 1-gram, 2-gram. for token pair. Unlike BOW, it maintains word order.</a:t>
+            </a:r>
+            <a:endParaRPr lang="en-US" sz="2000" dirty="0">
               <a:ln w="0"/>
-              <a:solidFill>
-                <a:srgbClr val="042D85"/>
-              </a:solidFill>
-              <a:effectLst>
-                <a:outerShdw blurRad="38100" dist="19050" dir="2700000" algn="tl" rotWithShape="0">
-                  <a:schemeClr val="dk1">
-                    <a:alpha val="40000"/>
-                  </a:schemeClr>
-                </a:outerShdw>
-              </a:effectLst>
+              <a:gradFill>
+                <a:gsLst>
+                  <a:gs pos="0">
+                    <a:srgbClr val="012D86"/>
+                  </a:gs>
+                  <a:gs pos="100000">
+                    <a:srgbClr val="0E2557"/>
+                  </a:gs>
+                </a:gsLst>
+                <a:lin scaled="0"/>
+              </a:gradFill>
               <a:latin typeface="Times New Roman" panose="02020603050405020304" pitchFamily="18" charset="0"/>
               <a:cs typeface="Times New Roman" panose="02020603050405020304" pitchFamily="18" charset="0"/>
             </a:endParaRPr>
@@ -6031,235 +6072,30 @@
             </a:endParaRPr>
           </a:p>
           <a:p>
-            <a:pPr algn="just">
-              <a:lnSpc>
-                <a:spcPct val="150000"/>
-              </a:lnSpc>
-            </a:pPr>
-            <a:endParaRPr lang="en-US" sz="2400" b="1" dirty="0">
-              <a:ln w="0"/>
-              <a:gradFill>
-                <a:gsLst>
-                  <a:gs pos="0">
-                    <a:srgbClr val="012D86"/>
-                  </a:gs>
-                  <a:gs pos="100000">
-                    <a:srgbClr val="0E2557"/>
-                  </a:gs>
-                </a:gsLst>
-                <a:lin scaled="0"/>
-              </a:gradFill>
-              <a:effectLst>
-                <a:outerShdw blurRad="38100" dist="19050" dir="2700000" algn="tl" rotWithShape="0">
-                  <a:schemeClr val="dk1">
-                    <a:alpha val="40000"/>
+            <a:pPr algn="just"/>
+            <a:r>
+              <a:rPr lang="en-US" sz="2000" dirty="0">
+                <a:ln w="0"/>
+                <a:solidFill>
+                  <a:schemeClr val="tx1">
+                    <a:lumMod val="95000"/>
+                    <a:lumOff val="5000"/>
                   </a:schemeClr>
-                </a:outerShdw>
-              </a:effectLst>
-              <a:latin typeface="Times New Roman" panose="02020603050405020304" pitchFamily="18" charset="0"/>
-              <a:cs typeface="Times New Roman" panose="02020603050405020304" pitchFamily="18" charset="0"/>
-            </a:endParaRPr>
-          </a:p>
-          <a:p>
-            <a:pPr algn="just">
-              <a:lnSpc>
-                <a:spcPct val="150000"/>
-              </a:lnSpc>
-            </a:pPr>
-            <a:endParaRPr lang="en-US" sz="2400" b="1" dirty="0">
-              <a:ln w="0"/>
-              <a:gradFill>
-                <a:gsLst>
-                  <a:gs pos="0">
-                    <a:srgbClr val="012D86"/>
-                  </a:gs>
-                  <a:gs pos="100000">
-                    <a:srgbClr val="0E2557"/>
-                  </a:gs>
-                </a:gsLst>
-                <a:lin scaled="0"/>
-              </a:gradFill>
-              <a:effectLst>
-                <a:outerShdw blurRad="38100" dist="19050" dir="2700000" algn="tl" rotWithShape="0">
-                  <a:schemeClr val="dk1">
-                    <a:alpha val="40000"/>
-                  </a:schemeClr>
-                </a:outerShdw>
-              </a:effectLst>
-              <a:latin typeface="Times New Roman" panose="02020603050405020304" pitchFamily="18" charset="0"/>
-              <a:cs typeface="Times New Roman" panose="02020603050405020304" pitchFamily="18" charset="0"/>
-            </a:endParaRPr>
-          </a:p>
-          <a:p>
-            <a:pPr algn="just">
-              <a:lnSpc>
-                <a:spcPct val="150000"/>
-              </a:lnSpc>
-            </a:pPr>
-            <a:endParaRPr lang="en-US" sz="2400" b="1" dirty="0">
-              <a:ln w="0"/>
-              <a:gradFill>
-                <a:gsLst>
-                  <a:gs pos="0">
-                    <a:srgbClr val="012D86"/>
-                  </a:gs>
-                  <a:gs pos="100000">
-                    <a:srgbClr val="0E2557"/>
-                  </a:gs>
-                </a:gsLst>
-                <a:lin scaled="0"/>
-              </a:gradFill>
-              <a:effectLst>
-                <a:outerShdw blurRad="38100" dist="19050" dir="2700000" algn="tl" rotWithShape="0">
-                  <a:schemeClr val="dk1">
-                    <a:alpha val="40000"/>
-                  </a:schemeClr>
-                </a:outerShdw>
-              </a:effectLst>
-              <a:latin typeface="Times New Roman" panose="02020603050405020304" pitchFamily="18" charset="0"/>
-              <a:cs typeface="Times New Roman" panose="02020603050405020304" pitchFamily="18" charset="0"/>
-            </a:endParaRPr>
-          </a:p>
-          <a:p>
-            <a:pPr algn="just">
-              <a:lnSpc>
-                <a:spcPct val="150000"/>
-              </a:lnSpc>
-            </a:pPr>
-            <a:endParaRPr lang="en-US" sz="2400" b="1" dirty="0">
-              <a:ln w="0"/>
-              <a:gradFill>
-                <a:gsLst>
-                  <a:gs pos="0">
-                    <a:srgbClr val="012D86"/>
-                  </a:gs>
-                  <a:gs pos="100000">
-                    <a:srgbClr val="0E2557"/>
-                  </a:gs>
-                </a:gsLst>
-                <a:lin scaled="0"/>
-              </a:gradFill>
-              <a:effectLst>
-                <a:outerShdw blurRad="38100" dist="19050" dir="2700000" algn="tl" rotWithShape="0">
-                  <a:schemeClr val="dk1">
-                    <a:alpha val="40000"/>
-                  </a:schemeClr>
-                </a:outerShdw>
-              </a:effectLst>
-              <a:latin typeface="Times New Roman" panose="02020603050405020304" pitchFamily="18" charset="0"/>
-              <a:cs typeface="Times New Roman" panose="02020603050405020304" pitchFamily="18" charset="0"/>
-            </a:endParaRPr>
-          </a:p>
-          <a:p>
-            <a:pPr algn="just">
-              <a:lnSpc>
-                <a:spcPct val="150000"/>
-              </a:lnSpc>
-            </a:pPr>
-            <a:endParaRPr lang="en-US" sz="2400" b="1" dirty="0">
-              <a:ln w="0"/>
-              <a:gradFill>
-                <a:gsLst>
-                  <a:gs pos="0">
-                    <a:srgbClr val="012D86"/>
-                  </a:gs>
-                  <a:gs pos="100000">
-                    <a:srgbClr val="0E2557"/>
-                  </a:gs>
-                </a:gsLst>
-                <a:lin scaled="0"/>
-              </a:gradFill>
-              <a:effectLst>
-                <a:outerShdw blurRad="38100" dist="19050" dir="2700000" algn="tl" rotWithShape="0">
-                  <a:schemeClr val="dk1">
-                    <a:alpha val="40000"/>
-                  </a:schemeClr>
-                </a:outerShdw>
-              </a:effectLst>
-              <a:latin typeface="Times New Roman" panose="02020603050405020304" pitchFamily="18" charset="0"/>
-              <a:cs typeface="Times New Roman" panose="02020603050405020304" pitchFamily="18" charset="0"/>
-            </a:endParaRPr>
-          </a:p>
-          <a:p>
-            <a:pPr algn="just"/>
-            <a:r>
-              <a:rPr lang="en-US" sz="2400" b="1" i="0" dirty="0">
-                <a:solidFill>
-                  <a:srgbClr val="042D85"/>
-                </a:solidFill>
-                <a:effectLst/>
-                <a:latin typeface="Times New Roman" panose="02020603050405020304" pitchFamily="18" charset="0"/>
-                <a:cs typeface="Times New Roman" panose="02020603050405020304" pitchFamily="18" charset="0"/>
-              </a:rPr>
-              <a:t>Scatter plots</a:t>
-            </a:r>
-            <a:r>
-              <a:rPr lang="en-US" sz="2400" b="0" i="0" dirty="0">
-                <a:solidFill>
-                  <a:srgbClr val="042D85"/>
-                </a:solidFill>
-                <a:effectLst/>
-                <a:latin typeface="Times New Roman" panose="02020603050405020304" pitchFamily="18" charset="0"/>
-                <a:cs typeface="Times New Roman" panose="02020603050405020304" pitchFamily="18" charset="0"/>
-              </a:rPr>
-              <a:t> are </a:t>
-            </a:r>
-            <a:r>
-              <a:rPr lang="en-US" sz="2400" b="1" i="0" dirty="0">
-                <a:solidFill>
-                  <a:srgbClr val="042D85"/>
-                </a:solidFill>
-                <a:effectLst/>
-                <a:latin typeface="Times New Roman" panose="02020603050405020304" pitchFamily="18" charset="0"/>
-                <a:cs typeface="Times New Roman" panose="02020603050405020304" pitchFamily="18" charset="0"/>
-              </a:rPr>
-              <a:t>used to</a:t>
-            </a:r>
-            <a:r>
-              <a:rPr lang="en-US" sz="2400" b="0" i="0" dirty="0">
-                <a:solidFill>
-                  <a:srgbClr val="042D85"/>
-                </a:solidFill>
-                <a:effectLst/>
-                <a:latin typeface="Times New Roman" panose="02020603050405020304" pitchFamily="18" charset="0"/>
-                <a:cs typeface="Times New Roman" panose="02020603050405020304" pitchFamily="18" charset="0"/>
-              </a:rPr>
-              <a:t> plot data points on a horizontal and a vertical axis in the attempt to show how much one variable is affected by another.</a:t>
-            </a:r>
-            <a:endParaRPr lang="en-US" sz="2400" b="1" dirty="0">
-              <a:ln w="0"/>
-              <a:solidFill>
-                <a:srgbClr val="042D85"/>
-              </a:solidFill>
-              <a:effectLst>
-                <a:outerShdw blurRad="38100" dist="19050" dir="2700000" algn="tl" rotWithShape="0">
-                  <a:schemeClr val="dk1">
-                    <a:alpha val="40000"/>
-                  </a:schemeClr>
-                </a:outerShdw>
-              </a:effectLst>
-              <a:latin typeface="Times New Roman" panose="02020603050405020304" pitchFamily="18" charset="0"/>
-              <a:cs typeface="Times New Roman" panose="02020603050405020304" pitchFamily="18" charset="0"/>
-            </a:endParaRPr>
-          </a:p>
-          <a:p>
-            <a:pPr algn="just"/>
-            <a:endParaRPr lang="en-US" sz="2000" dirty="0">
-              <a:solidFill>
-                <a:srgbClr val="042D85"/>
-              </a:solidFill>
-              <a:latin typeface="Times New Roman" panose="02020603050405020304" pitchFamily="18" charset="0"/>
-              <a:cs typeface="Times New Roman" panose="02020603050405020304" pitchFamily="18" charset="0"/>
-            </a:endParaRPr>
+                </a:solidFill>
+                <a:latin typeface="Times New Roman" panose="02020603050405020304" pitchFamily="18" charset="0"/>
+                <a:cs typeface="Times New Roman" panose="02020603050405020304" pitchFamily="18" charset="0"/>
+              </a:rPr>
+              <a:t>If we choose N as a smaller number, then it may not be sufficient enough to provide the most useful information. But on the contrary, if we choose N as a high value, then it will yield a huge matrix with lots of features. Therefore, N-gram may be a powerful technique, but it needs a little more care.</a:t>
+            </a:r>
           </a:p>
         </p:txBody>
       </p:sp>
       <p:pic>
         <p:nvPicPr>
-          <p:cNvPr id="5" name="Picture 4">
+          <p:cNvPr id="6" name="Picture 5">
             <a:extLst>
               <a:ext uri="{FF2B5EF4-FFF2-40B4-BE49-F238E27FC236}">
-                <a16:creationId xmlns:a16="http://schemas.microsoft.com/office/drawing/2014/main" id="{C63DC5EE-F5B7-4467-81FD-E92050D03BB3}"/>
+                <a16:creationId xmlns:a16="http://schemas.microsoft.com/office/drawing/2014/main" id="{70465705-B307-4AF1-A76E-56C9D327F365}"/>
               </a:ext>
             </a:extLst>
           </p:cNvPr>
@@ -6295,7 +6131,7 @@
           <p:cNvPr id="4" name="Picture 3">
             <a:extLst>
               <a:ext uri="{FF2B5EF4-FFF2-40B4-BE49-F238E27FC236}">
-                <a16:creationId xmlns:a16="http://schemas.microsoft.com/office/drawing/2014/main" id="{05A3A5D5-BAA1-43AD-8BC0-FA2BBB7BADBD}"/>
+                <a16:creationId xmlns:a16="http://schemas.microsoft.com/office/drawing/2014/main" id="{1AF241F0-AB6A-CDB4-3F45-CA6ED558B3CA}"/>
               </a:ext>
             </a:extLst>
           </p:cNvPr>
@@ -6318,44 +6154,8 @@
         </p:blipFill>
         <p:spPr>
           <a:xfrm>
-            <a:off x="484593" y="1761892"/>
-            <a:ext cx="4982270" cy="3334215"/>
-          </a:xfrm>
-          <a:prstGeom prst="rect">
-            <a:avLst/>
-          </a:prstGeom>
-        </p:spPr>
-      </p:pic>
-      <p:pic>
-        <p:nvPicPr>
-          <p:cNvPr id="7" name="Picture 6">
-            <a:extLst>
-              <a:ext uri="{FF2B5EF4-FFF2-40B4-BE49-F238E27FC236}">
-                <a16:creationId xmlns:a16="http://schemas.microsoft.com/office/drawing/2014/main" id="{BB2BB61B-2783-4FC9-80B0-CBAF35FD49FB}"/>
-              </a:ext>
-            </a:extLst>
-          </p:cNvPr>
-          <p:cNvPicPr>
-            <a:picLocks noChangeAspect="1"/>
-          </p:cNvPicPr>
-          <p:nvPr/>
-        </p:nvPicPr>
-        <p:blipFill>
-          <a:blip r:embed="rId4">
-            <a:extLst>
-              <a:ext uri="{28A0092B-C50C-407E-A947-70E740481C1C}">
-                <a14:useLocalDpi xmlns:a14="http://schemas.microsoft.com/office/drawing/2010/main" val="0"/>
-              </a:ext>
-            </a:extLst>
-          </a:blip>
-          <a:stretch>
-            <a:fillRect/>
-          </a:stretch>
-        </p:blipFill>
-        <p:spPr>
-          <a:xfrm>
-            <a:off x="6656880" y="1740036"/>
-            <a:ext cx="4982270" cy="3350147"/>
+            <a:off x="2042546" y="2890762"/>
+            <a:ext cx="8106906" cy="1076475"/>
           </a:xfrm>
           <a:prstGeom prst="rect">
             <a:avLst/>
@@ -6365,20 +6165,20 @@
     </p:spTree>
     <p:extLst>
       <p:ext uri="{BB962C8B-B14F-4D97-AF65-F5344CB8AC3E}">
-        <p14:creationId xmlns:p14="http://schemas.microsoft.com/office/powerpoint/2010/main" val="2756178208"/>
+        <p14:creationId xmlns:p14="http://schemas.microsoft.com/office/powerpoint/2010/main" val="1121590690"/>
       </p:ext>
     </p:extLst>
   </p:cSld>
   <p:clrMapOvr>
     <a:masterClrMapping/>
   </p:clrMapOvr>
-  <mc:AlternateContent xmlns:mc="http://schemas.openxmlformats.org/markup-compatibility/2006" xmlns:p14="http://schemas.microsoft.com/office/powerpoint/2010/main">
-    <mc:Choice Requires="p14">
+  <mc:AlternateContent xmlns:mc="http://schemas.openxmlformats.org/markup-compatibility/2006">
+    <mc:Choice xmlns:p14="http://schemas.microsoft.com/office/powerpoint/2010/main" Requires="p14">
       <p:transition spd="slow" p14:dur="1500">
         <p:cover/>
       </p:transition>
     </mc:Choice>
-    <mc:Fallback xmlns="">
+    <mc:Fallback>
       <p:transition spd="slow">
         <p:cover/>
       </p:transition>
@@ -6412,8 +6212,8 @@
         </p:nvSpPr>
         <p:spPr>
           <a:xfrm>
-            <a:off x="288421" y="76200"/>
-            <a:ext cx="11738610" cy="6309420"/>
+            <a:off x="226694" y="130283"/>
+            <a:ext cx="11738610" cy="4370427"/>
           </a:xfrm>
           <a:prstGeom prst="rect">
             <a:avLst/>
@@ -6426,9 +6226,13 @@
           </a:bodyPr>
           <a:lstStyle/>
           <a:p>
-            <a:pPr algn="just"/>
-            <a:r>
-              <a:rPr lang="en-US" sz="3200" b="1" dirty="0">
+            <a:pPr algn="just">
+              <a:lnSpc>
+                <a:spcPct val="150000"/>
+              </a:lnSpc>
+            </a:pPr>
+            <a:r>
+              <a:rPr lang="en-US" sz="2800" b="1" dirty="0">
                 <a:ln w="0"/>
                 <a:solidFill>
                   <a:srgbClr val="C00000"/>
@@ -6443,8 +6247,903 @@
                 <a:latin typeface="Times New Roman" panose="02020603050405020304" pitchFamily="18" charset="0"/>
                 <a:cs typeface="Times New Roman" panose="02020603050405020304" pitchFamily="18" charset="0"/>
               </a:rPr>
-              <a:t>Performance Metrics and Accuracy</a:t>
-            </a:r>
+              <a:t>Model Preprocessing</a:t>
+            </a:r>
+            <a:endParaRPr lang="en-US" sz="2400" b="1" dirty="0">
+              <a:ln w="0"/>
+              <a:gradFill>
+                <a:gsLst>
+                  <a:gs pos="0">
+                    <a:srgbClr val="012D86"/>
+                  </a:gs>
+                  <a:gs pos="100000">
+                    <a:srgbClr val="0E2557"/>
+                  </a:gs>
+                </a:gsLst>
+                <a:lin scaled="0"/>
+              </a:gradFill>
+              <a:latin typeface="Times New Roman" panose="02020603050405020304" pitchFamily="18" charset="0"/>
+              <a:cs typeface="Times New Roman" panose="02020603050405020304" pitchFamily="18" charset="0"/>
+            </a:endParaRPr>
+          </a:p>
+          <a:p>
+            <a:pPr algn="just">
+              <a:lnSpc>
+                <a:spcPct val="150000"/>
+              </a:lnSpc>
+            </a:pPr>
+            <a:r>
+              <a:rPr lang="en-US" sz="2400" b="1" dirty="0">
+                <a:ln w="0"/>
+                <a:gradFill>
+                  <a:gsLst>
+                    <a:gs pos="0">
+                      <a:srgbClr val="012D86"/>
+                    </a:gs>
+                    <a:gs pos="100000">
+                      <a:srgbClr val="0E2557"/>
+                    </a:gs>
+                  </a:gsLst>
+                  <a:lin scaled="0"/>
+                </a:gradFill>
+                <a:effectLst>
+                  <a:outerShdw blurRad="38100" dist="19050" dir="2700000" algn="tl" rotWithShape="0">
+                    <a:schemeClr val="dk1">
+                      <a:alpha val="40000"/>
+                    </a:schemeClr>
+                  </a:outerShdw>
+                </a:effectLst>
+                <a:latin typeface="Times New Roman" panose="02020603050405020304" pitchFamily="18" charset="0"/>
+                <a:cs typeface="Times New Roman" panose="02020603050405020304" pitchFamily="18" charset="0"/>
+              </a:rPr>
+              <a:t>Extracting Features From Text</a:t>
+            </a:r>
+          </a:p>
+          <a:p>
+            <a:pPr marL="342900" indent="-342900" algn="just">
+              <a:buFont typeface="Arial" panose="020B0604020202020204" pitchFamily="34" charset="0"/>
+              <a:buChar char="•"/>
+            </a:pPr>
+            <a:r>
+              <a:rPr lang="en-US" sz="2400" b="1" dirty="0">
+                <a:ln w="0"/>
+                <a:solidFill>
+                  <a:schemeClr val="tx1">
+                    <a:lumMod val="95000"/>
+                    <a:lumOff val="5000"/>
+                  </a:schemeClr>
+                </a:solidFill>
+                <a:effectLst>
+                  <a:outerShdw blurRad="38100" dist="19050" dir="2700000" algn="tl" rotWithShape="0">
+                    <a:schemeClr val="dk1">
+                      <a:alpha val="40000"/>
+                    </a:schemeClr>
+                  </a:outerShdw>
+                </a:effectLst>
+                <a:latin typeface="Times New Roman" panose="02020603050405020304" pitchFamily="18" charset="0"/>
+                <a:cs typeface="Times New Roman" panose="02020603050405020304" pitchFamily="18" charset="0"/>
+              </a:rPr>
+              <a:t>TF-IDF - </a:t>
+            </a:r>
+            <a:r>
+              <a:rPr lang="en-US" sz="2400" b="0" i="0" dirty="0">
+                <a:solidFill>
+                  <a:srgbClr val="222222"/>
+                </a:solidFill>
+                <a:effectLst/>
+                <a:latin typeface="Lato" panose="020F0502020204030203" pitchFamily="34" charset="0"/>
+              </a:rPr>
+              <a:t> </a:t>
+            </a:r>
+            <a:r>
+              <a:rPr lang="en-US" sz="2000" dirty="0">
+                <a:solidFill>
+                  <a:srgbClr val="222222"/>
+                </a:solidFill>
+                <a:latin typeface="Times New Roman" panose="02020603050405020304" pitchFamily="18" charset="0"/>
+                <a:cs typeface="Times New Roman" panose="02020603050405020304" pitchFamily="18" charset="0"/>
+              </a:rPr>
+              <a:t>Count Vectorizer</a:t>
+            </a:r>
+            <a:r>
+              <a:rPr lang="en-US" sz="2000" b="0" i="0" dirty="0">
+                <a:solidFill>
+                  <a:srgbClr val="222222"/>
+                </a:solidFill>
+                <a:effectLst/>
+                <a:latin typeface="Times New Roman" panose="02020603050405020304" pitchFamily="18" charset="0"/>
+                <a:cs typeface="Times New Roman" panose="02020603050405020304" pitchFamily="18" charset="0"/>
+              </a:rPr>
+              <a:t> method is simple and works well, but the problem with that is that it treats all words equally. As a result, it cannot distinguish very common words or rare words. So, to solve this problem, TF-IDF comes into the picture! Term frequency-inverse document frequency ( TF-IDF) gives a measure that takes the importance of a word into consideration depending on how frequently it occurs in a document and a corpus.</a:t>
+            </a:r>
+            <a:endParaRPr lang="en-US" sz="2000" b="1" dirty="0">
+              <a:ln w="0"/>
+              <a:gradFill>
+                <a:gsLst>
+                  <a:gs pos="0">
+                    <a:srgbClr val="012D86"/>
+                  </a:gs>
+                  <a:gs pos="100000">
+                    <a:srgbClr val="0E2557"/>
+                  </a:gs>
+                </a:gsLst>
+                <a:lin scaled="0"/>
+              </a:gradFill>
+              <a:effectLst>
+                <a:outerShdw blurRad="38100" dist="19050" dir="2700000" algn="tl" rotWithShape="0">
+                  <a:schemeClr val="dk1">
+                    <a:alpha val="40000"/>
+                  </a:schemeClr>
+                </a:outerShdw>
+              </a:effectLst>
+              <a:latin typeface="Times New Roman" panose="02020603050405020304" pitchFamily="18" charset="0"/>
+              <a:cs typeface="Times New Roman" panose="02020603050405020304" pitchFamily="18" charset="0"/>
+            </a:endParaRPr>
+          </a:p>
+          <a:p>
+            <a:pPr algn="just">
+              <a:lnSpc>
+                <a:spcPct val="150000"/>
+              </a:lnSpc>
+            </a:pPr>
+            <a:r>
+              <a:rPr lang="en-US" sz="2400" b="1" dirty="0">
+                <a:ln w="0"/>
+                <a:gradFill>
+                  <a:gsLst>
+                    <a:gs pos="0">
+                      <a:srgbClr val="012D86"/>
+                    </a:gs>
+                    <a:gs pos="100000">
+                      <a:srgbClr val="0E2557"/>
+                    </a:gs>
+                  </a:gsLst>
+                  <a:lin scaled="0"/>
+                </a:gradFill>
+                <a:effectLst>
+                  <a:outerShdw blurRad="38100" dist="19050" dir="2700000" algn="tl" rotWithShape="0">
+                    <a:schemeClr val="dk1">
+                      <a:alpha val="40000"/>
+                    </a:schemeClr>
+                  </a:outerShdw>
+                </a:effectLst>
+                <a:latin typeface="Times New Roman" panose="02020603050405020304" pitchFamily="18" charset="0"/>
+                <a:cs typeface="Times New Roman" panose="02020603050405020304" pitchFamily="18" charset="0"/>
+              </a:rPr>
+              <a:t>TF – Term Frequency </a:t>
+            </a:r>
+          </a:p>
+          <a:p>
+            <a:pPr algn="just"/>
+            <a:r>
+              <a:rPr lang="en-US" sz="2000" b="0" i="0" dirty="0">
+                <a:solidFill>
+                  <a:srgbClr val="222222"/>
+                </a:solidFill>
+                <a:effectLst/>
+                <a:latin typeface="Times New Roman" panose="02020603050405020304" pitchFamily="18" charset="0"/>
+                <a:cs typeface="Times New Roman" panose="02020603050405020304" pitchFamily="18" charset="0"/>
+              </a:rPr>
+              <a:t>Term frequency denotes the frequency of a word in a document.</a:t>
+            </a:r>
+            <a:endParaRPr lang="en-US" sz="2000" b="1" i="0" dirty="0">
+              <a:ln w="0"/>
+              <a:gradFill>
+                <a:gsLst>
+                  <a:gs pos="0">
+                    <a:srgbClr val="012D86"/>
+                  </a:gs>
+                  <a:gs pos="100000">
+                    <a:srgbClr val="0E2557"/>
+                  </a:gs>
+                </a:gsLst>
+                <a:lin scaled="0"/>
+              </a:gradFill>
+              <a:effectLst>
+                <a:outerShdw blurRad="38100" dist="19050" dir="2700000" algn="tl" rotWithShape="0">
+                  <a:schemeClr val="dk1">
+                    <a:alpha val="40000"/>
+                  </a:schemeClr>
+                </a:outerShdw>
+              </a:effectLst>
+              <a:latin typeface="Times New Roman" panose="02020603050405020304" pitchFamily="18" charset="0"/>
+              <a:cs typeface="Times New Roman" panose="02020603050405020304" pitchFamily="18" charset="0"/>
+            </a:endParaRPr>
+          </a:p>
+          <a:p>
+            <a:pPr algn="just"/>
+            <a:r>
+              <a:rPr lang="en-US" sz="2000" b="0" i="0" dirty="0">
+                <a:solidFill>
+                  <a:srgbClr val="222222"/>
+                </a:solidFill>
+                <a:effectLst/>
+                <a:latin typeface="Times New Roman" panose="02020603050405020304" pitchFamily="18" charset="0"/>
+                <a:cs typeface="Times New Roman" panose="02020603050405020304" pitchFamily="18" charset="0"/>
+              </a:rPr>
+              <a:t>It is the percentage of the number of times a word (x) occurs in a particular document (y) divided by the total number of words in that document</a:t>
+            </a:r>
+            <a:endParaRPr lang="en-US" sz="2000" b="1" dirty="0">
+              <a:ln w="0"/>
+              <a:gradFill>
+                <a:gsLst>
+                  <a:gs pos="0">
+                    <a:srgbClr val="012D86"/>
+                  </a:gs>
+                  <a:gs pos="100000">
+                    <a:srgbClr val="0E2557"/>
+                  </a:gs>
+                </a:gsLst>
+                <a:lin scaled="0"/>
+              </a:gradFill>
+              <a:effectLst>
+                <a:outerShdw blurRad="38100" dist="19050" dir="2700000" algn="tl" rotWithShape="0">
+                  <a:schemeClr val="dk1">
+                    <a:alpha val="40000"/>
+                  </a:schemeClr>
+                </a:outerShdw>
+              </a:effectLst>
+              <a:latin typeface="Times New Roman" panose="02020603050405020304" pitchFamily="18" charset="0"/>
+              <a:cs typeface="Times New Roman" panose="02020603050405020304" pitchFamily="18" charset="0"/>
+            </a:endParaRPr>
+          </a:p>
+        </p:txBody>
+      </p:sp>
+      <p:pic>
+        <p:nvPicPr>
+          <p:cNvPr id="6" name="Picture 5">
+            <a:extLst>
+              <a:ext uri="{FF2B5EF4-FFF2-40B4-BE49-F238E27FC236}">
+                <a16:creationId xmlns:a16="http://schemas.microsoft.com/office/drawing/2014/main" id="{70465705-B307-4AF1-A76E-56C9D327F365}"/>
+              </a:ext>
+            </a:extLst>
+          </p:cNvPr>
+          <p:cNvPicPr>
+            <a:picLocks noChangeAspect="1"/>
+          </p:cNvPicPr>
+          <p:nvPr/>
+        </p:nvPicPr>
+        <p:blipFill>
+          <a:blip r:embed="rId2" cstate="print">
+            <a:extLst>
+              <a:ext uri="{28A0092B-C50C-407E-A947-70E740481C1C}">
+                <a14:useLocalDpi xmlns:a14="http://schemas.microsoft.com/office/drawing/2010/main" val="0"/>
+              </a:ext>
+            </a:extLst>
+          </a:blip>
+          <a:stretch>
+            <a:fillRect/>
+          </a:stretch>
+        </p:blipFill>
+        <p:spPr>
+          <a:xfrm>
+            <a:off x="11639150" y="101864"/>
+            <a:ext cx="463748" cy="463748"/>
+          </a:xfrm>
+          <a:prstGeom prst="rect">
+            <a:avLst/>
+          </a:prstGeom>
+        </p:spPr>
+      </p:pic>
+      <p:pic>
+        <p:nvPicPr>
+          <p:cNvPr id="5" name="Picture 4">
+            <a:extLst>
+              <a:ext uri="{FF2B5EF4-FFF2-40B4-BE49-F238E27FC236}">
+                <a16:creationId xmlns:a16="http://schemas.microsoft.com/office/drawing/2014/main" id="{B95CF1A0-0947-AF38-6481-54BAEAA2ED9C}"/>
+              </a:ext>
+            </a:extLst>
+          </p:cNvPr>
+          <p:cNvPicPr>
+            <a:picLocks noChangeAspect="1"/>
+          </p:cNvPicPr>
+          <p:nvPr/>
+        </p:nvPicPr>
+        <p:blipFill>
+          <a:blip r:embed="rId3">
+            <a:extLst>
+              <a:ext uri="{28A0092B-C50C-407E-A947-70E740481C1C}">
+                <a14:useLocalDpi xmlns:a14="http://schemas.microsoft.com/office/drawing/2010/main" val="0"/>
+              </a:ext>
+            </a:extLst>
+          </a:blip>
+          <a:stretch>
+            <a:fillRect/>
+          </a:stretch>
+        </p:blipFill>
+        <p:spPr>
+          <a:xfrm>
+            <a:off x="2327118" y="4385259"/>
+            <a:ext cx="6691622" cy="2342458"/>
+          </a:xfrm>
+          <a:prstGeom prst="rect">
+            <a:avLst/>
+          </a:prstGeom>
+        </p:spPr>
+      </p:pic>
+    </p:spTree>
+    <p:extLst>
+      <p:ext uri="{BB962C8B-B14F-4D97-AF65-F5344CB8AC3E}">
+        <p14:creationId xmlns:p14="http://schemas.microsoft.com/office/powerpoint/2010/main" val="609013026"/>
+      </p:ext>
+    </p:extLst>
+  </p:cSld>
+  <p:clrMapOvr>
+    <a:masterClrMapping/>
+  </p:clrMapOvr>
+  <mc:AlternateContent xmlns:mc="http://schemas.openxmlformats.org/markup-compatibility/2006">
+    <mc:Choice xmlns:p14="http://schemas.microsoft.com/office/powerpoint/2010/main" Requires="p14">
+      <p:transition spd="slow" p14:dur="1500">
+        <p:cover/>
+      </p:transition>
+    </mc:Choice>
+    <mc:Fallback>
+      <p:transition spd="slow">
+        <p:cover/>
+      </p:transition>
+    </mc:Fallback>
+  </mc:AlternateContent>
+</p:sld>
+</file>
+
+<file path=ppt/slides/slide18.xml><?xml version="1.0" encoding="utf-8"?>
+<p:sld xmlns:a="http://schemas.openxmlformats.org/drawingml/2006/main" xmlns:r="http://schemas.openxmlformats.org/officeDocument/2006/relationships" xmlns:p="http://schemas.openxmlformats.org/presentationml/2006/main">
+  <p:cSld>
+    <p:spTree>
+      <p:nvGrpSpPr>
+        <p:cNvPr id="1" name=""/>
+        <p:cNvGrpSpPr/>
+        <p:nvPr/>
+      </p:nvGrpSpPr>
+      <p:grpSpPr>
+        <a:xfrm>
+          <a:off x="0" y="0"/>
+          <a:ext cx="0" cy="0"/>
+          <a:chOff x="0" y="0"/>
+          <a:chExt cx="0" cy="0"/>
+        </a:xfrm>
+      </p:grpSpPr>
+      <p:sp>
+        <p:nvSpPr>
+          <p:cNvPr id="2" name="Rectangle 1"/>
+          <p:cNvSpPr/>
+          <p:nvPr/>
+        </p:nvSpPr>
+        <p:spPr>
+          <a:xfrm>
+            <a:off x="226694" y="130283"/>
+            <a:ext cx="11738610" cy="3139321"/>
+          </a:xfrm>
+          <a:prstGeom prst="rect">
+            <a:avLst/>
+          </a:prstGeom>
+          <a:noFill/>
+        </p:spPr>
+        <p:txBody>
+          <a:bodyPr wrap="square" lIns="91440" tIns="45720" rIns="91440" bIns="45720">
+            <a:spAutoFit/>
+          </a:bodyPr>
+          <a:lstStyle/>
+          <a:p>
+            <a:pPr algn="just">
+              <a:lnSpc>
+                <a:spcPct val="150000"/>
+              </a:lnSpc>
+            </a:pPr>
+            <a:r>
+              <a:rPr lang="en-US" sz="2800" b="1" dirty="0">
+                <a:ln w="0"/>
+                <a:solidFill>
+                  <a:srgbClr val="C00000"/>
+                </a:solidFill>
+                <a:effectLst>
+                  <a:outerShdw blurRad="38100" dist="19050" dir="2700000" algn="tl" rotWithShape="0">
+                    <a:schemeClr val="dk1">
+                      <a:alpha val="40000"/>
+                    </a:schemeClr>
+                  </a:outerShdw>
+                </a:effectLst>
+                <a:latin typeface="Times New Roman" panose="02020603050405020304" pitchFamily="18" charset="0"/>
+                <a:cs typeface="Times New Roman" panose="02020603050405020304" pitchFamily="18" charset="0"/>
+              </a:rPr>
+              <a:t>Model Preprocessing</a:t>
+            </a:r>
+            <a:endParaRPr lang="en-US" sz="2400" b="1" dirty="0">
+              <a:ln w="0"/>
+              <a:gradFill>
+                <a:gsLst>
+                  <a:gs pos="0">
+                    <a:srgbClr val="012D86"/>
+                  </a:gs>
+                  <a:gs pos="100000">
+                    <a:srgbClr val="0E2557"/>
+                  </a:gs>
+                </a:gsLst>
+                <a:lin scaled="0"/>
+              </a:gradFill>
+              <a:latin typeface="Times New Roman" panose="02020603050405020304" pitchFamily="18" charset="0"/>
+              <a:cs typeface="Times New Roman" panose="02020603050405020304" pitchFamily="18" charset="0"/>
+            </a:endParaRPr>
+          </a:p>
+          <a:p>
+            <a:pPr algn="just">
+              <a:lnSpc>
+                <a:spcPct val="150000"/>
+              </a:lnSpc>
+            </a:pPr>
+            <a:r>
+              <a:rPr lang="en-US" sz="2400" b="1" dirty="0">
+                <a:ln w="0"/>
+                <a:gradFill>
+                  <a:gsLst>
+                    <a:gs pos="0">
+                      <a:srgbClr val="012D86"/>
+                    </a:gs>
+                    <a:gs pos="100000">
+                      <a:srgbClr val="0E2557"/>
+                    </a:gs>
+                  </a:gsLst>
+                  <a:lin scaled="0"/>
+                </a:gradFill>
+                <a:effectLst>
+                  <a:outerShdw blurRad="38100" dist="19050" dir="2700000" algn="tl" rotWithShape="0">
+                    <a:schemeClr val="dk1">
+                      <a:alpha val="40000"/>
+                    </a:schemeClr>
+                  </a:outerShdw>
+                </a:effectLst>
+                <a:latin typeface="Times New Roman" panose="02020603050405020304" pitchFamily="18" charset="0"/>
+                <a:cs typeface="Times New Roman" panose="02020603050405020304" pitchFamily="18" charset="0"/>
+              </a:rPr>
+              <a:t>Extracting Features From Text</a:t>
+            </a:r>
+          </a:p>
+          <a:p>
+            <a:pPr algn="l"/>
+            <a:r>
+              <a:rPr lang="en-IN" sz="2000" b="1" i="0" dirty="0">
+                <a:solidFill>
+                  <a:srgbClr val="222222"/>
+                </a:solidFill>
+                <a:effectLst/>
+                <a:latin typeface="Lato" panose="020F0502020204030203" pitchFamily="34" charset="0"/>
+              </a:rPr>
+              <a:t>Inverse Document Frequency - </a:t>
+            </a:r>
+            <a:r>
+              <a:rPr lang="en-US" sz="2000" b="0" i="0" dirty="0">
+                <a:solidFill>
+                  <a:srgbClr val="222222"/>
+                </a:solidFill>
+                <a:effectLst/>
+                <a:latin typeface="Times New Roman" panose="02020603050405020304" pitchFamily="18" charset="0"/>
+                <a:cs typeface="Times New Roman" panose="02020603050405020304" pitchFamily="18" charset="0"/>
+              </a:rPr>
+              <a:t>It measures the importance of the word in the corpus. It measures how common a particular word is across all the documents in the corpus.</a:t>
+            </a:r>
+          </a:p>
+          <a:p>
+            <a:pPr algn="l"/>
+            <a:r>
+              <a:rPr lang="en-US" sz="2000" b="0" i="0" dirty="0">
+                <a:solidFill>
+                  <a:srgbClr val="222222"/>
+                </a:solidFill>
+                <a:effectLst/>
+                <a:latin typeface="Times New Roman" panose="02020603050405020304" pitchFamily="18" charset="0"/>
+                <a:cs typeface="Times New Roman" panose="02020603050405020304" pitchFamily="18" charset="0"/>
+              </a:rPr>
+              <a:t>It is the logarithmic ratio of no. of total documents to no. of a document with a particular word.</a:t>
+            </a:r>
+          </a:p>
+          <a:p>
+            <a:pPr marL="342900" indent="-342900" algn="just">
+              <a:buFont typeface="Arial" panose="020B0604020202020204" pitchFamily="34" charset="0"/>
+              <a:buChar char="•"/>
+            </a:pPr>
+            <a:endParaRPr lang="en-IN" sz="2000" b="0" i="0" dirty="0">
+              <a:solidFill>
+                <a:srgbClr val="222222"/>
+              </a:solidFill>
+              <a:effectLst/>
+              <a:latin typeface="Lato" panose="020F0502020204030203" pitchFamily="34" charset="0"/>
+            </a:endParaRPr>
+          </a:p>
+          <a:p>
+            <a:pPr algn="just"/>
+            <a:r>
+              <a:rPr lang="en-US" sz="2000" b="0" i="0" dirty="0">
+                <a:solidFill>
+                  <a:srgbClr val="222222"/>
+                </a:solidFill>
+                <a:effectLst/>
+                <a:latin typeface="Lato" panose="020F0502020204030203" pitchFamily="34" charset="0"/>
+              </a:rPr>
+              <a:t>The difference in the TF-IDF method is that each cell doesn’t indicate the term frequency, but contains a weight value that signifies how important a word is for an individual text message or document</a:t>
+            </a:r>
+            <a:endParaRPr lang="en-US" sz="2000" b="1" dirty="0">
+              <a:ln w="0"/>
+              <a:gradFill>
+                <a:gsLst>
+                  <a:gs pos="0">
+                    <a:srgbClr val="012D86"/>
+                  </a:gs>
+                  <a:gs pos="100000">
+                    <a:srgbClr val="0E2557"/>
+                  </a:gs>
+                </a:gsLst>
+                <a:lin scaled="0"/>
+              </a:gradFill>
+              <a:effectLst>
+                <a:outerShdw blurRad="38100" dist="19050" dir="2700000" algn="tl" rotWithShape="0">
+                  <a:schemeClr val="dk1">
+                    <a:alpha val="40000"/>
+                  </a:schemeClr>
+                </a:outerShdw>
+              </a:effectLst>
+              <a:latin typeface="Times New Roman" panose="02020603050405020304" pitchFamily="18" charset="0"/>
+              <a:cs typeface="Times New Roman" panose="02020603050405020304" pitchFamily="18" charset="0"/>
+            </a:endParaRPr>
+          </a:p>
+        </p:txBody>
+      </p:sp>
+      <p:pic>
+        <p:nvPicPr>
+          <p:cNvPr id="6" name="Picture 5">
+            <a:extLst>
+              <a:ext uri="{FF2B5EF4-FFF2-40B4-BE49-F238E27FC236}">
+                <a16:creationId xmlns:a16="http://schemas.microsoft.com/office/drawing/2014/main" id="{70465705-B307-4AF1-A76E-56C9D327F365}"/>
+              </a:ext>
+            </a:extLst>
+          </p:cNvPr>
+          <p:cNvPicPr>
+            <a:picLocks noChangeAspect="1"/>
+          </p:cNvPicPr>
+          <p:nvPr/>
+        </p:nvPicPr>
+        <p:blipFill>
+          <a:blip r:embed="rId2" cstate="print">
+            <a:extLst>
+              <a:ext uri="{28A0092B-C50C-407E-A947-70E740481C1C}">
+                <a14:useLocalDpi xmlns:a14="http://schemas.microsoft.com/office/drawing/2010/main" val="0"/>
+              </a:ext>
+            </a:extLst>
+          </a:blip>
+          <a:stretch>
+            <a:fillRect/>
+          </a:stretch>
+        </p:blipFill>
+        <p:spPr>
+          <a:xfrm>
+            <a:off x="11639150" y="101864"/>
+            <a:ext cx="463748" cy="463748"/>
+          </a:xfrm>
+          <a:prstGeom prst="rect">
+            <a:avLst/>
+          </a:prstGeom>
+        </p:spPr>
+      </p:pic>
+      <p:pic>
+        <p:nvPicPr>
+          <p:cNvPr id="4" name="Picture 3">
+            <a:extLst>
+              <a:ext uri="{FF2B5EF4-FFF2-40B4-BE49-F238E27FC236}">
+                <a16:creationId xmlns:a16="http://schemas.microsoft.com/office/drawing/2014/main" id="{091AC107-1C83-3A70-92C3-664B50CC3212}"/>
+              </a:ext>
+            </a:extLst>
+          </p:cNvPr>
+          <p:cNvPicPr>
+            <a:picLocks noChangeAspect="1"/>
+          </p:cNvPicPr>
+          <p:nvPr/>
+        </p:nvPicPr>
+        <p:blipFill>
+          <a:blip r:embed="rId3">
+            <a:extLst>
+              <a:ext uri="{28A0092B-C50C-407E-A947-70E740481C1C}">
+                <a14:useLocalDpi xmlns:a14="http://schemas.microsoft.com/office/drawing/2010/main" val="0"/>
+              </a:ext>
+            </a:extLst>
+          </a:blip>
+          <a:stretch>
+            <a:fillRect/>
+          </a:stretch>
+        </p:blipFill>
+        <p:spPr>
+          <a:xfrm>
+            <a:off x="2765875" y="3298023"/>
+            <a:ext cx="6152662" cy="2942577"/>
+          </a:xfrm>
+          <a:prstGeom prst="rect">
+            <a:avLst/>
+          </a:prstGeom>
+        </p:spPr>
+      </p:pic>
+    </p:spTree>
+    <p:extLst>
+      <p:ext uri="{BB962C8B-B14F-4D97-AF65-F5344CB8AC3E}">
+        <p14:creationId xmlns:p14="http://schemas.microsoft.com/office/powerpoint/2010/main" val="2259989489"/>
+      </p:ext>
+    </p:extLst>
+  </p:cSld>
+  <p:clrMapOvr>
+    <a:masterClrMapping/>
+  </p:clrMapOvr>
+  <mc:AlternateContent xmlns:mc="http://schemas.openxmlformats.org/markup-compatibility/2006">
+    <mc:Choice xmlns:p14="http://schemas.microsoft.com/office/powerpoint/2010/main" Requires="p14">
+      <p:transition spd="slow" p14:dur="1500">
+        <p:cover/>
+      </p:transition>
+    </mc:Choice>
+    <mc:Fallback>
+      <p:transition spd="slow">
+        <p:cover/>
+      </p:transition>
+    </mc:Fallback>
+  </mc:AlternateContent>
+</p:sld>
+</file>
+
+<file path=ppt/slides/slide19.xml><?xml version="1.0" encoding="utf-8"?>
+<p:sld xmlns:a="http://schemas.openxmlformats.org/drawingml/2006/main" xmlns:r="http://schemas.openxmlformats.org/officeDocument/2006/relationships" xmlns:p="http://schemas.openxmlformats.org/presentationml/2006/main">
+  <p:cSld>
+    <p:spTree>
+      <p:nvGrpSpPr>
+        <p:cNvPr id="1" name=""/>
+        <p:cNvGrpSpPr/>
+        <p:nvPr/>
+      </p:nvGrpSpPr>
+      <p:grpSpPr>
+        <a:xfrm>
+          <a:off x="0" y="0"/>
+          <a:ext cx="0" cy="0"/>
+          <a:chOff x="0" y="0"/>
+          <a:chExt cx="0" cy="0"/>
+        </a:xfrm>
+      </p:grpSpPr>
+      <p:sp>
+        <p:nvSpPr>
+          <p:cNvPr id="2" name="Rectangle 1"/>
+          <p:cNvSpPr/>
+          <p:nvPr/>
+        </p:nvSpPr>
+        <p:spPr>
+          <a:xfrm>
+            <a:off x="226694" y="130283"/>
+            <a:ext cx="11738610" cy="3996287"/>
+          </a:xfrm>
+          <a:prstGeom prst="rect">
+            <a:avLst/>
+          </a:prstGeom>
+          <a:noFill/>
+        </p:spPr>
+        <p:txBody>
+          <a:bodyPr wrap="square" lIns="91440" tIns="45720" rIns="91440" bIns="45720">
+            <a:spAutoFit/>
+          </a:bodyPr>
+          <a:lstStyle/>
+          <a:p>
+            <a:pPr algn="just">
+              <a:lnSpc>
+                <a:spcPct val="150000"/>
+              </a:lnSpc>
+            </a:pPr>
+            <a:r>
+              <a:rPr lang="en-US" sz="2800" b="1" dirty="0">
+                <a:ln w="0"/>
+                <a:solidFill>
+                  <a:srgbClr val="C00000"/>
+                </a:solidFill>
+                <a:effectLst>
+                  <a:outerShdw blurRad="38100" dist="19050" dir="2700000" algn="tl" rotWithShape="0">
+                    <a:schemeClr val="dk1">
+                      <a:alpha val="40000"/>
+                    </a:schemeClr>
+                  </a:outerShdw>
+                </a:effectLst>
+                <a:latin typeface="Times New Roman" panose="02020603050405020304" pitchFamily="18" charset="0"/>
+                <a:cs typeface="Times New Roman" panose="02020603050405020304" pitchFamily="18" charset="0"/>
+              </a:rPr>
+              <a:t>Model Training</a:t>
+            </a:r>
+            <a:endParaRPr lang="en-US" sz="2400" b="1" dirty="0">
+              <a:ln w="0"/>
+              <a:gradFill>
+                <a:gsLst>
+                  <a:gs pos="0">
+                    <a:srgbClr val="012D86"/>
+                  </a:gs>
+                  <a:gs pos="100000">
+                    <a:srgbClr val="0E2557"/>
+                  </a:gs>
+                </a:gsLst>
+                <a:lin scaled="0"/>
+              </a:gradFill>
+              <a:latin typeface="Times New Roman" panose="02020603050405020304" pitchFamily="18" charset="0"/>
+              <a:cs typeface="Times New Roman" panose="02020603050405020304" pitchFamily="18" charset="0"/>
+            </a:endParaRPr>
+          </a:p>
+          <a:p>
+            <a:pPr algn="just">
+              <a:lnSpc>
+                <a:spcPct val="150000"/>
+              </a:lnSpc>
+            </a:pPr>
+            <a:r>
+              <a:rPr lang="en-US" sz="2400" b="1" dirty="0">
+                <a:ln w="0"/>
+                <a:gradFill>
+                  <a:gsLst>
+                    <a:gs pos="0">
+                      <a:srgbClr val="012D86"/>
+                    </a:gs>
+                    <a:gs pos="100000">
+                      <a:srgbClr val="0E2557"/>
+                    </a:gs>
+                  </a:gsLst>
+                  <a:lin scaled="0"/>
+                </a:gradFill>
+                <a:effectLst>
+                  <a:outerShdw blurRad="38100" dist="19050" dir="2700000" algn="tl" rotWithShape="0">
+                    <a:schemeClr val="dk1">
+                      <a:alpha val="40000"/>
+                    </a:schemeClr>
+                  </a:outerShdw>
+                </a:effectLst>
+                <a:latin typeface="Times New Roman" panose="02020603050405020304" pitchFamily="18" charset="0"/>
+                <a:cs typeface="Times New Roman" panose="02020603050405020304" pitchFamily="18" charset="0"/>
+              </a:rPr>
+              <a:t>Algorithm Used</a:t>
+            </a:r>
+          </a:p>
+          <a:p>
+            <a:pPr marL="342900" indent="-342900" algn="just">
+              <a:lnSpc>
+                <a:spcPct val="150000"/>
+              </a:lnSpc>
+              <a:buFont typeface="Arial" panose="020B0604020202020204" pitchFamily="34" charset="0"/>
+              <a:buChar char="•"/>
+            </a:pPr>
+            <a:r>
+              <a:rPr lang="en-US" sz="2400" b="1" dirty="0">
+                <a:ln w="0"/>
+                <a:gradFill>
+                  <a:gsLst>
+                    <a:gs pos="0">
+                      <a:srgbClr val="012D86"/>
+                    </a:gs>
+                    <a:gs pos="100000">
+                      <a:srgbClr val="0E2557"/>
+                    </a:gs>
+                  </a:gsLst>
+                  <a:lin scaled="0"/>
+                </a:gradFill>
+                <a:effectLst>
+                  <a:outerShdw blurRad="38100" dist="19050" dir="2700000" algn="tl" rotWithShape="0">
+                    <a:schemeClr val="dk1">
+                      <a:alpha val="40000"/>
+                    </a:schemeClr>
+                  </a:outerShdw>
+                </a:effectLst>
+                <a:latin typeface="Times New Roman" panose="02020603050405020304" pitchFamily="18" charset="0"/>
+                <a:cs typeface="Times New Roman" panose="02020603050405020304" pitchFamily="18" charset="0"/>
+              </a:rPr>
+              <a:t>Logistic Regression</a:t>
+            </a:r>
+          </a:p>
+          <a:p>
+            <a:pPr marL="342900" indent="-342900" algn="just">
+              <a:lnSpc>
+                <a:spcPct val="150000"/>
+              </a:lnSpc>
+              <a:buFont typeface="Arial" panose="020B0604020202020204" pitchFamily="34" charset="0"/>
+              <a:buChar char="•"/>
+            </a:pPr>
+            <a:r>
+              <a:rPr lang="en-US" sz="2400" b="1" dirty="0">
+                <a:ln w="0"/>
+                <a:gradFill>
+                  <a:gsLst>
+                    <a:gs pos="0">
+                      <a:srgbClr val="012D86"/>
+                    </a:gs>
+                    <a:gs pos="100000">
+                      <a:srgbClr val="0E2557"/>
+                    </a:gs>
+                  </a:gsLst>
+                  <a:lin scaled="0"/>
+                </a:gradFill>
+                <a:effectLst>
+                  <a:outerShdw blurRad="38100" dist="19050" dir="2700000" algn="tl" rotWithShape="0">
+                    <a:schemeClr val="dk1">
+                      <a:alpha val="40000"/>
+                    </a:schemeClr>
+                  </a:outerShdw>
+                </a:effectLst>
+                <a:latin typeface="Times New Roman" panose="02020603050405020304" pitchFamily="18" charset="0"/>
+                <a:cs typeface="Times New Roman" panose="02020603050405020304" pitchFamily="18" charset="0"/>
+              </a:rPr>
+              <a:t>Decision Tree</a:t>
+            </a:r>
+          </a:p>
+          <a:p>
+            <a:pPr marL="342900" indent="-342900" algn="just">
+              <a:lnSpc>
+                <a:spcPct val="150000"/>
+              </a:lnSpc>
+              <a:buFont typeface="Arial" panose="020B0604020202020204" pitchFamily="34" charset="0"/>
+              <a:buChar char="•"/>
+            </a:pPr>
+            <a:r>
+              <a:rPr lang="en-US" sz="2400" b="1" dirty="0">
+                <a:ln w="0"/>
+                <a:gradFill>
+                  <a:gsLst>
+                    <a:gs pos="0">
+                      <a:srgbClr val="012D86"/>
+                    </a:gs>
+                    <a:gs pos="100000">
+                      <a:srgbClr val="0E2557"/>
+                    </a:gs>
+                  </a:gsLst>
+                  <a:lin scaled="0"/>
+                </a:gradFill>
+                <a:effectLst>
+                  <a:outerShdw blurRad="38100" dist="19050" dir="2700000" algn="tl" rotWithShape="0">
+                    <a:schemeClr val="dk1">
+                      <a:alpha val="40000"/>
+                    </a:schemeClr>
+                  </a:outerShdw>
+                </a:effectLst>
+                <a:latin typeface="Times New Roman" panose="02020603050405020304" pitchFamily="18" charset="0"/>
+                <a:cs typeface="Times New Roman" panose="02020603050405020304" pitchFamily="18" charset="0"/>
+              </a:rPr>
+              <a:t>Random Forest</a:t>
+            </a:r>
+          </a:p>
+          <a:p>
+            <a:pPr marL="342900" indent="-342900" algn="just">
+              <a:lnSpc>
+                <a:spcPct val="150000"/>
+              </a:lnSpc>
+              <a:buFont typeface="Arial" panose="020B0604020202020204" pitchFamily="34" charset="0"/>
+              <a:buChar char="•"/>
+            </a:pPr>
+            <a:r>
+              <a:rPr lang="en-US" sz="2400" b="1" dirty="0">
+                <a:ln w="0"/>
+                <a:gradFill>
+                  <a:gsLst>
+                    <a:gs pos="0">
+                      <a:srgbClr val="012D86"/>
+                    </a:gs>
+                    <a:gs pos="100000">
+                      <a:srgbClr val="0E2557"/>
+                    </a:gs>
+                  </a:gsLst>
+                  <a:lin scaled="0"/>
+                </a:gradFill>
+                <a:effectLst>
+                  <a:outerShdw blurRad="38100" dist="19050" dir="2700000" algn="tl" rotWithShape="0">
+                    <a:schemeClr val="dk1">
+                      <a:alpha val="40000"/>
+                    </a:schemeClr>
+                  </a:outerShdw>
+                </a:effectLst>
+                <a:latin typeface="Times New Roman" panose="02020603050405020304" pitchFamily="18" charset="0"/>
+                <a:cs typeface="Times New Roman" panose="02020603050405020304" pitchFamily="18" charset="0"/>
+              </a:rPr>
+              <a:t>Gradient Boosting</a:t>
+            </a:r>
+          </a:p>
+          <a:p>
+            <a:pPr marL="342900" indent="-342900" algn="just">
+              <a:lnSpc>
+                <a:spcPct val="150000"/>
+              </a:lnSpc>
+              <a:buFont typeface="Arial" panose="020B0604020202020204" pitchFamily="34" charset="0"/>
+              <a:buChar char="•"/>
+            </a:pPr>
             <a:endParaRPr lang="en-US" sz="2400" b="1" dirty="0">
               <a:ln w="0"/>
               <a:gradFill>
@@ -6469,293 +7168,14 @@
               <a:cs typeface="Times New Roman" panose="02020603050405020304" pitchFamily="18" charset="0"/>
             </a:endParaRPr>
           </a:p>
-          <a:p>
-            <a:pPr algn="just"/>
-            <a:endParaRPr lang="en-US" sz="2400" b="1" i="0" dirty="0">
-              <a:solidFill>
-                <a:srgbClr val="042D85"/>
-              </a:solidFill>
-              <a:effectLst/>
-              <a:latin typeface="Times New Roman" panose="02020603050405020304" pitchFamily="18" charset="0"/>
-              <a:cs typeface="Times New Roman" panose="02020603050405020304" pitchFamily="18" charset="0"/>
-            </a:endParaRPr>
-          </a:p>
-          <a:p>
-            <a:pPr algn="just"/>
-            <a:r>
-              <a:rPr lang="en-US" sz="2400" b="1" i="0" dirty="0">
-                <a:solidFill>
-                  <a:srgbClr val="042D85"/>
-                </a:solidFill>
-                <a:effectLst/>
-                <a:latin typeface="Times New Roman" panose="02020603050405020304" pitchFamily="18" charset="0"/>
-                <a:cs typeface="Times New Roman" panose="02020603050405020304" pitchFamily="18" charset="0"/>
-              </a:rPr>
-              <a:t>Performance of Logistic Regression Model</a:t>
-            </a:r>
-            <a:endParaRPr lang="en-US" sz="2400" b="1" dirty="0">
-              <a:ln w="0"/>
-              <a:solidFill>
-                <a:srgbClr val="042D85"/>
-              </a:solidFill>
-              <a:effectLst>
-                <a:outerShdw blurRad="38100" dist="19050" dir="2700000" algn="tl" rotWithShape="0">
-                  <a:schemeClr val="dk1">
-                    <a:alpha val="40000"/>
-                  </a:schemeClr>
-                </a:outerShdw>
-              </a:effectLst>
-              <a:latin typeface="Times New Roman" panose="02020603050405020304" pitchFamily="18" charset="0"/>
-              <a:cs typeface="Times New Roman" panose="02020603050405020304" pitchFamily="18" charset="0"/>
-            </a:endParaRPr>
-          </a:p>
-          <a:p>
-            <a:pPr algn="just"/>
-            <a:r>
-              <a:rPr lang="en-IN" sz="2000" b="0" i="0" dirty="0">
-                <a:solidFill>
-                  <a:srgbClr val="042D85"/>
-                </a:solidFill>
-                <a:effectLst/>
-                <a:latin typeface="Times New Roman" panose="02020603050405020304" pitchFamily="18" charset="0"/>
-                <a:cs typeface="Times New Roman" panose="02020603050405020304" pitchFamily="18" charset="0"/>
-              </a:rPr>
-              <a:t>Accuracy : 0.7710636207320068 </a:t>
-            </a:r>
-          </a:p>
-          <a:p>
-            <a:pPr algn="just"/>
-            <a:r>
-              <a:rPr lang="en-IN" sz="2000" b="0" i="0" dirty="0">
-                <a:solidFill>
-                  <a:srgbClr val="042D85"/>
-                </a:solidFill>
-                <a:effectLst/>
-                <a:latin typeface="Times New Roman" panose="02020603050405020304" pitchFamily="18" charset="0"/>
-                <a:cs typeface="Times New Roman" panose="02020603050405020304" pitchFamily="18" charset="0"/>
-              </a:rPr>
-              <a:t>Precision : 0.7857896154337569 </a:t>
-            </a:r>
-          </a:p>
-          <a:p>
-            <a:pPr algn="just"/>
-            <a:r>
-              <a:rPr lang="en-IN" sz="2000" b="0" i="0" dirty="0">
-                <a:solidFill>
-                  <a:srgbClr val="042D85"/>
-                </a:solidFill>
-                <a:effectLst/>
-                <a:latin typeface="Times New Roman" panose="02020603050405020304" pitchFamily="18" charset="0"/>
-                <a:cs typeface="Times New Roman" panose="02020603050405020304" pitchFamily="18" charset="0"/>
-              </a:rPr>
-              <a:t>Recall : 0.7710636207320068</a:t>
-            </a:r>
-          </a:p>
-          <a:p>
-            <a:pPr algn="just"/>
-            <a:endParaRPr lang="en-IN" sz="2000" dirty="0">
-              <a:ln w="0"/>
-              <a:solidFill>
-                <a:srgbClr val="042D85"/>
-              </a:solidFill>
-              <a:latin typeface="Times New Roman" panose="02020603050405020304" pitchFamily="18" charset="0"/>
-              <a:cs typeface="Times New Roman" panose="02020603050405020304" pitchFamily="18" charset="0"/>
-            </a:endParaRPr>
-          </a:p>
-          <a:p>
-            <a:pPr algn="just"/>
-            <a:r>
-              <a:rPr lang="en-US" sz="2400" b="1" i="0" dirty="0">
-                <a:solidFill>
-                  <a:srgbClr val="042D85"/>
-                </a:solidFill>
-                <a:effectLst/>
-                <a:latin typeface="Times New Roman" panose="02020603050405020304" pitchFamily="18" charset="0"/>
-                <a:cs typeface="Times New Roman" panose="02020603050405020304" pitchFamily="18" charset="0"/>
-              </a:rPr>
-              <a:t>Performance of Decision Tree Classifier</a:t>
-            </a:r>
-          </a:p>
-          <a:p>
-            <a:pPr algn="just"/>
-            <a:r>
-              <a:rPr lang="en-IN" sz="2000" b="0" i="0" dirty="0">
-                <a:solidFill>
-                  <a:srgbClr val="042D85"/>
-                </a:solidFill>
-                <a:effectLst/>
-                <a:latin typeface="Times New Roman" panose="02020603050405020304" pitchFamily="18" charset="0"/>
-                <a:cs typeface="Times New Roman" panose="02020603050405020304" pitchFamily="18" charset="0"/>
-              </a:rPr>
-              <a:t>Accuracy : 0.6129943502824858 </a:t>
-            </a:r>
-          </a:p>
-          <a:p>
-            <a:pPr algn="just"/>
-            <a:r>
-              <a:rPr lang="en-IN" sz="2000" b="0" i="0" dirty="0">
-                <a:solidFill>
-                  <a:srgbClr val="042D85"/>
-                </a:solidFill>
-                <a:effectLst/>
-                <a:latin typeface="Times New Roman" panose="02020603050405020304" pitchFamily="18" charset="0"/>
-                <a:cs typeface="Times New Roman" panose="02020603050405020304" pitchFamily="18" charset="0"/>
-              </a:rPr>
-              <a:t>Precision : 0.6109013482361811 </a:t>
-            </a:r>
-          </a:p>
-          <a:p>
-            <a:pPr algn="just"/>
-            <a:r>
-              <a:rPr lang="en-IN" sz="2000" b="0" i="0" dirty="0">
-                <a:solidFill>
-                  <a:srgbClr val="042D85"/>
-                </a:solidFill>
-                <a:effectLst/>
-                <a:latin typeface="Times New Roman" panose="02020603050405020304" pitchFamily="18" charset="0"/>
-                <a:cs typeface="Times New Roman" panose="02020603050405020304" pitchFamily="18" charset="0"/>
-              </a:rPr>
-              <a:t>Recall : 0.6129943502824858</a:t>
-            </a:r>
-          </a:p>
-          <a:p>
-            <a:pPr algn="just"/>
-            <a:endParaRPr lang="en-IN" sz="2000" dirty="0">
-              <a:ln w="0"/>
-              <a:solidFill>
-                <a:srgbClr val="042D85"/>
-              </a:solidFill>
-              <a:latin typeface="Times New Roman" panose="02020603050405020304" pitchFamily="18" charset="0"/>
-              <a:cs typeface="Times New Roman" panose="02020603050405020304" pitchFamily="18" charset="0"/>
-            </a:endParaRPr>
-          </a:p>
-          <a:p>
-            <a:pPr algn="just"/>
-            <a:r>
-              <a:rPr lang="en-US" sz="2400" b="1" i="0" dirty="0">
-                <a:solidFill>
-                  <a:srgbClr val="042D85"/>
-                </a:solidFill>
-                <a:effectLst/>
-                <a:latin typeface="Times New Roman" panose="02020603050405020304" pitchFamily="18" charset="0"/>
-                <a:cs typeface="Times New Roman" panose="02020603050405020304" pitchFamily="18" charset="0"/>
-              </a:rPr>
-              <a:t>Performance of Random Forest Classifier</a:t>
-            </a:r>
-            <a:endParaRPr lang="en-IN" sz="2400" b="1" dirty="0">
-              <a:ln w="0"/>
-              <a:solidFill>
-                <a:srgbClr val="042D85"/>
-              </a:solidFill>
-              <a:latin typeface="Times New Roman" panose="02020603050405020304" pitchFamily="18" charset="0"/>
-              <a:cs typeface="Times New Roman" panose="02020603050405020304" pitchFamily="18" charset="0"/>
-            </a:endParaRPr>
-          </a:p>
-          <a:p>
-            <a:pPr algn="just"/>
-            <a:r>
-              <a:rPr lang="en-IN" sz="2000" b="0" i="0" dirty="0">
-                <a:solidFill>
-                  <a:srgbClr val="042D85"/>
-                </a:solidFill>
-                <a:effectLst/>
-                <a:latin typeface="Times New Roman" panose="02020603050405020304" pitchFamily="18" charset="0"/>
-                <a:cs typeface="Times New Roman" panose="02020603050405020304" pitchFamily="18" charset="0"/>
-              </a:rPr>
-              <a:t>Accuracy : 0.7248833210513388 </a:t>
-            </a:r>
-          </a:p>
-          <a:p>
-            <a:pPr algn="just"/>
-            <a:r>
-              <a:rPr lang="en-IN" sz="2000" b="0" i="0" dirty="0">
-                <a:solidFill>
-                  <a:srgbClr val="042D85"/>
-                </a:solidFill>
-                <a:effectLst/>
-                <a:latin typeface="Times New Roman" panose="02020603050405020304" pitchFamily="18" charset="0"/>
-                <a:cs typeface="Times New Roman" panose="02020603050405020304" pitchFamily="18" charset="0"/>
-              </a:rPr>
-              <a:t>Precision : 0.7282331957151178 </a:t>
-            </a:r>
-          </a:p>
-          <a:p>
-            <a:pPr algn="just"/>
-            <a:r>
-              <a:rPr lang="en-IN" sz="2000" b="0" i="0" dirty="0">
-                <a:solidFill>
-                  <a:srgbClr val="042D85"/>
-                </a:solidFill>
-                <a:effectLst/>
-                <a:latin typeface="Times New Roman" panose="02020603050405020304" pitchFamily="18" charset="0"/>
-                <a:cs typeface="Times New Roman" panose="02020603050405020304" pitchFamily="18" charset="0"/>
-              </a:rPr>
-              <a:t>Recall : 0.7248833210513388</a:t>
-            </a:r>
-            <a:endParaRPr lang="en-US" sz="2000" b="1" dirty="0">
-              <a:ln w="0"/>
-              <a:solidFill>
-                <a:srgbClr val="042D85"/>
-              </a:solidFill>
-              <a:effectLst>
-                <a:outerShdw blurRad="38100" dist="19050" dir="2700000" algn="tl" rotWithShape="0">
-                  <a:schemeClr val="dk1">
-                    <a:alpha val="40000"/>
-                  </a:schemeClr>
-                </a:outerShdw>
-              </a:effectLst>
-              <a:latin typeface="Times New Roman" panose="02020603050405020304" pitchFamily="18" charset="0"/>
-              <a:cs typeface="Times New Roman" panose="02020603050405020304" pitchFamily="18" charset="0"/>
-            </a:endParaRPr>
-          </a:p>
-          <a:p>
-            <a:pPr algn="just">
-              <a:lnSpc>
-                <a:spcPct val="150000"/>
-              </a:lnSpc>
-            </a:pPr>
-            <a:endParaRPr lang="en-US" sz="2400" b="1" dirty="0">
-              <a:ln w="0"/>
-              <a:gradFill>
-                <a:gsLst>
-                  <a:gs pos="0">
-                    <a:srgbClr val="012D86"/>
-                  </a:gs>
-                  <a:gs pos="100000">
-                    <a:srgbClr val="0E2557"/>
-                  </a:gs>
-                </a:gsLst>
-                <a:lin scaled="0"/>
-              </a:gradFill>
-              <a:effectLst>
-                <a:outerShdw blurRad="38100" dist="19050" dir="2700000" algn="tl" rotWithShape="0">
-                  <a:schemeClr val="dk1">
-                    <a:alpha val="40000"/>
-                  </a:schemeClr>
-                </a:outerShdw>
-              </a:effectLst>
-              <a:latin typeface="Times New Roman" panose="02020603050405020304" pitchFamily="18" charset="0"/>
-              <a:cs typeface="Times New Roman" panose="02020603050405020304" pitchFamily="18" charset="0"/>
-            </a:endParaRPr>
-          </a:p>
-          <a:p>
-            <a:pPr algn="just"/>
-            <a:endParaRPr lang="en-US" sz="2000" dirty="0">
-              <a:solidFill>
-                <a:srgbClr val="042D85"/>
-              </a:solidFill>
-              <a:latin typeface="Times New Roman" panose="02020603050405020304" pitchFamily="18" charset="0"/>
-              <a:cs typeface="Times New Roman" panose="02020603050405020304" pitchFamily="18" charset="0"/>
-            </a:endParaRPr>
-          </a:p>
         </p:txBody>
       </p:sp>
       <p:pic>
         <p:nvPicPr>
-          <p:cNvPr id="5" name="Picture 4">
+          <p:cNvPr id="6" name="Picture 5">
             <a:extLst>
               <a:ext uri="{FF2B5EF4-FFF2-40B4-BE49-F238E27FC236}">
-                <a16:creationId xmlns:a16="http://schemas.microsoft.com/office/drawing/2014/main" id="{C63DC5EE-F5B7-4467-81FD-E92050D03BB3}"/>
+                <a16:creationId xmlns:a16="http://schemas.microsoft.com/office/drawing/2014/main" id="{70465705-B307-4AF1-A76E-56C9D327F365}"/>
               </a:ext>
             </a:extLst>
           </p:cNvPr>
@@ -6789,658 +7209,20 @@
     </p:spTree>
     <p:extLst>
       <p:ext uri="{BB962C8B-B14F-4D97-AF65-F5344CB8AC3E}">
-        <p14:creationId xmlns:p14="http://schemas.microsoft.com/office/powerpoint/2010/main" val="1570633341"/>
+        <p14:creationId xmlns:p14="http://schemas.microsoft.com/office/powerpoint/2010/main" val="2981576776"/>
       </p:ext>
     </p:extLst>
   </p:cSld>
   <p:clrMapOvr>
     <a:masterClrMapping/>
   </p:clrMapOvr>
-  <mc:AlternateContent xmlns:mc="http://schemas.openxmlformats.org/markup-compatibility/2006" xmlns:p14="http://schemas.microsoft.com/office/powerpoint/2010/main">
-    <mc:Choice Requires="p14">
+  <mc:AlternateContent xmlns:mc="http://schemas.openxmlformats.org/markup-compatibility/2006">
+    <mc:Choice xmlns:p14="http://schemas.microsoft.com/office/powerpoint/2010/main" Requires="p14">
       <p:transition spd="slow" p14:dur="1500">
         <p:cover/>
       </p:transition>
     </mc:Choice>
-    <mc:Fallback xmlns="">
-      <p:transition spd="slow">
-        <p:cover/>
-      </p:transition>
-    </mc:Fallback>
-  </mc:AlternateContent>
-</p:sld>
-</file>
-
-<file path=ppt/slides/slide18.xml><?xml version="1.0" encoding="utf-8"?>
-<p:sld xmlns:a="http://schemas.openxmlformats.org/drawingml/2006/main" xmlns:r="http://schemas.openxmlformats.org/officeDocument/2006/relationships" xmlns:p="http://schemas.openxmlformats.org/presentationml/2006/main">
-  <p:cSld>
-    <p:spTree>
-      <p:nvGrpSpPr>
-        <p:cNvPr id="1" name=""/>
-        <p:cNvGrpSpPr/>
-        <p:nvPr/>
-      </p:nvGrpSpPr>
-      <p:grpSpPr>
-        <a:xfrm>
-          <a:off x="0" y="0"/>
-          <a:ext cx="0" cy="0"/>
-          <a:chOff x="0" y="0"/>
-          <a:chExt cx="0" cy="0"/>
-        </a:xfrm>
-      </p:grpSpPr>
-      <p:sp>
-        <p:nvSpPr>
-          <p:cNvPr id="2" name="Rectangle 1"/>
-          <p:cNvSpPr/>
-          <p:nvPr/>
-        </p:nvSpPr>
-        <p:spPr>
-          <a:xfrm>
-            <a:off x="288421" y="76200"/>
-            <a:ext cx="11738610" cy="4462760"/>
-          </a:xfrm>
-          <a:prstGeom prst="rect">
-            <a:avLst/>
-          </a:prstGeom>
-          <a:noFill/>
-        </p:spPr>
-        <p:txBody>
-          <a:bodyPr wrap="square" lIns="91440" tIns="45720" rIns="91440" bIns="45720">
-            <a:spAutoFit/>
-          </a:bodyPr>
-          <a:lstStyle/>
-          <a:p>
-            <a:pPr algn="just"/>
-            <a:r>
-              <a:rPr lang="en-US" sz="3200" b="1" dirty="0">
-                <a:ln w="0"/>
-                <a:solidFill>
-                  <a:srgbClr val="C00000"/>
-                </a:solidFill>
-                <a:effectLst>
-                  <a:outerShdw blurRad="38100" dist="19050" dir="2700000" algn="tl" rotWithShape="0">
-                    <a:schemeClr val="dk1">
-                      <a:alpha val="40000"/>
-                    </a:schemeClr>
-                  </a:outerShdw>
-                </a:effectLst>
-                <a:latin typeface="Times New Roman" panose="02020603050405020304" pitchFamily="18" charset="0"/>
-                <a:cs typeface="Times New Roman" panose="02020603050405020304" pitchFamily="18" charset="0"/>
-              </a:rPr>
-              <a:t>Performance Metrics and Accuracy</a:t>
-            </a:r>
-            <a:endParaRPr lang="en-US" sz="2400" b="1" dirty="0">
-              <a:ln w="0"/>
-              <a:gradFill>
-                <a:gsLst>
-                  <a:gs pos="0">
-                    <a:srgbClr val="012D86"/>
-                  </a:gs>
-                  <a:gs pos="100000">
-                    <a:srgbClr val="0E2557"/>
-                  </a:gs>
-                </a:gsLst>
-                <a:lin scaled="0"/>
-              </a:gradFill>
-              <a:effectLst>
-                <a:outerShdw blurRad="38100" dist="19050" dir="2700000" algn="tl" rotWithShape="0">
-                  <a:schemeClr val="dk1">
-                    <a:alpha val="40000"/>
-                  </a:schemeClr>
-                </a:outerShdw>
-              </a:effectLst>
-              <a:latin typeface="Times New Roman" panose="02020603050405020304" pitchFamily="18" charset="0"/>
-              <a:cs typeface="Times New Roman" panose="02020603050405020304" pitchFamily="18" charset="0"/>
-            </a:endParaRPr>
-          </a:p>
-          <a:p>
-            <a:pPr algn="just"/>
-            <a:endParaRPr lang="en-US" sz="2400" b="1" i="0" dirty="0">
-              <a:solidFill>
-                <a:srgbClr val="042D85"/>
-              </a:solidFill>
-              <a:effectLst/>
-              <a:latin typeface="Times New Roman" panose="02020603050405020304" pitchFamily="18" charset="0"/>
-              <a:cs typeface="Times New Roman" panose="02020603050405020304" pitchFamily="18" charset="0"/>
-            </a:endParaRPr>
-          </a:p>
-          <a:p>
-            <a:pPr algn="just"/>
-            <a:endParaRPr lang="en-IN" sz="2000" dirty="0">
-              <a:ln w="0"/>
-              <a:solidFill>
-                <a:srgbClr val="042D85"/>
-              </a:solidFill>
-              <a:latin typeface="Times New Roman" panose="02020603050405020304" pitchFamily="18" charset="0"/>
-              <a:cs typeface="Times New Roman" panose="02020603050405020304" pitchFamily="18" charset="0"/>
-            </a:endParaRPr>
-          </a:p>
-          <a:p>
-            <a:pPr algn="just"/>
-            <a:r>
-              <a:rPr lang="en-US" sz="2400" b="1" i="0" dirty="0">
-                <a:solidFill>
-                  <a:srgbClr val="042D85"/>
-                </a:solidFill>
-                <a:effectLst/>
-                <a:latin typeface="Times New Roman" panose="02020603050405020304" pitchFamily="18" charset="0"/>
-                <a:cs typeface="Times New Roman" panose="02020603050405020304" pitchFamily="18" charset="0"/>
-              </a:rPr>
-              <a:t>Performance of Gradient Boosting Classifier</a:t>
-            </a:r>
-          </a:p>
-          <a:p>
-            <a:pPr algn="just"/>
-            <a:r>
-              <a:rPr lang="en-IN" sz="2000" b="0" i="0" dirty="0">
-                <a:solidFill>
-                  <a:srgbClr val="042D85"/>
-                </a:solidFill>
-                <a:effectLst/>
-                <a:latin typeface="Times New Roman" panose="02020603050405020304" pitchFamily="18" charset="0"/>
-                <a:cs typeface="Times New Roman" panose="02020603050405020304" pitchFamily="18" charset="0"/>
-              </a:rPr>
-              <a:t>Accuracy : 0.6545074920167036 </a:t>
-            </a:r>
-          </a:p>
-          <a:p>
-            <a:pPr algn="just"/>
-            <a:r>
-              <a:rPr lang="en-IN" sz="2000" b="0" i="0" dirty="0">
-                <a:solidFill>
-                  <a:srgbClr val="042D85"/>
-                </a:solidFill>
-                <a:effectLst/>
-                <a:latin typeface="Times New Roman" panose="02020603050405020304" pitchFamily="18" charset="0"/>
-                <a:cs typeface="Times New Roman" panose="02020603050405020304" pitchFamily="18" charset="0"/>
-              </a:rPr>
-              <a:t>Precision : 0.6962747491301503 </a:t>
-            </a:r>
-          </a:p>
-          <a:p>
-            <a:pPr algn="just"/>
-            <a:r>
-              <a:rPr lang="en-IN" sz="2000" b="0" i="0" dirty="0">
-                <a:solidFill>
-                  <a:srgbClr val="042D85"/>
-                </a:solidFill>
-                <a:effectLst/>
-                <a:latin typeface="Times New Roman" panose="02020603050405020304" pitchFamily="18" charset="0"/>
-                <a:cs typeface="Times New Roman" panose="02020603050405020304" pitchFamily="18" charset="0"/>
-              </a:rPr>
-              <a:t>Recall : 0.6545074920167036</a:t>
-            </a:r>
-          </a:p>
-          <a:p>
-            <a:pPr algn="just"/>
-            <a:endParaRPr lang="en-IN" sz="2000" dirty="0">
-              <a:ln w="0"/>
-              <a:solidFill>
-                <a:srgbClr val="042D85"/>
-              </a:solidFill>
-              <a:latin typeface="Times New Roman" panose="02020603050405020304" pitchFamily="18" charset="0"/>
-              <a:cs typeface="Times New Roman" panose="02020603050405020304" pitchFamily="18" charset="0"/>
-            </a:endParaRPr>
-          </a:p>
-          <a:p>
-            <a:pPr algn="just"/>
-            <a:r>
-              <a:rPr lang="en-US" sz="2400" b="1" i="0" dirty="0">
-                <a:solidFill>
-                  <a:srgbClr val="042D85"/>
-                </a:solidFill>
-                <a:effectLst/>
-                <a:latin typeface="Times New Roman" panose="02020603050405020304" pitchFamily="18" charset="0"/>
-                <a:cs typeface="Times New Roman" panose="02020603050405020304" pitchFamily="18" charset="0"/>
-              </a:rPr>
-              <a:t>Performance of Passive Aggressive Classifier</a:t>
-            </a:r>
-            <a:endParaRPr lang="en-IN" sz="2400" b="1" dirty="0">
-              <a:ln w="0"/>
-              <a:solidFill>
-                <a:srgbClr val="042D85"/>
-              </a:solidFill>
-              <a:latin typeface="Times New Roman" panose="02020603050405020304" pitchFamily="18" charset="0"/>
-              <a:cs typeface="Times New Roman" panose="02020603050405020304" pitchFamily="18" charset="0"/>
-            </a:endParaRPr>
-          </a:p>
-          <a:p>
-            <a:pPr algn="just"/>
-            <a:r>
-              <a:rPr lang="en-IN" sz="2000" b="0" i="0" dirty="0">
-                <a:solidFill>
-                  <a:srgbClr val="042D85"/>
-                </a:solidFill>
-                <a:effectLst/>
-                <a:latin typeface="Times New Roman" panose="02020603050405020304" pitchFamily="18" charset="0"/>
-                <a:cs typeface="Times New Roman" panose="02020603050405020304" pitchFamily="18" charset="0"/>
-              </a:rPr>
-              <a:t>Accuracy : 0.7563252272169 </a:t>
-            </a:r>
-          </a:p>
-          <a:p>
-            <a:pPr algn="just"/>
-            <a:r>
-              <a:rPr lang="en-IN" sz="2000" b="0" i="0" dirty="0">
-                <a:solidFill>
-                  <a:srgbClr val="042D85"/>
-                </a:solidFill>
-                <a:effectLst/>
-                <a:latin typeface="Times New Roman" panose="02020603050405020304" pitchFamily="18" charset="0"/>
-                <a:cs typeface="Times New Roman" panose="02020603050405020304" pitchFamily="18" charset="0"/>
-              </a:rPr>
-              <a:t>Precision : 0.757026798471969 </a:t>
-            </a:r>
-          </a:p>
-          <a:p>
-            <a:pPr algn="just"/>
-            <a:r>
-              <a:rPr lang="en-IN" sz="2000" b="0" i="0" dirty="0">
-                <a:solidFill>
-                  <a:srgbClr val="042D85"/>
-                </a:solidFill>
-                <a:effectLst/>
-                <a:latin typeface="Times New Roman" panose="02020603050405020304" pitchFamily="18" charset="0"/>
-                <a:cs typeface="Times New Roman" panose="02020603050405020304" pitchFamily="18" charset="0"/>
-              </a:rPr>
-              <a:t>Recall : 0.7563252272169</a:t>
-            </a:r>
-            <a:endParaRPr lang="en-US" sz="2400" b="1" dirty="0">
-              <a:ln w="0"/>
-              <a:solidFill>
-                <a:srgbClr val="042D85"/>
-              </a:solidFill>
-              <a:effectLst>
-                <a:outerShdw blurRad="38100" dist="19050" dir="2700000" algn="tl" rotWithShape="0">
-                  <a:schemeClr val="dk1">
-                    <a:alpha val="40000"/>
-                  </a:schemeClr>
-                </a:outerShdw>
-              </a:effectLst>
-              <a:latin typeface="Times New Roman" panose="02020603050405020304" pitchFamily="18" charset="0"/>
-              <a:cs typeface="Times New Roman" panose="02020603050405020304" pitchFamily="18" charset="0"/>
-            </a:endParaRPr>
-          </a:p>
-          <a:p>
-            <a:pPr algn="just"/>
-            <a:endParaRPr lang="en-US" sz="2000" dirty="0">
-              <a:solidFill>
-                <a:srgbClr val="042D85"/>
-              </a:solidFill>
-              <a:latin typeface="Times New Roman" panose="02020603050405020304" pitchFamily="18" charset="0"/>
-              <a:cs typeface="Times New Roman" panose="02020603050405020304" pitchFamily="18" charset="0"/>
-            </a:endParaRPr>
-          </a:p>
-        </p:txBody>
-      </p:sp>
-      <p:pic>
-        <p:nvPicPr>
-          <p:cNvPr id="5" name="Picture 4">
-            <a:extLst>
-              <a:ext uri="{FF2B5EF4-FFF2-40B4-BE49-F238E27FC236}">
-                <a16:creationId xmlns:a16="http://schemas.microsoft.com/office/drawing/2014/main" id="{C63DC5EE-F5B7-4467-81FD-E92050D03BB3}"/>
-              </a:ext>
-            </a:extLst>
-          </p:cNvPr>
-          <p:cNvPicPr>
-            <a:picLocks noChangeAspect="1"/>
-          </p:cNvPicPr>
-          <p:nvPr/>
-        </p:nvPicPr>
-        <p:blipFill>
-          <a:blip r:embed="rId2" cstate="print">
-            <a:extLst>
-              <a:ext uri="{28A0092B-C50C-407E-A947-70E740481C1C}">
-                <a14:useLocalDpi xmlns:a14="http://schemas.microsoft.com/office/drawing/2010/main" val="0"/>
-              </a:ext>
-            </a:extLst>
-          </a:blip>
-          <a:stretch>
-            <a:fillRect/>
-          </a:stretch>
-        </p:blipFill>
-        <p:spPr>
-          <a:xfrm>
-            <a:off x="11639150" y="101864"/>
-            <a:ext cx="463748" cy="463748"/>
-          </a:xfrm>
-          <a:prstGeom prst="rect">
-            <a:avLst/>
-          </a:prstGeom>
-        </p:spPr>
-      </p:pic>
-    </p:spTree>
-    <p:extLst>
-      <p:ext uri="{BB962C8B-B14F-4D97-AF65-F5344CB8AC3E}">
-        <p14:creationId xmlns:p14="http://schemas.microsoft.com/office/powerpoint/2010/main" val="1069423080"/>
-      </p:ext>
-    </p:extLst>
-  </p:cSld>
-  <p:clrMapOvr>
-    <a:masterClrMapping/>
-  </p:clrMapOvr>
-  <mc:AlternateContent xmlns:mc="http://schemas.openxmlformats.org/markup-compatibility/2006" xmlns:p14="http://schemas.microsoft.com/office/powerpoint/2010/main">
-    <mc:Choice Requires="p14">
-      <p:transition spd="slow" p14:dur="1500">
-        <p:cover/>
-      </p:transition>
-    </mc:Choice>
-    <mc:Fallback xmlns="">
-      <p:transition spd="slow">
-        <p:cover/>
-      </p:transition>
-    </mc:Fallback>
-  </mc:AlternateContent>
-</p:sld>
-</file>
-
-<file path=ppt/slides/slide19.xml><?xml version="1.0" encoding="utf-8"?>
-<p:sld xmlns:a="http://schemas.openxmlformats.org/drawingml/2006/main" xmlns:r="http://schemas.openxmlformats.org/officeDocument/2006/relationships" xmlns:p="http://schemas.openxmlformats.org/presentationml/2006/main">
-  <p:cSld>
-    <p:spTree>
-      <p:nvGrpSpPr>
-        <p:cNvPr id="1" name=""/>
-        <p:cNvGrpSpPr/>
-        <p:nvPr/>
-      </p:nvGrpSpPr>
-      <p:grpSpPr>
-        <a:xfrm>
-          <a:off x="0" y="0"/>
-          <a:ext cx="0" cy="0"/>
-          <a:chOff x="0" y="0"/>
-          <a:chExt cx="0" cy="0"/>
-        </a:xfrm>
-      </p:grpSpPr>
-      <p:sp>
-        <p:nvSpPr>
-          <p:cNvPr id="2" name="Rectangle 1"/>
-          <p:cNvSpPr/>
-          <p:nvPr/>
-        </p:nvSpPr>
-        <p:spPr>
-          <a:xfrm>
-            <a:off x="288421" y="76200"/>
-            <a:ext cx="11738610" cy="2308324"/>
-          </a:xfrm>
-          <a:prstGeom prst="rect">
-            <a:avLst/>
-          </a:prstGeom>
-          <a:noFill/>
-        </p:spPr>
-        <p:txBody>
-          <a:bodyPr wrap="square" lIns="91440" tIns="45720" rIns="91440" bIns="45720">
-            <a:spAutoFit/>
-          </a:bodyPr>
-          <a:lstStyle/>
-          <a:p>
-            <a:pPr algn="just"/>
-            <a:r>
-              <a:rPr lang="en-US" sz="3200" b="1" dirty="0">
-                <a:ln w="0"/>
-                <a:solidFill>
-                  <a:srgbClr val="C00000"/>
-                </a:solidFill>
-                <a:effectLst>
-                  <a:outerShdw blurRad="38100" dist="19050" dir="2700000" algn="tl" rotWithShape="0">
-                    <a:schemeClr val="dk1">
-                      <a:alpha val="40000"/>
-                    </a:schemeClr>
-                  </a:outerShdw>
-                </a:effectLst>
-                <a:latin typeface="Times New Roman" panose="02020603050405020304" pitchFamily="18" charset="0"/>
-                <a:cs typeface="Times New Roman" panose="02020603050405020304" pitchFamily="18" charset="0"/>
-              </a:rPr>
-              <a:t>Confusion Matrix</a:t>
-            </a:r>
-            <a:endParaRPr lang="en-US" sz="2400" b="1" dirty="0">
-              <a:ln w="0"/>
-              <a:gradFill>
-                <a:gsLst>
-                  <a:gs pos="0">
-                    <a:srgbClr val="012D86"/>
-                  </a:gs>
-                  <a:gs pos="100000">
-                    <a:srgbClr val="0E2557"/>
-                  </a:gs>
-                </a:gsLst>
-                <a:lin scaled="0"/>
-              </a:gradFill>
-              <a:effectLst>
-                <a:outerShdw blurRad="38100" dist="19050" dir="2700000" algn="tl" rotWithShape="0">
-                  <a:schemeClr val="dk1">
-                    <a:alpha val="40000"/>
-                  </a:schemeClr>
-                </a:outerShdw>
-              </a:effectLst>
-              <a:latin typeface="Times New Roman" panose="02020603050405020304" pitchFamily="18" charset="0"/>
-              <a:cs typeface="Times New Roman" panose="02020603050405020304" pitchFamily="18" charset="0"/>
-            </a:endParaRPr>
-          </a:p>
-          <a:p>
-            <a:pPr algn="just"/>
-            <a:endParaRPr lang="en-US" sz="2400" b="0" i="0" dirty="0">
-              <a:solidFill>
-                <a:srgbClr val="042D85"/>
-              </a:solidFill>
-              <a:effectLst/>
-              <a:latin typeface="Times New Roman" panose="02020603050405020304" pitchFamily="18" charset="0"/>
-              <a:cs typeface="Times New Roman" panose="02020603050405020304" pitchFamily="18" charset="0"/>
-            </a:endParaRPr>
-          </a:p>
-          <a:p>
-            <a:pPr algn="just"/>
-            <a:r>
-              <a:rPr lang="en-US" sz="2400" b="0" i="0" dirty="0">
-                <a:solidFill>
-                  <a:srgbClr val="042D85"/>
-                </a:solidFill>
-                <a:effectLst/>
-                <a:latin typeface="Times New Roman" panose="02020603050405020304" pitchFamily="18" charset="0"/>
-                <a:cs typeface="Times New Roman" panose="02020603050405020304" pitchFamily="18" charset="0"/>
-              </a:rPr>
-              <a:t>A </a:t>
-            </a:r>
-            <a:r>
-              <a:rPr lang="en-US" sz="2400" b="1" i="0" dirty="0">
-                <a:solidFill>
-                  <a:srgbClr val="042D85"/>
-                </a:solidFill>
-                <a:effectLst/>
-                <a:latin typeface="Times New Roman" panose="02020603050405020304" pitchFamily="18" charset="0"/>
-                <a:cs typeface="Times New Roman" panose="02020603050405020304" pitchFamily="18" charset="0"/>
-              </a:rPr>
-              <a:t>Confusion matrix</a:t>
-            </a:r>
-            <a:r>
-              <a:rPr lang="en-US" sz="2400" b="0" i="0" dirty="0">
-                <a:solidFill>
-                  <a:srgbClr val="042D85"/>
-                </a:solidFill>
-                <a:effectLst/>
-                <a:latin typeface="Times New Roman" panose="02020603050405020304" pitchFamily="18" charset="0"/>
-                <a:cs typeface="Times New Roman" panose="02020603050405020304" pitchFamily="18" charset="0"/>
-              </a:rPr>
-              <a:t> is an N x N matrix </a:t>
-            </a:r>
-            <a:r>
-              <a:rPr lang="en-US" sz="2400" b="1" i="0" dirty="0">
-                <a:solidFill>
-                  <a:srgbClr val="042D85"/>
-                </a:solidFill>
-                <a:effectLst/>
-                <a:latin typeface="Times New Roman" panose="02020603050405020304" pitchFamily="18" charset="0"/>
-                <a:cs typeface="Times New Roman" panose="02020603050405020304" pitchFamily="18" charset="0"/>
-              </a:rPr>
-              <a:t>used for</a:t>
-            </a:r>
-            <a:r>
-              <a:rPr lang="en-US" sz="2400" b="0" i="0" dirty="0">
-                <a:solidFill>
-                  <a:srgbClr val="042D85"/>
-                </a:solidFill>
-                <a:effectLst/>
-                <a:latin typeface="Times New Roman" panose="02020603050405020304" pitchFamily="18" charset="0"/>
-                <a:cs typeface="Times New Roman" panose="02020603050405020304" pitchFamily="18" charset="0"/>
-              </a:rPr>
-              <a:t> evaluating the performance of a classification model, where N is the number of target classes.</a:t>
-            </a:r>
-            <a:endParaRPr lang="en-US" sz="2400" b="1" i="0" dirty="0">
-              <a:solidFill>
-                <a:srgbClr val="042D85"/>
-              </a:solidFill>
-              <a:effectLst/>
-              <a:latin typeface="Times New Roman" panose="02020603050405020304" pitchFamily="18" charset="0"/>
-              <a:cs typeface="Times New Roman" panose="02020603050405020304" pitchFamily="18" charset="0"/>
-            </a:endParaRPr>
-          </a:p>
-          <a:p>
-            <a:pPr algn="just"/>
-            <a:endParaRPr lang="en-IN" sz="2000" dirty="0">
-              <a:ln w="0"/>
-              <a:solidFill>
-                <a:srgbClr val="042D85"/>
-              </a:solidFill>
-              <a:latin typeface="Times New Roman" panose="02020603050405020304" pitchFamily="18" charset="0"/>
-              <a:cs typeface="Times New Roman" panose="02020603050405020304" pitchFamily="18" charset="0"/>
-            </a:endParaRPr>
-          </a:p>
-          <a:p>
-            <a:pPr algn="just"/>
-            <a:endParaRPr lang="en-US" sz="2000" dirty="0">
-              <a:solidFill>
-                <a:srgbClr val="042D85"/>
-              </a:solidFill>
-              <a:latin typeface="Times New Roman" panose="02020603050405020304" pitchFamily="18" charset="0"/>
-              <a:cs typeface="Times New Roman" panose="02020603050405020304" pitchFamily="18" charset="0"/>
-            </a:endParaRPr>
-          </a:p>
-        </p:txBody>
-      </p:sp>
-      <p:pic>
-        <p:nvPicPr>
-          <p:cNvPr id="5" name="Picture 4">
-            <a:extLst>
-              <a:ext uri="{FF2B5EF4-FFF2-40B4-BE49-F238E27FC236}">
-                <a16:creationId xmlns:a16="http://schemas.microsoft.com/office/drawing/2014/main" id="{C63DC5EE-F5B7-4467-81FD-E92050D03BB3}"/>
-              </a:ext>
-            </a:extLst>
-          </p:cNvPr>
-          <p:cNvPicPr>
-            <a:picLocks noChangeAspect="1"/>
-          </p:cNvPicPr>
-          <p:nvPr/>
-        </p:nvPicPr>
-        <p:blipFill>
-          <a:blip r:embed="rId2" cstate="print">
-            <a:extLst>
-              <a:ext uri="{28A0092B-C50C-407E-A947-70E740481C1C}">
-                <a14:useLocalDpi xmlns:a14="http://schemas.microsoft.com/office/drawing/2010/main" val="0"/>
-              </a:ext>
-            </a:extLst>
-          </a:blip>
-          <a:stretch>
-            <a:fillRect/>
-          </a:stretch>
-        </p:blipFill>
-        <p:spPr>
-          <a:xfrm>
-            <a:off x="11639150" y="101864"/>
-            <a:ext cx="463748" cy="463748"/>
-          </a:xfrm>
-          <a:prstGeom prst="rect">
-            <a:avLst/>
-          </a:prstGeom>
-        </p:spPr>
-      </p:pic>
-      <p:pic>
-        <p:nvPicPr>
-          <p:cNvPr id="6" name="Picture 5">
-            <a:extLst>
-              <a:ext uri="{FF2B5EF4-FFF2-40B4-BE49-F238E27FC236}">
-                <a16:creationId xmlns:a16="http://schemas.microsoft.com/office/drawing/2014/main" id="{93669908-0381-415C-B50F-1B4F66EE50C7}"/>
-              </a:ext>
-            </a:extLst>
-          </p:cNvPr>
-          <p:cNvPicPr>
-            <a:picLocks noChangeAspect="1"/>
-          </p:cNvPicPr>
-          <p:nvPr/>
-        </p:nvPicPr>
-        <p:blipFill>
-          <a:blip r:embed="rId3">
-            <a:extLst>
-              <a:ext uri="{28A0092B-C50C-407E-A947-70E740481C1C}">
-                <a14:useLocalDpi xmlns:a14="http://schemas.microsoft.com/office/drawing/2010/main" val="0"/>
-              </a:ext>
-            </a:extLst>
-          </a:blip>
-          <a:stretch>
-            <a:fillRect/>
-          </a:stretch>
-        </p:blipFill>
-        <p:spPr>
-          <a:xfrm>
-            <a:off x="164969" y="2015192"/>
-            <a:ext cx="5639587" cy="4067743"/>
-          </a:xfrm>
-          <a:prstGeom prst="rect">
-            <a:avLst/>
-          </a:prstGeom>
-        </p:spPr>
-      </p:pic>
-      <p:pic>
-        <p:nvPicPr>
-          <p:cNvPr id="8" name="Picture 7">
-            <a:extLst>
-              <a:ext uri="{FF2B5EF4-FFF2-40B4-BE49-F238E27FC236}">
-                <a16:creationId xmlns:a16="http://schemas.microsoft.com/office/drawing/2014/main" id="{30CD59DF-5A1B-49F0-A129-C640863D4CDC}"/>
-              </a:ext>
-            </a:extLst>
-          </p:cNvPr>
-          <p:cNvPicPr>
-            <a:picLocks noChangeAspect="1"/>
-          </p:cNvPicPr>
-          <p:nvPr/>
-        </p:nvPicPr>
-        <p:blipFill>
-          <a:blip r:embed="rId4">
-            <a:extLst>
-              <a:ext uri="{28A0092B-C50C-407E-A947-70E740481C1C}">
-                <a14:useLocalDpi xmlns:a14="http://schemas.microsoft.com/office/drawing/2010/main" val="0"/>
-              </a:ext>
-            </a:extLst>
-          </a:blip>
-          <a:stretch>
-            <a:fillRect/>
-          </a:stretch>
-        </p:blipFill>
-        <p:spPr>
-          <a:xfrm>
-            <a:off x="6396970" y="2015192"/>
-            <a:ext cx="5630061" cy="4039164"/>
-          </a:xfrm>
-          <a:prstGeom prst="rect">
-            <a:avLst/>
-          </a:prstGeom>
-        </p:spPr>
-      </p:pic>
-    </p:spTree>
-    <p:extLst>
-      <p:ext uri="{BB962C8B-B14F-4D97-AF65-F5344CB8AC3E}">
-        <p14:creationId xmlns:p14="http://schemas.microsoft.com/office/powerpoint/2010/main" val="2294417814"/>
-      </p:ext>
-    </p:extLst>
-  </p:cSld>
-  <p:clrMapOvr>
-    <a:masterClrMapping/>
-  </p:clrMapOvr>
-  <mc:AlternateContent xmlns:mc="http://schemas.openxmlformats.org/markup-compatibility/2006" xmlns:p14="http://schemas.microsoft.com/office/powerpoint/2010/main">
-    <mc:Choice Requires="p14">
-      <p:transition spd="slow" p14:dur="1500">
-        <p:cover/>
-      </p:transition>
-    </mc:Choice>
-    <mc:Fallback xmlns="">
+    <mc:Fallback>
       <p:transition spd="slow">
         <p:cover/>
       </p:transition>
@@ -7655,7 +7437,7 @@
                 <a:latin typeface="Times New Roman" panose="02020603050405020304" pitchFamily="18" charset="0"/>
                 <a:cs typeface="Times New Roman" panose="02020603050405020304" pitchFamily="18" charset="0"/>
               </a:rPr>
-              <a:t>Importing Libraries &amp; Data Inspection</a:t>
+              <a:t>Data Inspection</a:t>
             </a:r>
           </a:p>
           <a:p>
@@ -7988,7 +7770,7 @@
         <p:spPr>
           <a:xfrm>
             <a:off x="288421" y="76200"/>
-            <a:ext cx="11738610" cy="1261884"/>
+            <a:ext cx="11738610" cy="6309420"/>
           </a:xfrm>
           <a:prstGeom prst="rect">
             <a:avLst/>
@@ -8018,7 +7800,7 @@
                 <a:latin typeface="Times New Roman" panose="02020603050405020304" pitchFamily="18" charset="0"/>
                 <a:cs typeface="Times New Roman" panose="02020603050405020304" pitchFamily="18" charset="0"/>
               </a:rPr>
-              <a:t>Confusion Matrix</a:t>
+              <a:t>Performance Metrics and Accuracy</a:t>
             </a:r>
             <a:endParaRPr lang="en-US" sz="2400" b="1" dirty="0">
               <a:ln w="0"/>
@@ -8046,11 +7828,525 @@
           </a:p>
           <a:p>
             <a:pPr algn="just"/>
-            <a:endParaRPr lang="en-US" sz="2400" b="0" i="0" dirty="0">
+            <a:endParaRPr lang="en-US" sz="2400" b="1" i="0" dirty="0">
               <a:solidFill>
                 <a:srgbClr val="042D85"/>
               </a:solidFill>
               <a:effectLst/>
+              <a:latin typeface="Times New Roman" panose="02020603050405020304" pitchFamily="18" charset="0"/>
+              <a:cs typeface="Times New Roman" panose="02020603050405020304" pitchFamily="18" charset="0"/>
+            </a:endParaRPr>
+          </a:p>
+          <a:p>
+            <a:pPr algn="just"/>
+            <a:r>
+              <a:rPr lang="en-US" sz="2400" b="1" i="0" dirty="0">
+                <a:solidFill>
+                  <a:srgbClr val="042D85"/>
+                </a:solidFill>
+                <a:effectLst/>
+                <a:latin typeface="Times New Roman" panose="02020603050405020304" pitchFamily="18" charset="0"/>
+                <a:cs typeface="Times New Roman" panose="02020603050405020304" pitchFamily="18" charset="0"/>
+              </a:rPr>
+              <a:t>Performance of Logistic Regression Model</a:t>
+            </a:r>
+            <a:endParaRPr lang="en-US" sz="2400" b="1" dirty="0">
+              <a:ln w="0"/>
+              <a:solidFill>
+                <a:srgbClr val="042D85"/>
+              </a:solidFill>
+              <a:effectLst>
+                <a:outerShdw blurRad="38100" dist="19050" dir="2700000" algn="tl" rotWithShape="0">
+                  <a:schemeClr val="dk1">
+                    <a:alpha val="40000"/>
+                  </a:schemeClr>
+                </a:outerShdw>
+              </a:effectLst>
+              <a:latin typeface="Times New Roman" panose="02020603050405020304" pitchFamily="18" charset="0"/>
+              <a:cs typeface="Times New Roman" panose="02020603050405020304" pitchFamily="18" charset="0"/>
+            </a:endParaRPr>
+          </a:p>
+          <a:p>
+            <a:pPr algn="just"/>
+            <a:r>
+              <a:rPr lang="en-IN" sz="2000" b="0" i="0" dirty="0">
+                <a:solidFill>
+                  <a:srgbClr val="042D85"/>
+                </a:solidFill>
+                <a:effectLst/>
+                <a:latin typeface="Times New Roman" panose="02020603050405020304" pitchFamily="18" charset="0"/>
+                <a:cs typeface="Times New Roman" panose="02020603050405020304" pitchFamily="18" charset="0"/>
+              </a:rPr>
+              <a:t>Accuracy : 0.7710636207320068 </a:t>
+            </a:r>
+          </a:p>
+          <a:p>
+            <a:pPr algn="just"/>
+            <a:r>
+              <a:rPr lang="en-IN" sz="2000" b="0" i="0" dirty="0">
+                <a:solidFill>
+                  <a:srgbClr val="042D85"/>
+                </a:solidFill>
+                <a:effectLst/>
+                <a:latin typeface="Times New Roman" panose="02020603050405020304" pitchFamily="18" charset="0"/>
+                <a:cs typeface="Times New Roman" panose="02020603050405020304" pitchFamily="18" charset="0"/>
+              </a:rPr>
+              <a:t>Precision : 0.7857896154337569 </a:t>
+            </a:r>
+          </a:p>
+          <a:p>
+            <a:pPr algn="just"/>
+            <a:r>
+              <a:rPr lang="en-IN" sz="2000" b="0" i="0" dirty="0">
+                <a:solidFill>
+                  <a:srgbClr val="042D85"/>
+                </a:solidFill>
+                <a:effectLst/>
+                <a:latin typeface="Times New Roman" panose="02020603050405020304" pitchFamily="18" charset="0"/>
+                <a:cs typeface="Times New Roman" panose="02020603050405020304" pitchFamily="18" charset="0"/>
+              </a:rPr>
+              <a:t>Recall : 0.7710636207320068</a:t>
+            </a:r>
+          </a:p>
+          <a:p>
+            <a:pPr algn="just"/>
+            <a:endParaRPr lang="en-IN" sz="2000" dirty="0">
+              <a:ln w="0"/>
+              <a:solidFill>
+                <a:srgbClr val="042D85"/>
+              </a:solidFill>
+              <a:latin typeface="Times New Roman" panose="02020603050405020304" pitchFamily="18" charset="0"/>
+              <a:cs typeface="Times New Roman" panose="02020603050405020304" pitchFamily="18" charset="0"/>
+            </a:endParaRPr>
+          </a:p>
+          <a:p>
+            <a:pPr algn="just"/>
+            <a:r>
+              <a:rPr lang="en-US" sz="2400" b="1" i="0" dirty="0">
+                <a:solidFill>
+                  <a:srgbClr val="042D85"/>
+                </a:solidFill>
+                <a:effectLst/>
+                <a:latin typeface="Times New Roman" panose="02020603050405020304" pitchFamily="18" charset="0"/>
+                <a:cs typeface="Times New Roman" panose="02020603050405020304" pitchFamily="18" charset="0"/>
+              </a:rPr>
+              <a:t>Performance of Decision Tree Classifier</a:t>
+            </a:r>
+          </a:p>
+          <a:p>
+            <a:pPr algn="just"/>
+            <a:r>
+              <a:rPr lang="en-IN" sz="2000" b="0" i="0" dirty="0">
+                <a:solidFill>
+                  <a:srgbClr val="042D85"/>
+                </a:solidFill>
+                <a:effectLst/>
+                <a:latin typeface="Times New Roman" panose="02020603050405020304" pitchFamily="18" charset="0"/>
+                <a:cs typeface="Times New Roman" panose="02020603050405020304" pitchFamily="18" charset="0"/>
+              </a:rPr>
+              <a:t>Accuracy : 0.6129943502824858 </a:t>
+            </a:r>
+          </a:p>
+          <a:p>
+            <a:pPr algn="just"/>
+            <a:r>
+              <a:rPr lang="en-IN" sz="2000" b="0" i="0" dirty="0">
+                <a:solidFill>
+                  <a:srgbClr val="042D85"/>
+                </a:solidFill>
+                <a:effectLst/>
+                <a:latin typeface="Times New Roman" panose="02020603050405020304" pitchFamily="18" charset="0"/>
+                <a:cs typeface="Times New Roman" panose="02020603050405020304" pitchFamily="18" charset="0"/>
+              </a:rPr>
+              <a:t>Precision : 0.6109013482361811 </a:t>
+            </a:r>
+          </a:p>
+          <a:p>
+            <a:pPr algn="just"/>
+            <a:r>
+              <a:rPr lang="en-IN" sz="2000" b="0" i="0" dirty="0">
+                <a:solidFill>
+                  <a:srgbClr val="042D85"/>
+                </a:solidFill>
+                <a:effectLst/>
+                <a:latin typeface="Times New Roman" panose="02020603050405020304" pitchFamily="18" charset="0"/>
+                <a:cs typeface="Times New Roman" panose="02020603050405020304" pitchFamily="18" charset="0"/>
+              </a:rPr>
+              <a:t>Recall : 0.6129943502824858</a:t>
+            </a:r>
+          </a:p>
+          <a:p>
+            <a:pPr algn="just"/>
+            <a:endParaRPr lang="en-IN" sz="2000" dirty="0">
+              <a:ln w="0"/>
+              <a:solidFill>
+                <a:srgbClr val="042D85"/>
+              </a:solidFill>
+              <a:latin typeface="Times New Roman" panose="02020603050405020304" pitchFamily="18" charset="0"/>
+              <a:cs typeface="Times New Roman" panose="02020603050405020304" pitchFamily="18" charset="0"/>
+            </a:endParaRPr>
+          </a:p>
+          <a:p>
+            <a:pPr algn="just"/>
+            <a:r>
+              <a:rPr lang="en-US" sz="2400" b="1" i="0" dirty="0">
+                <a:solidFill>
+                  <a:srgbClr val="042D85"/>
+                </a:solidFill>
+                <a:effectLst/>
+                <a:latin typeface="Times New Roman" panose="02020603050405020304" pitchFamily="18" charset="0"/>
+                <a:cs typeface="Times New Roman" panose="02020603050405020304" pitchFamily="18" charset="0"/>
+              </a:rPr>
+              <a:t>Performance of Random Forest Classifier</a:t>
+            </a:r>
+            <a:endParaRPr lang="en-IN" sz="2400" b="1" dirty="0">
+              <a:ln w="0"/>
+              <a:solidFill>
+                <a:srgbClr val="042D85"/>
+              </a:solidFill>
+              <a:latin typeface="Times New Roman" panose="02020603050405020304" pitchFamily="18" charset="0"/>
+              <a:cs typeface="Times New Roman" panose="02020603050405020304" pitchFamily="18" charset="0"/>
+            </a:endParaRPr>
+          </a:p>
+          <a:p>
+            <a:pPr algn="just"/>
+            <a:r>
+              <a:rPr lang="en-IN" sz="2000" b="0" i="0" dirty="0">
+                <a:solidFill>
+                  <a:srgbClr val="042D85"/>
+                </a:solidFill>
+                <a:effectLst/>
+                <a:latin typeface="Times New Roman" panose="02020603050405020304" pitchFamily="18" charset="0"/>
+                <a:cs typeface="Times New Roman" panose="02020603050405020304" pitchFamily="18" charset="0"/>
+              </a:rPr>
+              <a:t>Accuracy : 0.7248833210513388 </a:t>
+            </a:r>
+          </a:p>
+          <a:p>
+            <a:pPr algn="just"/>
+            <a:r>
+              <a:rPr lang="en-IN" sz="2000" b="0" i="0" dirty="0">
+                <a:solidFill>
+                  <a:srgbClr val="042D85"/>
+                </a:solidFill>
+                <a:effectLst/>
+                <a:latin typeface="Times New Roman" panose="02020603050405020304" pitchFamily="18" charset="0"/>
+                <a:cs typeface="Times New Roman" panose="02020603050405020304" pitchFamily="18" charset="0"/>
+              </a:rPr>
+              <a:t>Precision : 0.7282331957151178 </a:t>
+            </a:r>
+          </a:p>
+          <a:p>
+            <a:pPr algn="just"/>
+            <a:r>
+              <a:rPr lang="en-IN" sz="2000" b="0" i="0" dirty="0">
+                <a:solidFill>
+                  <a:srgbClr val="042D85"/>
+                </a:solidFill>
+                <a:effectLst/>
+                <a:latin typeface="Times New Roman" panose="02020603050405020304" pitchFamily="18" charset="0"/>
+                <a:cs typeface="Times New Roman" panose="02020603050405020304" pitchFamily="18" charset="0"/>
+              </a:rPr>
+              <a:t>Recall : 0.7248833210513388</a:t>
+            </a:r>
+            <a:endParaRPr lang="en-US" sz="2000" b="1" dirty="0">
+              <a:ln w="0"/>
+              <a:solidFill>
+                <a:srgbClr val="042D85"/>
+              </a:solidFill>
+              <a:effectLst>
+                <a:outerShdw blurRad="38100" dist="19050" dir="2700000" algn="tl" rotWithShape="0">
+                  <a:schemeClr val="dk1">
+                    <a:alpha val="40000"/>
+                  </a:schemeClr>
+                </a:outerShdw>
+              </a:effectLst>
+              <a:latin typeface="Times New Roman" panose="02020603050405020304" pitchFamily="18" charset="0"/>
+              <a:cs typeface="Times New Roman" panose="02020603050405020304" pitchFamily="18" charset="0"/>
+            </a:endParaRPr>
+          </a:p>
+          <a:p>
+            <a:pPr algn="just">
+              <a:lnSpc>
+                <a:spcPct val="150000"/>
+              </a:lnSpc>
+            </a:pPr>
+            <a:endParaRPr lang="en-US" sz="2400" b="1" dirty="0">
+              <a:ln w="0"/>
+              <a:gradFill>
+                <a:gsLst>
+                  <a:gs pos="0">
+                    <a:srgbClr val="012D86"/>
+                  </a:gs>
+                  <a:gs pos="100000">
+                    <a:srgbClr val="0E2557"/>
+                  </a:gs>
+                </a:gsLst>
+                <a:lin scaled="0"/>
+              </a:gradFill>
+              <a:effectLst>
+                <a:outerShdw blurRad="38100" dist="19050" dir="2700000" algn="tl" rotWithShape="0">
+                  <a:schemeClr val="dk1">
+                    <a:alpha val="40000"/>
+                  </a:schemeClr>
+                </a:outerShdw>
+              </a:effectLst>
+              <a:latin typeface="Times New Roman" panose="02020603050405020304" pitchFamily="18" charset="0"/>
+              <a:cs typeface="Times New Roman" panose="02020603050405020304" pitchFamily="18" charset="0"/>
+            </a:endParaRPr>
+          </a:p>
+          <a:p>
+            <a:pPr algn="just"/>
+            <a:endParaRPr lang="en-US" sz="2000" dirty="0">
+              <a:solidFill>
+                <a:srgbClr val="042D85"/>
+              </a:solidFill>
+              <a:latin typeface="Times New Roman" panose="02020603050405020304" pitchFamily="18" charset="0"/>
+              <a:cs typeface="Times New Roman" panose="02020603050405020304" pitchFamily="18" charset="0"/>
+            </a:endParaRPr>
+          </a:p>
+        </p:txBody>
+      </p:sp>
+      <p:pic>
+        <p:nvPicPr>
+          <p:cNvPr id="5" name="Picture 4">
+            <a:extLst>
+              <a:ext uri="{FF2B5EF4-FFF2-40B4-BE49-F238E27FC236}">
+                <a16:creationId xmlns:a16="http://schemas.microsoft.com/office/drawing/2014/main" id="{C63DC5EE-F5B7-4467-81FD-E92050D03BB3}"/>
+              </a:ext>
+            </a:extLst>
+          </p:cNvPr>
+          <p:cNvPicPr>
+            <a:picLocks noChangeAspect="1"/>
+          </p:cNvPicPr>
+          <p:nvPr/>
+        </p:nvPicPr>
+        <p:blipFill>
+          <a:blip r:embed="rId2" cstate="print">
+            <a:extLst>
+              <a:ext uri="{28A0092B-C50C-407E-A947-70E740481C1C}">
+                <a14:useLocalDpi xmlns:a14="http://schemas.microsoft.com/office/drawing/2010/main" val="0"/>
+              </a:ext>
+            </a:extLst>
+          </a:blip>
+          <a:stretch>
+            <a:fillRect/>
+          </a:stretch>
+        </p:blipFill>
+        <p:spPr>
+          <a:xfrm>
+            <a:off x="11639150" y="101864"/>
+            <a:ext cx="463748" cy="463748"/>
+          </a:xfrm>
+          <a:prstGeom prst="rect">
+            <a:avLst/>
+          </a:prstGeom>
+        </p:spPr>
+      </p:pic>
+    </p:spTree>
+    <p:extLst>
+      <p:ext uri="{BB962C8B-B14F-4D97-AF65-F5344CB8AC3E}">
+        <p14:creationId xmlns:p14="http://schemas.microsoft.com/office/powerpoint/2010/main" val="1570633341"/>
+      </p:ext>
+    </p:extLst>
+  </p:cSld>
+  <p:clrMapOvr>
+    <a:masterClrMapping/>
+  </p:clrMapOvr>
+  <mc:AlternateContent xmlns:mc="http://schemas.openxmlformats.org/markup-compatibility/2006" xmlns:p14="http://schemas.microsoft.com/office/powerpoint/2010/main">
+    <mc:Choice Requires="p14">
+      <p:transition spd="slow" p14:dur="1500">
+        <p:cover/>
+      </p:transition>
+    </mc:Choice>
+    <mc:Fallback xmlns="">
+      <p:transition spd="slow">
+        <p:cover/>
+      </p:transition>
+    </mc:Fallback>
+  </mc:AlternateContent>
+</p:sld>
+</file>
+
+<file path=ppt/slides/slide21.xml><?xml version="1.0" encoding="utf-8"?>
+<p:sld xmlns:a="http://schemas.openxmlformats.org/drawingml/2006/main" xmlns:r="http://schemas.openxmlformats.org/officeDocument/2006/relationships" xmlns:p="http://schemas.openxmlformats.org/presentationml/2006/main">
+  <p:cSld>
+    <p:spTree>
+      <p:nvGrpSpPr>
+        <p:cNvPr id="1" name=""/>
+        <p:cNvGrpSpPr/>
+        <p:nvPr/>
+      </p:nvGrpSpPr>
+      <p:grpSpPr>
+        <a:xfrm>
+          <a:off x="0" y="0"/>
+          <a:ext cx="0" cy="0"/>
+          <a:chOff x="0" y="0"/>
+          <a:chExt cx="0" cy="0"/>
+        </a:xfrm>
+      </p:grpSpPr>
+      <p:sp>
+        <p:nvSpPr>
+          <p:cNvPr id="2" name="Rectangle 1"/>
+          <p:cNvSpPr/>
+          <p:nvPr/>
+        </p:nvSpPr>
+        <p:spPr>
+          <a:xfrm>
+            <a:off x="288421" y="76200"/>
+            <a:ext cx="11738610" cy="3785652"/>
+          </a:xfrm>
+          <a:prstGeom prst="rect">
+            <a:avLst/>
+          </a:prstGeom>
+          <a:noFill/>
+        </p:spPr>
+        <p:txBody>
+          <a:bodyPr wrap="square" lIns="91440" tIns="45720" rIns="91440" bIns="45720">
+            <a:spAutoFit/>
+          </a:bodyPr>
+          <a:lstStyle/>
+          <a:p>
+            <a:pPr algn="just"/>
+            <a:r>
+              <a:rPr lang="en-US" sz="3200" b="1" dirty="0">
+                <a:ln w="0"/>
+                <a:solidFill>
+                  <a:srgbClr val="C00000"/>
+                </a:solidFill>
+                <a:effectLst>
+                  <a:outerShdw blurRad="38100" dist="19050" dir="2700000" algn="tl" rotWithShape="0">
+                    <a:schemeClr val="dk1">
+                      <a:alpha val="40000"/>
+                    </a:schemeClr>
+                  </a:outerShdw>
+                </a:effectLst>
+                <a:latin typeface="Times New Roman" panose="02020603050405020304" pitchFamily="18" charset="0"/>
+                <a:cs typeface="Times New Roman" panose="02020603050405020304" pitchFamily="18" charset="0"/>
+              </a:rPr>
+              <a:t>Performance Metrics and Accuracy</a:t>
+            </a:r>
+            <a:endParaRPr lang="en-IN" sz="2000" dirty="0">
+              <a:ln w="0"/>
+              <a:solidFill>
+                <a:srgbClr val="042D85"/>
+              </a:solidFill>
+              <a:latin typeface="Times New Roman" panose="02020603050405020304" pitchFamily="18" charset="0"/>
+              <a:cs typeface="Times New Roman" panose="02020603050405020304" pitchFamily="18" charset="0"/>
+            </a:endParaRPr>
+          </a:p>
+          <a:p>
+            <a:pPr algn="just"/>
+            <a:r>
+              <a:rPr lang="en-US" sz="2400" b="1" i="0" dirty="0">
+                <a:solidFill>
+                  <a:srgbClr val="042D85"/>
+                </a:solidFill>
+                <a:effectLst/>
+                <a:latin typeface="Times New Roman" panose="02020603050405020304" pitchFamily="18" charset="0"/>
+                <a:cs typeface="Times New Roman" panose="02020603050405020304" pitchFamily="18" charset="0"/>
+              </a:rPr>
+              <a:t>Performance of Gradient Boosting Classifier</a:t>
+            </a:r>
+          </a:p>
+          <a:p>
+            <a:pPr algn="just"/>
+            <a:r>
+              <a:rPr lang="en-IN" sz="2000" b="0" i="0" dirty="0">
+                <a:solidFill>
+                  <a:srgbClr val="042D85"/>
+                </a:solidFill>
+                <a:effectLst/>
+                <a:latin typeface="Times New Roman" panose="02020603050405020304" pitchFamily="18" charset="0"/>
+                <a:cs typeface="Times New Roman" panose="02020603050405020304" pitchFamily="18" charset="0"/>
+              </a:rPr>
+              <a:t>Accuracy : 0.6545074920167036 </a:t>
+            </a:r>
+          </a:p>
+          <a:p>
+            <a:pPr algn="just"/>
+            <a:r>
+              <a:rPr lang="en-IN" sz="2000" b="0" i="0" dirty="0">
+                <a:solidFill>
+                  <a:srgbClr val="042D85"/>
+                </a:solidFill>
+                <a:effectLst/>
+                <a:latin typeface="Times New Roman" panose="02020603050405020304" pitchFamily="18" charset="0"/>
+                <a:cs typeface="Times New Roman" panose="02020603050405020304" pitchFamily="18" charset="0"/>
+              </a:rPr>
+              <a:t>Precision : 0.6962747491301503 </a:t>
+            </a:r>
+          </a:p>
+          <a:p>
+            <a:pPr algn="just"/>
+            <a:r>
+              <a:rPr lang="en-IN" sz="2000" b="0" i="0" dirty="0">
+                <a:solidFill>
+                  <a:srgbClr val="042D85"/>
+                </a:solidFill>
+                <a:effectLst/>
+                <a:latin typeface="Times New Roman" panose="02020603050405020304" pitchFamily="18" charset="0"/>
+                <a:cs typeface="Times New Roman" panose="02020603050405020304" pitchFamily="18" charset="0"/>
+              </a:rPr>
+              <a:t>Recall : 0.6545074920167036</a:t>
+            </a:r>
+          </a:p>
+          <a:p>
+            <a:pPr algn="just"/>
+            <a:endParaRPr lang="en-IN" sz="2000" dirty="0">
+              <a:solidFill>
+                <a:srgbClr val="042D85"/>
+              </a:solidFill>
+              <a:latin typeface="Times New Roman" panose="02020603050405020304" pitchFamily="18" charset="0"/>
+              <a:cs typeface="Times New Roman" panose="02020603050405020304" pitchFamily="18" charset="0"/>
+            </a:endParaRPr>
+          </a:p>
+          <a:p>
+            <a:pPr algn="just"/>
+            <a:endParaRPr lang="en-IN" sz="2000" b="0" i="0" dirty="0">
+              <a:solidFill>
+                <a:srgbClr val="042D85"/>
+              </a:solidFill>
+              <a:effectLst/>
+              <a:latin typeface="Times New Roman" panose="02020603050405020304" pitchFamily="18" charset="0"/>
+              <a:cs typeface="Times New Roman" panose="02020603050405020304" pitchFamily="18" charset="0"/>
+            </a:endParaRPr>
+          </a:p>
+          <a:p>
+            <a:pPr algn="just"/>
+            <a:r>
+              <a:rPr lang="en-IN" sz="3200" b="1" dirty="0">
+                <a:ln w="0"/>
+                <a:solidFill>
+                  <a:srgbClr val="C00000"/>
+                </a:solidFill>
+                <a:effectLst>
+                  <a:outerShdw blurRad="38100" dist="19050" dir="2700000" algn="tl" rotWithShape="0">
+                    <a:schemeClr val="dk1">
+                      <a:alpha val="40000"/>
+                    </a:schemeClr>
+                  </a:outerShdw>
+                </a:effectLst>
+                <a:latin typeface="Times New Roman" panose="02020603050405020304" pitchFamily="18" charset="0"/>
+                <a:cs typeface="Times New Roman" panose="02020603050405020304" pitchFamily="18" charset="0"/>
+              </a:rPr>
+              <a:t>Precision Accuracy And Recall</a:t>
+            </a:r>
+          </a:p>
+          <a:p>
+            <a:pPr algn="just"/>
+            <a:endParaRPr lang="en-IN" sz="3200" b="1" dirty="0">
+              <a:ln w="0"/>
+              <a:solidFill>
+                <a:srgbClr val="C00000"/>
+              </a:solidFill>
+              <a:effectLst>
+                <a:outerShdw blurRad="38100" dist="19050" dir="2700000" algn="tl" rotWithShape="0">
+                  <a:schemeClr val="dk1">
+                    <a:alpha val="40000"/>
+                  </a:schemeClr>
+                </a:outerShdw>
+              </a:effectLst>
               <a:latin typeface="Times New Roman" panose="02020603050405020304" pitchFamily="18" charset="0"/>
               <a:cs typeface="Times New Roman" panose="02020603050405020304" pitchFamily="18" charset="0"/>
             </a:endParaRPr>
@@ -8108,7 +8404,7 @@
           <p:cNvPr id="4" name="Picture 3">
             <a:extLst>
               <a:ext uri="{FF2B5EF4-FFF2-40B4-BE49-F238E27FC236}">
-                <a16:creationId xmlns:a16="http://schemas.microsoft.com/office/drawing/2014/main" id="{9DC2114E-A7E5-47E7-BAC8-DF4528EF60CC}"/>
+                <a16:creationId xmlns:a16="http://schemas.microsoft.com/office/drawing/2014/main" id="{A7290A87-A993-7331-F6E6-48FAEF78C6E3}"/>
               </a:ext>
             </a:extLst>
           </p:cNvPr>
@@ -8131,44 +8427,8 @@
         </p:blipFill>
         <p:spPr>
           <a:xfrm>
-            <a:off x="212554" y="1338084"/>
-            <a:ext cx="5725324" cy="4110498"/>
-          </a:xfrm>
-          <a:prstGeom prst="rect">
-            <a:avLst/>
-          </a:prstGeom>
-        </p:spPr>
-      </p:pic>
-      <p:pic>
-        <p:nvPicPr>
-          <p:cNvPr id="9" name="Picture 8">
-            <a:extLst>
-              <a:ext uri="{FF2B5EF4-FFF2-40B4-BE49-F238E27FC236}">
-                <a16:creationId xmlns:a16="http://schemas.microsoft.com/office/drawing/2014/main" id="{300FEB86-2322-4B3E-9D5A-6915C3F939E2}"/>
-              </a:ext>
-            </a:extLst>
-          </p:cNvPr>
-          <p:cNvPicPr>
-            <a:picLocks noChangeAspect="1"/>
-          </p:cNvPicPr>
-          <p:nvPr/>
-        </p:nvPicPr>
-        <p:blipFill>
-          <a:blip r:embed="rId4">
-            <a:extLst>
-              <a:ext uri="{28A0092B-C50C-407E-A947-70E740481C1C}">
-                <a14:useLocalDpi xmlns:a14="http://schemas.microsoft.com/office/drawing/2010/main" val="0"/>
-              </a:ext>
-            </a:extLst>
-          </a:blip>
-          <a:stretch>
-            <a:fillRect/>
-          </a:stretch>
-        </p:blipFill>
-        <p:spPr>
-          <a:xfrm>
-            <a:off x="6139759" y="1338084"/>
-            <a:ext cx="5887272" cy="4110498"/>
+            <a:off x="2558541" y="3215640"/>
+            <a:ext cx="7074918" cy="3229392"/>
           </a:xfrm>
           <a:prstGeom prst="rect">
             <a:avLst/>
@@ -8178,20 +8438,20 @@
     </p:spTree>
     <p:extLst>
       <p:ext uri="{BB962C8B-B14F-4D97-AF65-F5344CB8AC3E}">
-        <p14:creationId xmlns:p14="http://schemas.microsoft.com/office/powerpoint/2010/main" val="2430665842"/>
+        <p14:creationId xmlns:p14="http://schemas.microsoft.com/office/powerpoint/2010/main" val="1069423080"/>
       </p:ext>
     </p:extLst>
   </p:cSld>
   <p:clrMapOvr>
     <a:masterClrMapping/>
   </p:clrMapOvr>
-  <mc:AlternateContent xmlns:mc="http://schemas.openxmlformats.org/markup-compatibility/2006">
-    <mc:Choice xmlns:p14="http://schemas.microsoft.com/office/powerpoint/2010/main" Requires="p14">
+  <mc:AlternateContent xmlns:mc="http://schemas.openxmlformats.org/markup-compatibility/2006" xmlns:p14="http://schemas.microsoft.com/office/powerpoint/2010/main">
+    <mc:Choice Requires="p14">
       <p:transition spd="slow" p14:dur="1500">
         <p:cover/>
       </p:transition>
     </mc:Choice>
-    <mc:Fallback>
+    <mc:Fallback xmlns="">
       <p:transition spd="slow">
         <p:cover/>
       </p:transition>
@@ -8200,7 +8460,7 @@
 </p:sld>
 </file>
 
-<file path=ppt/slides/slide21.xml><?xml version="1.0" encoding="utf-8"?>
+<file path=ppt/slides/slide22.xml><?xml version="1.0" encoding="utf-8"?>
 <p:sld xmlns:a="http://schemas.openxmlformats.org/drawingml/2006/main" xmlns:r="http://schemas.openxmlformats.org/officeDocument/2006/relationships" xmlns:p="http://schemas.openxmlformats.org/presentationml/2006/main">
   <p:cSld>
     <p:spTree>
@@ -8226,7 +8486,7 @@
         <p:spPr>
           <a:xfrm>
             <a:off x="288421" y="76200"/>
-            <a:ext cx="11738610" cy="1261884"/>
+            <a:ext cx="11738610" cy="5816977"/>
           </a:xfrm>
           <a:prstGeom prst="rect">
             <a:avLst/>
@@ -8241,7 +8501,7 @@
           <a:p>
             <a:pPr algn="just"/>
             <a:r>
-              <a:rPr lang="en-US" sz="3200" b="1" dirty="0">
+              <a:rPr lang="en-IN" sz="3200" b="1" dirty="0">
                 <a:ln w="0"/>
                 <a:solidFill>
                   <a:srgbClr val="C00000"/>
@@ -8256,21 +8516,16 @@
                 <a:latin typeface="Times New Roman" panose="02020603050405020304" pitchFamily="18" charset="0"/>
                 <a:cs typeface="Times New Roman" panose="02020603050405020304" pitchFamily="18" charset="0"/>
               </a:rPr>
-              <a:t>Confusion Matrix</a:t>
-            </a:r>
-            <a:endParaRPr lang="en-US" sz="2400" b="1" dirty="0">
+              <a:t>Precision Accuracy And Recall</a:t>
+            </a:r>
+          </a:p>
+          <a:p>
+            <a:pPr algn="just"/>
+            <a:endParaRPr lang="en-IN" sz="3200" b="1" dirty="0">
               <a:ln w="0"/>
-              <a:gradFill>
-                <a:gsLst>
-                  <a:gs pos="0">
-                    <a:srgbClr val="012D86"/>
-                  </a:gs>
-                  <a:gs pos="100000">
-                    <a:srgbClr val="0E2557"/>
-                  </a:gs>
-                </a:gsLst>
-                <a:lin scaled="0"/>
-              </a:gradFill>
+              <a:solidFill>
+                <a:srgbClr val="C00000"/>
+              </a:solidFill>
               <a:effectLst>
                 <a:outerShdw blurRad="38100" dist="19050" dir="2700000" algn="tl" rotWithShape="0">
                   <a:schemeClr val="dk1">
@@ -8284,17 +8539,361 @@
           </a:p>
           <a:p>
             <a:pPr algn="just"/>
-            <a:endParaRPr lang="en-US" sz="2400" b="0" i="0" dirty="0">
+            <a:r>
+              <a:rPr lang="en-IN" sz="3600" b="1" dirty="0">
+                <a:solidFill>
+                  <a:srgbClr val="042D85"/>
+                </a:solidFill>
+                <a:latin typeface="Times New Roman" panose="02020603050405020304" pitchFamily="18" charset="0"/>
+                <a:cs typeface="Times New Roman" panose="02020603050405020304" pitchFamily="18" charset="0"/>
+              </a:rPr>
+              <a:t>Precision </a:t>
+            </a:r>
+          </a:p>
+          <a:p>
+            <a:pPr algn="just"/>
+            <a:r>
+              <a:rPr lang="en-US" sz="2000" b="0" i="0" dirty="0">
+                <a:solidFill>
+                  <a:srgbClr val="292929"/>
+                </a:solidFill>
+                <a:effectLst/>
+                <a:latin typeface="Times New Roman" panose="02020603050405020304" pitchFamily="18" charset="0"/>
+                <a:cs typeface="Times New Roman" panose="02020603050405020304" pitchFamily="18" charset="0"/>
+              </a:rPr>
+              <a:t>Precision is the proportion of correct predictions among all predictions of a certain class. In other words, it is the proportion of true positives among all positive predictions.</a:t>
+            </a:r>
+          </a:p>
+          <a:p>
+            <a:pPr algn="just"/>
+            <a:endParaRPr lang="en-US" sz="2000" dirty="0">
+              <a:solidFill>
+                <a:srgbClr val="292929"/>
+              </a:solidFill>
+              <a:latin typeface="Times New Roman" panose="02020603050405020304" pitchFamily="18" charset="0"/>
+              <a:cs typeface="Times New Roman" panose="02020603050405020304" pitchFamily="18" charset="0"/>
+            </a:endParaRPr>
+          </a:p>
+          <a:p>
+            <a:pPr algn="just"/>
+            <a:endParaRPr lang="en-US" sz="2000" b="0" i="0" dirty="0">
+              <a:solidFill>
+                <a:srgbClr val="292929"/>
+              </a:solidFill>
+              <a:effectLst/>
+              <a:latin typeface="Times New Roman" panose="02020603050405020304" pitchFamily="18" charset="0"/>
+              <a:cs typeface="Times New Roman" panose="02020603050405020304" pitchFamily="18" charset="0"/>
+            </a:endParaRPr>
+          </a:p>
+          <a:p>
+            <a:pPr algn="just"/>
+            <a:endParaRPr lang="en-US" sz="3200" dirty="0">
+              <a:solidFill>
+                <a:srgbClr val="292929"/>
+              </a:solidFill>
+              <a:latin typeface="Times New Roman" panose="02020603050405020304" pitchFamily="18" charset="0"/>
+              <a:cs typeface="Times New Roman" panose="02020603050405020304" pitchFamily="18" charset="0"/>
+            </a:endParaRPr>
+          </a:p>
+          <a:p>
+            <a:pPr algn="just"/>
+            <a:r>
+              <a:rPr lang="en-US" sz="3600" b="1" dirty="0">
+                <a:solidFill>
+                  <a:srgbClr val="042D85"/>
+                </a:solidFill>
+                <a:latin typeface="Times New Roman" panose="02020603050405020304" pitchFamily="18" charset="0"/>
+                <a:cs typeface="Times New Roman" panose="02020603050405020304" pitchFamily="18" charset="0"/>
+              </a:rPr>
+              <a:t>Accuracy</a:t>
+            </a:r>
+          </a:p>
+          <a:p>
+            <a:pPr algn="just"/>
+            <a:r>
+              <a:rPr lang="en-US" sz="2000" b="0" i="0" dirty="0">
+                <a:solidFill>
+                  <a:srgbClr val="292929"/>
+                </a:solidFill>
+                <a:effectLst/>
+                <a:latin typeface="Times New Roman" panose="02020603050405020304" pitchFamily="18" charset="0"/>
+                <a:cs typeface="Times New Roman" panose="02020603050405020304" pitchFamily="18" charset="0"/>
+              </a:rPr>
+              <a:t>Accuracy is the proportion of examples that were correctly classified. More precisely, it is sum of the number of true positives and true negatives, divided by the number of examples in the dataset.</a:t>
+            </a:r>
+            <a:endParaRPr lang="en-IN" sz="2000" b="1" dirty="0">
               <a:solidFill>
                 <a:srgbClr val="042D85"/>
               </a:solidFill>
-              <a:effectLst/>
               <a:latin typeface="Times New Roman" panose="02020603050405020304" pitchFamily="18" charset="0"/>
               <a:cs typeface="Times New Roman" panose="02020603050405020304" pitchFamily="18" charset="0"/>
             </a:endParaRPr>
           </a:p>
           <a:p>
             <a:pPr algn="just"/>
+            <a:endParaRPr lang="en-IN" sz="3200" b="1" dirty="0">
+              <a:ln w="0"/>
+              <a:solidFill>
+                <a:srgbClr val="C00000"/>
+              </a:solidFill>
+              <a:effectLst>
+                <a:outerShdw blurRad="38100" dist="19050" dir="2700000" algn="tl" rotWithShape="0">
+                  <a:schemeClr val="dk1">
+                    <a:alpha val="40000"/>
+                  </a:schemeClr>
+                </a:outerShdw>
+              </a:effectLst>
+              <a:latin typeface="Times New Roman" panose="02020603050405020304" pitchFamily="18" charset="0"/>
+              <a:cs typeface="Times New Roman" panose="02020603050405020304" pitchFamily="18" charset="0"/>
+            </a:endParaRPr>
+          </a:p>
+          <a:p>
+            <a:pPr algn="just"/>
+            <a:endParaRPr lang="en-IN" sz="3200" b="1" dirty="0">
+              <a:ln w="0"/>
+              <a:solidFill>
+                <a:srgbClr val="C00000"/>
+              </a:solidFill>
+              <a:effectLst>
+                <a:outerShdw blurRad="38100" dist="19050" dir="2700000" algn="tl" rotWithShape="0">
+                  <a:schemeClr val="dk1">
+                    <a:alpha val="40000"/>
+                  </a:schemeClr>
+                </a:outerShdw>
+              </a:effectLst>
+              <a:latin typeface="Times New Roman" panose="02020603050405020304" pitchFamily="18" charset="0"/>
+              <a:cs typeface="Times New Roman" panose="02020603050405020304" pitchFamily="18" charset="0"/>
+            </a:endParaRPr>
+          </a:p>
+          <a:p>
+            <a:pPr algn="just"/>
+            <a:endParaRPr lang="en-US" sz="2000" dirty="0">
+              <a:solidFill>
+                <a:srgbClr val="042D85"/>
+              </a:solidFill>
+              <a:latin typeface="Times New Roman" panose="02020603050405020304" pitchFamily="18" charset="0"/>
+              <a:cs typeface="Times New Roman" panose="02020603050405020304" pitchFamily="18" charset="0"/>
+            </a:endParaRPr>
+          </a:p>
+        </p:txBody>
+      </p:sp>
+      <p:pic>
+        <p:nvPicPr>
+          <p:cNvPr id="5" name="Picture 4">
+            <a:extLst>
+              <a:ext uri="{FF2B5EF4-FFF2-40B4-BE49-F238E27FC236}">
+                <a16:creationId xmlns:a16="http://schemas.microsoft.com/office/drawing/2014/main" id="{C63DC5EE-F5B7-4467-81FD-E92050D03BB3}"/>
+              </a:ext>
+            </a:extLst>
+          </p:cNvPr>
+          <p:cNvPicPr>
+            <a:picLocks noChangeAspect="1"/>
+          </p:cNvPicPr>
+          <p:nvPr/>
+        </p:nvPicPr>
+        <p:blipFill>
+          <a:blip r:embed="rId2" cstate="print">
+            <a:extLst>
+              <a:ext uri="{28A0092B-C50C-407E-A947-70E740481C1C}">
+                <a14:useLocalDpi xmlns:a14="http://schemas.microsoft.com/office/drawing/2010/main" val="0"/>
+              </a:ext>
+            </a:extLst>
+          </a:blip>
+          <a:stretch>
+            <a:fillRect/>
+          </a:stretch>
+        </p:blipFill>
+        <p:spPr>
+          <a:xfrm>
+            <a:off x="11639150" y="101864"/>
+            <a:ext cx="463748" cy="463748"/>
+          </a:xfrm>
+          <a:prstGeom prst="rect">
+            <a:avLst/>
+          </a:prstGeom>
+        </p:spPr>
+      </p:pic>
+      <p:pic>
+        <p:nvPicPr>
+          <p:cNvPr id="4" name="Picture 3">
+            <a:extLst>
+              <a:ext uri="{FF2B5EF4-FFF2-40B4-BE49-F238E27FC236}">
+                <a16:creationId xmlns:a16="http://schemas.microsoft.com/office/drawing/2014/main" id="{6F39617B-C15E-3E90-4AA0-A2F088045291}"/>
+              </a:ext>
+            </a:extLst>
+          </p:cNvPr>
+          <p:cNvPicPr>
+            <a:picLocks noChangeAspect="1"/>
+          </p:cNvPicPr>
+          <p:nvPr/>
+        </p:nvPicPr>
+        <p:blipFill>
+          <a:blip r:embed="rId3">
+            <a:extLst>
+              <a:ext uri="{28A0092B-C50C-407E-A947-70E740481C1C}">
+                <a14:useLocalDpi xmlns:a14="http://schemas.microsoft.com/office/drawing/2010/main" val="0"/>
+              </a:ext>
+            </a:extLst>
+          </a:blip>
+          <a:stretch>
+            <a:fillRect/>
+          </a:stretch>
+        </p:blipFill>
+        <p:spPr>
+          <a:xfrm>
+            <a:off x="2491003" y="4692859"/>
+            <a:ext cx="6382641" cy="1200318"/>
+          </a:xfrm>
+          <a:prstGeom prst="rect">
+            <a:avLst/>
+          </a:prstGeom>
+        </p:spPr>
+      </p:pic>
+      <p:pic>
+        <p:nvPicPr>
+          <p:cNvPr id="7" name="Picture 6">
+            <a:extLst>
+              <a:ext uri="{FF2B5EF4-FFF2-40B4-BE49-F238E27FC236}">
+                <a16:creationId xmlns:a16="http://schemas.microsoft.com/office/drawing/2014/main" id="{E9A83B15-937F-006B-2483-F32355B1F7E6}"/>
+              </a:ext>
+            </a:extLst>
+          </p:cNvPr>
+          <p:cNvPicPr>
+            <a:picLocks noChangeAspect="1"/>
+          </p:cNvPicPr>
+          <p:nvPr/>
+        </p:nvPicPr>
+        <p:blipFill>
+          <a:blip r:embed="rId4">
+            <a:extLst>
+              <a:ext uri="{28A0092B-C50C-407E-A947-70E740481C1C}">
+                <a14:useLocalDpi xmlns:a14="http://schemas.microsoft.com/office/drawing/2010/main" val="0"/>
+              </a:ext>
+            </a:extLst>
+          </a:blip>
+          <a:stretch>
+            <a:fillRect/>
+          </a:stretch>
+        </p:blipFill>
+        <p:spPr>
+          <a:xfrm>
+            <a:off x="4138339" y="2455976"/>
+            <a:ext cx="3915321" cy="1057423"/>
+          </a:xfrm>
+          <a:prstGeom prst="rect">
+            <a:avLst/>
+          </a:prstGeom>
+        </p:spPr>
+      </p:pic>
+    </p:spTree>
+    <p:extLst>
+      <p:ext uri="{BB962C8B-B14F-4D97-AF65-F5344CB8AC3E}">
+        <p14:creationId xmlns:p14="http://schemas.microsoft.com/office/powerpoint/2010/main" val="1779491367"/>
+      </p:ext>
+    </p:extLst>
+  </p:cSld>
+  <p:clrMapOvr>
+    <a:masterClrMapping/>
+  </p:clrMapOvr>
+  <mc:AlternateContent xmlns:mc="http://schemas.openxmlformats.org/markup-compatibility/2006">
+    <mc:Choice xmlns:p14="http://schemas.microsoft.com/office/powerpoint/2010/main" Requires="p14">
+      <p:transition spd="slow" p14:dur="1500">
+        <p:cover/>
+      </p:transition>
+    </mc:Choice>
+    <mc:Fallback>
+      <p:transition spd="slow">
+        <p:cover/>
+      </p:transition>
+    </mc:Fallback>
+  </mc:AlternateContent>
+</p:sld>
+</file>
+
+<file path=ppt/slides/slide23.xml><?xml version="1.0" encoding="utf-8"?>
+<p:sld xmlns:a="http://schemas.openxmlformats.org/drawingml/2006/main" xmlns:r="http://schemas.openxmlformats.org/officeDocument/2006/relationships" xmlns:p="http://schemas.openxmlformats.org/presentationml/2006/main">
+  <p:cSld>
+    <p:spTree>
+      <p:nvGrpSpPr>
+        <p:cNvPr id="1" name=""/>
+        <p:cNvGrpSpPr/>
+        <p:nvPr/>
+      </p:nvGrpSpPr>
+      <p:grpSpPr>
+        <a:xfrm>
+          <a:off x="0" y="0"/>
+          <a:ext cx="0" cy="0"/>
+          <a:chOff x="0" y="0"/>
+          <a:chExt cx="0" cy="0"/>
+        </a:xfrm>
+      </p:grpSpPr>
+      <p:sp>
+        <p:nvSpPr>
+          <p:cNvPr id="2" name="Rectangle 1"/>
+          <p:cNvSpPr/>
+          <p:nvPr/>
+        </p:nvSpPr>
+        <p:spPr>
+          <a:xfrm>
+            <a:off x="288421" y="76200"/>
+            <a:ext cx="11738610" cy="1754326"/>
+          </a:xfrm>
+          <a:prstGeom prst="rect">
+            <a:avLst/>
+          </a:prstGeom>
+          <a:noFill/>
+        </p:spPr>
+        <p:txBody>
+          <a:bodyPr wrap="square" lIns="91440" tIns="45720" rIns="91440" bIns="45720">
+            <a:spAutoFit/>
+          </a:bodyPr>
+          <a:lstStyle/>
+          <a:p>
+            <a:pPr algn="just"/>
+            <a:r>
+              <a:rPr lang="en-IN" sz="3200" b="1" dirty="0">
+                <a:ln w="0"/>
+                <a:solidFill>
+                  <a:srgbClr val="C00000"/>
+                </a:solidFill>
+                <a:effectLst>
+                  <a:outerShdw blurRad="38100" dist="19050" dir="2700000" algn="tl" rotWithShape="0">
+                    <a:schemeClr val="dk1">
+                      <a:alpha val="40000"/>
+                    </a:schemeClr>
+                  </a:outerShdw>
+                </a:effectLst>
+                <a:latin typeface="Times New Roman" panose="02020603050405020304" pitchFamily="18" charset="0"/>
+                <a:cs typeface="Times New Roman" panose="02020603050405020304" pitchFamily="18" charset="0"/>
+              </a:rPr>
+              <a:t>Precision Accuracy And Recall</a:t>
+            </a:r>
+          </a:p>
+          <a:p>
+            <a:pPr algn="just"/>
+            <a:r>
+              <a:rPr lang="en-IN" sz="3600" b="1" dirty="0">
+                <a:solidFill>
+                  <a:srgbClr val="042D85"/>
+                </a:solidFill>
+                <a:latin typeface="Times New Roman" panose="02020603050405020304" pitchFamily="18" charset="0"/>
+                <a:cs typeface="Times New Roman" panose="02020603050405020304" pitchFamily="18" charset="0"/>
+              </a:rPr>
+              <a:t>Recall </a:t>
+            </a:r>
+          </a:p>
+          <a:p>
+            <a:pPr algn="just"/>
+            <a:r>
+              <a:rPr lang="en-US" sz="2000" b="0" i="0" dirty="0">
+                <a:solidFill>
+                  <a:srgbClr val="292929"/>
+                </a:solidFill>
+                <a:effectLst/>
+                <a:latin typeface="charter"/>
+              </a:rPr>
+              <a:t>Recall is the proportion of examples of a certain class that have been predicted by the model as belonging to that class. In other words, it is the proportion of true positives among all true examples.</a:t>
+            </a:r>
             <a:endParaRPr lang="en-US" sz="2000" dirty="0">
               <a:solidFill>
                 <a:srgbClr val="042D85"/>
@@ -8346,7 +8945,7 @@
           <p:cNvPr id="6" name="Picture 5">
             <a:extLst>
               <a:ext uri="{FF2B5EF4-FFF2-40B4-BE49-F238E27FC236}">
-                <a16:creationId xmlns:a16="http://schemas.microsoft.com/office/drawing/2014/main" id="{E332E51E-9E0C-48C9-ADB5-45EFCA309116}"/>
+                <a16:creationId xmlns:a16="http://schemas.microsoft.com/office/drawing/2014/main" id="{B0075FEF-F336-2ADA-8A7C-D826A09C2EA4}"/>
               </a:ext>
             </a:extLst>
           </p:cNvPr>
@@ -8369,8 +8968,8 @@
         </p:blipFill>
         <p:spPr>
           <a:xfrm>
-            <a:off x="2902755" y="1102935"/>
-            <a:ext cx="6386489" cy="4374026"/>
+            <a:off x="4419366" y="2101102"/>
+            <a:ext cx="3353268" cy="809738"/>
           </a:xfrm>
           <a:prstGeom prst="rect">
             <a:avLst/>
@@ -8380,7 +8979,7 @@
     </p:spTree>
     <p:extLst>
       <p:ext uri="{BB962C8B-B14F-4D97-AF65-F5344CB8AC3E}">
-        <p14:creationId xmlns:p14="http://schemas.microsoft.com/office/powerpoint/2010/main" val="3695951856"/>
+        <p14:creationId xmlns:p14="http://schemas.microsoft.com/office/powerpoint/2010/main" val="3553312013"/>
       </p:ext>
     </p:extLst>
   </p:cSld>
@@ -8402,7 +9001,560 @@
 </p:sld>
 </file>
 
-<file path=ppt/slides/slide22.xml><?xml version="1.0" encoding="utf-8"?>
+<file path=ppt/slides/slide24.xml><?xml version="1.0" encoding="utf-8"?>
+<p:sld xmlns:a="http://schemas.openxmlformats.org/drawingml/2006/main" xmlns:r="http://schemas.openxmlformats.org/officeDocument/2006/relationships" xmlns:p="http://schemas.openxmlformats.org/presentationml/2006/main">
+  <p:cSld>
+    <p:spTree>
+      <p:nvGrpSpPr>
+        <p:cNvPr id="1" name=""/>
+        <p:cNvGrpSpPr/>
+        <p:nvPr/>
+      </p:nvGrpSpPr>
+      <p:grpSpPr>
+        <a:xfrm>
+          <a:off x="0" y="0"/>
+          <a:ext cx="0" cy="0"/>
+          <a:chOff x="0" y="0"/>
+          <a:chExt cx="0" cy="0"/>
+        </a:xfrm>
+      </p:grpSpPr>
+      <p:sp>
+        <p:nvSpPr>
+          <p:cNvPr id="2" name="Rectangle 1"/>
+          <p:cNvSpPr/>
+          <p:nvPr/>
+        </p:nvSpPr>
+        <p:spPr>
+          <a:xfrm>
+            <a:off x="288421" y="76200"/>
+            <a:ext cx="11738610" cy="2369880"/>
+          </a:xfrm>
+          <a:prstGeom prst="rect">
+            <a:avLst/>
+          </a:prstGeom>
+          <a:noFill/>
+        </p:spPr>
+        <p:txBody>
+          <a:bodyPr wrap="square" lIns="91440" tIns="45720" rIns="91440" bIns="45720">
+            <a:spAutoFit/>
+          </a:bodyPr>
+          <a:lstStyle/>
+          <a:p>
+            <a:pPr algn="just"/>
+            <a:r>
+              <a:rPr lang="en-US" sz="3200" b="1" dirty="0">
+                <a:ln w="0"/>
+                <a:solidFill>
+                  <a:srgbClr val="C00000"/>
+                </a:solidFill>
+                <a:effectLst>
+                  <a:outerShdw blurRad="38100" dist="19050" dir="2700000" algn="tl" rotWithShape="0">
+                    <a:schemeClr val="dk1">
+                      <a:alpha val="40000"/>
+                    </a:schemeClr>
+                  </a:outerShdw>
+                </a:effectLst>
+                <a:latin typeface="Times New Roman" panose="02020603050405020304" pitchFamily="18" charset="0"/>
+                <a:cs typeface="Times New Roman" panose="02020603050405020304" pitchFamily="18" charset="0"/>
+              </a:rPr>
+              <a:t>Confusion Matrix</a:t>
+            </a:r>
+            <a:endParaRPr lang="en-US" sz="2400" b="1" dirty="0">
+              <a:ln w="0"/>
+              <a:gradFill>
+                <a:gsLst>
+                  <a:gs pos="0">
+                    <a:srgbClr val="012D86"/>
+                  </a:gs>
+                  <a:gs pos="100000">
+                    <a:srgbClr val="0E2557"/>
+                  </a:gs>
+                </a:gsLst>
+                <a:lin scaled="0"/>
+              </a:gradFill>
+              <a:effectLst>
+                <a:outerShdw blurRad="38100" dist="19050" dir="2700000" algn="tl" rotWithShape="0">
+                  <a:schemeClr val="dk1">
+                    <a:alpha val="40000"/>
+                  </a:schemeClr>
+                </a:outerShdw>
+              </a:effectLst>
+              <a:latin typeface="Times New Roman" panose="02020603050405020304" pitchFamily="18" charset="0"/>
+              <a:cs typeface="Times New Roman" panose="02020603050405020304" pitchFamily="18" charset="0"/>
+            </a:endParaRPr>
+          </a:p>
+          <a:p>
+            <a:pPr algn="just"/>
+            <a:endParaRPr lang="en-US" sz="2400" b="0" i="0" dirty="0">
+              <a:solidFill>
+                <a:srgbClr val="042D85"/>
+              </a:solidFill>
+              <a:effectLst/>
+              <a:latin typeface="Times New Roman" panose="02020603050405020304" pitchFamily="18" charset="0"/>
+              <a:cs typeface="Times New Roman" panose="02020603050405020304" pitchFamily="18" charset="0"/>
+            </a:endParaRPr>
+          </a:p>
+          <a:p>
+            <a:pPr algn="just"/>
+            <a:r>
+              <a:rPr lang="en-US" sz="2400" b="0" i="0" dirty="0">
+                <a:solidFill>
+                  <a:srgbClr val="042D85"/>
+                </a:solidFill>
+                <a:effectLst/>
+                <a:latin typeface="Times New Roman" panose="02020603050405020304" pitchFamily="18" charset="0"/>
+                <a:cs typeface="Times New Roman" panose="02020603050405020304" pitchFamily="18" charset="0"/>
+              </a:rPr>
+              <a:t>A </a:t>
+            </a:r>
+            <a:r>
+              <a:rPr lang="en-US" sz="2400" b="1" i="0" dirty="0">
+                <a:solidFill>
+                  <a:srgbClr val="042D85"/>
+                </a:solidFill>
+                <a:effectLst/>
+                <a:latin typeface="Times New Roman" panose="02020603050405020304" pitchFamily="18" charset="0"/>
+                <a:cs typeface="Times New Roman" panose="02020603050405020304" pitchFamily="18" charset="0"/>
+              </a:rPr>
+              <a:t>Confusion matrix</a:t>
+            </a:r>
+            <a:r>
+              <a:rPr lang="en-US" sz="2400" b="0" i="0" dirty="0">
+                <a:solidFill>
+                  <a:srgbClr val="042D85"/>
+                </a:solidFill>
+                <a:effectLst/>
+                <a:latin typeface="Times New Roman" panose="02020603050405020304" pitchFamily="18" charset="0"/>
+                <a:cs typeface="Times New Roman" panose="02020603050405020304" pitchFamily="18" charset="0"/>
+              </a:rPr>
+              <a:t> is an N x N matrix </a:t>
+            </a:r>
+            <a:r>
+              <a:rPr lang="en-US" sz="2400" b="1" i="0" dirty="0">
+                <a:solidFill>
+                  <a:srgbClr val="042D85"/>
+                </a:solidFill>
+                <a:effectLst/>
+                <a:latin typeface="Times New Roman" panose="02020603050405020304" pitchFamily="18" charset="0"/>
+                <a:cs typeface="Times New Roman" panose="02020603050405020304" pitchFamily="18" charset="0"/>
+              </a:rPr>
+              <a:t>used for</a:t>
+            </a:r>
+            <a:r>
+              <a:rPr lang="en-US" sz="2400" b="0" i="0" dirty="0">
+                <a:solidFill>
+                  <a:srgbClr val="042D85"/>
+                </a:solidFill>
+                <a:effectLst/>
+                <a:latin typeface="Times New Roman" panose="02020603050405020304" pitchFamily="18" charset="0"/>
+                <a:cs typeface="Times New Roman" panose="02020603050405020304" pitchFamily="18" charset="0"/>
+              </a:rPr>
+              <a:t> evaluating the performance of a classification model, where N is the number of target classes.</a:t>
+            </a:r>
+            <a:endParaRPr lang="en-US" sz="2400" b="1" i="0" dirty="0">
+              <a:solidFill>
+                <a:srgbClr val="042D85"/>
+              </a:solidFill>
+              <a:effectLst/>
+              <a:latin typeface="Times New Roman" panose="02020603050405020304" pitchFamily="18" charset="0"/>
+              <a:cs typeface="Times New Roman" panose="02020603050405020304" pitchFamily="18" charset="0"/>
+            </a:endParaRPr>
+          </a:p>
+          <a:p>
+            <a:pPr algn="just"/>
+            <a:endParaRPr lang="en-US" sz="2400" b="0" i="0" dirty="0">
+              <a:solidFill>
+                <a:srgbClr val="042D85"/>
+              </a:solidFill>
+              <a:effectLst/>
+              <a:latin typeface="Times New Roman" panose="02020603050405020304" pitchFamily="18" charset="0"/>
+              <a:cs typeface="Times New Roman" panose="02020603050405020304" pitchFamily="18" charset="0"/>
+            </a:endParaRPr>
+          </a:p>
+          <a:p>
+            <a:pPr algn="just"/>
+            <a:endParaRPr lang="en-US" sz="2000" dirty="0">
+              <a:solidFill>
+                <a:srgbClr val="042D85"/>
+              </a:solidFill>
+              <a:latin typeface="Times New Roman" panose="02020603050405020304" pitchFamily="18" charset="0"/>
+              <a:cs typeface="Times New Roman" panose="02020603050405020304" pitchFamily="18" charset="0"/>
+            </a:endParaRPr>
+          </a:p>
+        </p:txBody>
+      </p:sp>
+      <p:pic>
+        <p:nvPicPr>
+          <p:cNvPr id="5" name="Picture 4">
+            <a:extLst>
+              <a:ext uri="{FF2B5EF4-FFF2-40B4-BE49-F238E27FC236}">
+                <a16:creationId xmlns:a16="http://schemas.microsoft.com/office/drawing/2014/main" id="{C63DC5EE-F5B7-4467-81FD-E92050D03BB3}"/>
+              </a:ext>
+            </a:extLst>
+          </p:cNvPr>
+          <p:cNvPicPr>
+            <a:picLocks noChangeAspect="1"/>
+          </p:cNvPicPr>
+          <p:nvPr/>
+        </p:nvPicPr>
+        <p:blipFill>
+          <a:blip r:embed="rId2" cstate="print">
+            <a:extLst>
+              <a:ext uri="{28A0092B-C50C-407E-A947-70E740481C1C}">
+                <a14:useLocalDpi xmlns:a14="http://schemas.microsoft.com/office/drawing/2010/main" val="0"/>
+              </a:ext>
+            </a:extLst>
+          </a:blip>
+          <a:stretch>
+            <a:fillRect/>
+          </a:stretch>
+        </p:blipFill>
+        <p:spPr>
+          <a:xfrm>
+            <a:off x="11639150" y="101864"/>
+            <a:ext cx="463748" cy="463748"/>
+          </a:xfrm>
+          <a:prstGeom prst="rect">
+            <a:avLst/>
+          </a:prstGeom>
+        </p:spPr>
+      </p:pic>
+      <p:pic>
+        <p:nvPicPr>
+          <p:cNvPr id="4" name="Picture 3">
+            <a:extLst>
+              <a:ext uri="{FF2B5EF4-FFF2-40B4-BE49-F238E27FC236}">
+                <a16:creationId xmlns:a16="http://schemas.microsoft.com/office/drawing/2014/main" id="{1271FCB6-DE4D-47AD-3976-B481AAF6D3FA}"/>
+              </a:ext>
+            </a:extLst>
+          </p:cNvPr>
+          <p:cNvPicPr>
+            <a:picLocks noChangeAspect="1"/>
+          </p:cNvPicPr>
+          <p:nvPr/>
+        </p:nvPicPr>
+        <p:blipFill>
+          <a:blip r:embed="rId3">
+            <a:extLst>
+              <a:ext uri="{28A0092B-C50C-407E-A947-70E740481C1C}">
+                <a14:useLocalDpi xmlns:a14="http://schemas.microsoft.com/office/drawing/2010/main" val="0"/>
+              </a:ext>
+            </a:extLst>
+          </a:blip>
+          <a:stretch>
+            <a:fillRect/>
+          </a:stretch>
+        </p:blipFill>
+        <p:spPr>
+          <a:xfrm>
+            <a:off x="164969" y="1930688"/>
+            <a:ext cx="5396750" cy="4609724"/>
+          </a:xfrm>
+          <a:prstGeom prst="rect">
+            <a:avLst/>
+          </a:prstGeom>
+        </p:spPr>
+      </p:pic>
+      <p:pic>
+        <p:nvPicPr>
+          <p:cNvPr id="8" name="Picture 7">
+            <a:extLst>
+              <a:ext uri="{FF2B5EF4-FFF2-40B4-BE49-F238E27FC236}">
+                <a16:creationId xmlns:a16="http://schemas.microsoft.com/office/drawing/2014/main" id="{1EC82A59-7F42-DDA9-0CEF-938FD19EDC41}"/>
+              </a:ext>
+            </a:extLst>
+          </p:cNvPr>
+          <p:cNvPicPr>
+            <a:picLocks noChangeAspect="1"/>
+          </p:cNvPicPr>
+          <p:nvPr/>
+        </p:nvPicPr>
+        <p:blipFill>
+          <a:blip r:embed="rId4">
+            <a:extLst>
+              <a:ext uri="{28A0092B-C50C-407E-A947-70E740481C1C}">
+                <a14:useLocalDpi xmlns:a14="http://schemas.microsoft.com/office/drawing/2010/main" val="0"/>
+              </a:ext>
+            </a:extLst>
+          </a:blip>
+          <a:stretch>
+            <a:fillRect/>
+          </a:stretch>
+        </p:blipFill>
+        <p:spPr>
+          <a:xfrm>
+            <a:off x="6142621" y="1930688"/>
+            <a:ext cx="5760958" cy="4920818"/>
+          </a:xfrm>
+          <a:prstGeom prst="rect">
+            <a:avLst/>
+          </a:prstGeom>
+        </p:spPr>
+      </p:pic>
+    </p:spTree>
+    <p:extLst>
+      <p:ext uri="{BB962C8B-B14F-4D97-AF65-F5344CB8AC3E}">
+        <p14:creationId xmlns:p14="http://schemas.microsoft.com/office/powerpoint/2010/main" val="3695951856"/>
+      </p:ext>
+    </p:extLst>
+  </p:cSld>
+  <p:clrMapOvr>
+    <a:masterClrMapping/>
+  </p:clrMapOvr>
+  <mc:AlternateContent xmlns:mc="http://schemas.openxmlformats.org/markup-compatibility/2006" xmlns:p14="http://schemas.microsoft.com/office/powerpoint/2010/main">
+    <mc:Choice Requires="p14">
+      <p:transition spd="slow" p14:dur="1500">
+        <p:cover/>
+      </p:transition>
+    </mc:Choice>
+    <mc:Fallback xmlns="">
+      <p:transition spd="slow">
+        <p:cover/>
+      </p:transition>
+    </mc:Fallback>
+  </mc:AlternateContent>
+</p:sld>
+</file>
+
+<file path=ppt/slides/slide25.xml><?xml version="1.0" encoding="utf-8"?>
+<p:sld xmlns:a="http://schemas.openxmlformats.org/drawingml/2006/main" xmlns:r="http://schemas.openxmlformats.org/officeDocument/2006/relationships" xmlns:p="http://schemas.openxmlformats.org/presentationml/2006/main">
+  <p:cSld>
+    <p:spTree>
+      <p:nvGrpSpPr>
+        <p:cNvPr id="1" name=""/>
+        <p:cNvGrpSpPr/>
+        <p:nvPr/>
+      </p:nvGrpSpPr>
+      <p:grpSpPr>
+        <a:xfrm>
+          <a:off x="0" y="0"/>
+          <a:ext cx="0" cy="0"/>
+          <a:chOff x="0" y="0"/>
+          <a:chExt cx="0" cy="0"/>
+        </a:xfrm>
+      </p:grpSpPr>
+      <p:sp>
+        <p:nvSpPr>
+          <p:cNvPr id="2" name="Rectangle 1"/>
+          <p:cNvSpPr/>
+          <p:nvPr/>
+        </p:nvSpPr>
+        <p:spPr>
+          <a:xfrm>
+            <a:off x="288421" y="76200"/>
+            <a:ext cx="11738610" cy="1261884"/>
+          </a:xfrm>
+          <a:prstGeom prst="rect">
+            <a:avLst/>
+          </a:prstGeom>
+          <a:noFill/>
+        </p:spPr>
+        <p:txBody>
+          <a:bodyPr wrap="square" lIns="91440" tIns="45720" rIns="91440" bIns="45720">
+            <a:spAutoFit/>
+          </a:bodyPr>
+          <a:lstStyle/>
+          <a:p>
+            <a:pPr algn="just"/>
+            <a:r>
+              <a:rPr lang="en-US" sz="3200" b="1" dirty="0">
+                <a:ln w="0"/>
+                <a:solidFill>
+                  <a:srgbClr val="C00000"/>
+                </a:solidFill>
+                <a:effectLst>
+                  <a:outerShdw blurRad="38100" dist="19050" dir="2700000" algn="tl" rotWithShape="0">
+                    <a:schemeClr val="dk1">
+                      <a:alpha val="40000"/>
+                    </a:schemeClr>
+                  </a:outerShdw>
+                </a:effectLst>
+                <a:latin typeface="Times New Roman" panose="02020603050405020304" pitchFamily="18" charset="0"/>
+                <a:cs typeface="Times New Roman" panose="02020603050405020304" pitchFamily="18" charset="0"/>
+              </a:rPr>
+              <a:t>Confusion Matrix</a:t>
+            </a:r>
+            <a:endParaRPr lang="en-US" sz="2400" b="1" dirty="0">
+              <a:ln w="0"/>
+              <a:gradFill>
+                <a:gsLst>
+                  <a:gs pos="0">
+                    <a:srgbClr val="012D86"/>
+                  </a:gs>
+                  <a:gs pos="100000">
+                    <a:srgbClr val="0E2557"/>
+                  </a:gs>
+                </a:gsLst>
+                <a:lin scaled="0"/>
+              </a:gradFill>
+              <a:effectLst>
+                <a:outerShdw blurRad="38100" dist="19050" dir="2700000" algn="tl" rotWithShape="0">
+                  <a:schemeClr val="dk1">
+                    <a:alpha val="40000"/>
+                  </a:schemeClr>
+                </a:outerShdw>
+              </a:effectLst>
+              <a:latin typeface="Times New Roman" panose="02020603050405020304" pitchFamily="18" charset="0"/>
+              <a:cs typeface="Times New Roman" panose="02020603050405020304" pitchFamily="18" charset="0"/>
+            </a:endParaRPr>
+          </a:p>
+          <a:p>
+            <a:pPr algn="just"/>
+            <a:endParaRPr lang="en-US" sz="2400" b="0" i="0" dirty="0">
+              <a:solidFill>
+                <a:srgbClr val="042D85"/>
+              </a:solidFill>
+              <a:effectLst/>
+              <a:latin typeface="Times New Roman" panose="02020603050405020304" pitchFamily="18" charset="0"/>
+              <a:cs typeface="Times New Roman" panose="02020603050405020304" pitchFamily="18" charset="0"/>
+            </a:endParaRPr>
+          </a:p>
+          <a:p>
+            <a:pPr algn="just"/>
+            <a:endParaRPr lang="en-US" sz="2000" dirty="0">
+              <a:solidFill>
+                <a:srgbClr val="042D85"/>
+              </a:solidFill>
+              <a:latin typeface="Times New Roman" panose="02020603050405020304" pitchFamily="18" charset="0"/>
+              <a:cs typeface="Times New Roman" panose="02020603050405020304" pitchFamily="18" charset="0"/>
+            </a:endParaRPr>
+          </a:p>
+        </p:txBody>
+      </p:sp>
+      <p:pic>
+        <p:nvPicPr>
+          <p:cNvPr id="5" name="Picture 4">
+            <a:extLst>
+              <a:ext uri="{FF2B5EF4-FFF2-40B4-BE49-F238E27FC236}">
+                <a16:creationId xmlns:a16="http://schemas.microsoft.com/office/drawing/2014/main" id="{C63DC5EE-F5B7-4467-81FD-E92050D03BB3}"/>
+              </a:ext>
+            </a:extLst>
+          </p:cNvPr>
+          <p:cNvPicPr>
+            <a:picLocks noChangeAspect="1"/>
+          </p:cNvPicPr>
+          <p:nvPr/>
+        </p:nvPicPr>
+        <p:blipFill>
+          <a:blip r:embed="rId2" cstate="print">
+            <a:extLst>
+              <a:ext uri="{28A0092B-C50C-407E-A947-70E740481C1C}">
+                <a14:useLocalDpi xmlns:a14="http://schemas.microsoft.com/office/drawing/2010/main" val="0"/>
+              </a:ext>
+            </a:extLst>
+          </a:blip>
+          <a:stretch>
+            <a:fillRect/>
+          </a:stretch>
+        </p:blipFill>
+        <p:spPr>
+          <a:xfrm>
+            <a:off x="11639150" y="101864"/>
+            <a:ext cx="463748" cy="463748"/>
+          </a:xfrm>
+          <a:prstGeom prst="rect">
+            <a:avLst/>
+          </a:prstGeom>
+        </p:spPr>
+      </p:pic>
+      <p:pic>
+        <p:nvPicPr>
+          <p:cNvPr id="6" name="Picture 5">
+            <a:extLst>
+              <a:ext uri="{FF2B5EF4-FFF2-40B4-BE49-F238E27FC236}">
+                <a16:creationId xmlns:a16="http://schemas.microsoft.com/office/drawing/2014/main" id="{E94B075A-5F76-6077-A194-FCB8A36AAB74}"/>
+              </a:ext>
+            </a:extLst>
+          </p:cNvPr>
+          <p:cNvPicPr>
+            <a:picLocks noChangeAspect="1"/>
+          </p:cNvPicPr>
+          <p:nvPr/>
+        </p:nvPicPr>
+        <p:blipFill>
+          <a:blip r:embed="rId3">
+            <a:extLst>
+              <a:ext uri="{28A0092B-C50C-407E-A947-70E740481C1C}">
+                <a14:useLocalDpi xmlns:a14="http://schemas.microsoft.com/office/drawing/2010/main" val="0"/>
+              </a:ext>
+            </a:extLst>
+          </a:blip>
+          <a:stretch>
+            <a:fillRect/>
+          </a:stretch>
+        </p:blipFill>
+        <p:spPr>
+          <a:xfrm>
+            <a:off x="432878" y="1338084"/>
+            <a:ext cx="5336954" cy="4558648"/>
+          </a:xfrm>
+          <a:prstGeom prst="rect">
+            <a:avLst/>
+          </a:prstGeom>
+        </p:spPr>
+      </p:pic>
+      <p:pic>
+        <p:nvPicPr>
+          <p:cNvPr id="11" name="Picture 10">
+            <a:extLst>
+              <a:ext uri="{FF2B5EF4-FFF2-40B4-BE49-F238E27FC236}">
+                <a16:creationId xmlns:a16="http://schemas.microsoft.com/office/drawing/2014/main" id="{3F5F9346-6994-72FC-4DDF-D24680458010}"/>
+              </a:ext>
+            </a:extLst>
+          </p:cNvPr>
+          <p:cNvPicPr>
+            <a:picLocks noChangeAspect="1"/>
+          </p:cNvPicPr>
+          <p:nvPr/>
+        </p:nvPicPr>
+        <p:blipFill>
+          <a:blip r:embed="rId4">
+            <a:extLst>
+              <a:ext uri="{28A0092B-C50C-407E-A947-70E740481C1C}">
+                <a14:useLocalDpi xmlns:a14="http://schemas.microsoft.com/office/drawing/2010/main" val="0"/>
+              </a:ext>
+            </a:extLst>
+          </a:blip>
+          <a:stretch>
+            <a:fillRect/>
+          </a:stretch>
+        </p:blipFill>
+        <p:spPr>
+          <a:xfrm>
+            <a:off x="6229954" y="1338084"/>
+            <a:ext cx="5336954" cy="4558648"/>
+          </a:xfrm>
+          <a:prstGeom prst="rect">
+            <a:avLst/>
+          </a:prstGeom>
+        </p:spPr>
+      </p:pic>
+    </p:spTree>
+    <p:extLst>
+      <p:ext uri="{BB962C8B-B14F-4D97-AF65-F5344CB8AC3E}">
+        <p14:creationId xmlns:p14="http://schemas.microsoft.com/office/powerpoint/2010/main" val="2430665842"/>
+      </p:ext>
+    </p:extLst>
+  </p:cSld>
+  <p:clrMapOvr>
+    <a:masterClrMapping/>
+  </p:clrMapOvr>
+  <mc:AlternateContent xmlns:mc="http://schemas.openxmlformats.org/markup-compatibility/2006" xmlns:p14="http://schemas.microsoft.com/office/powerpoint/2010/main">
+    <mc:Choice Requires="p14">
+      <p:transition spd="slow" p14:dur="1500">
+        <p:cover/>
+      </p:transition>
+    </mc:Choice>
+    <mc:Fallback xmlns="">
+      <p:transition spd="slow">
+        <p:cover/>
+      </p:transition>
+    </mc:Fallback>
+  </mc:AlternateContent>
+</p:sld>
+</file>
+
+<file path=ppt/slides/slide26.xml><?xml version="1.0" encoding="utf-8"?>
 <p:sld xmlns:a="http://schemas.openxmlformats.org/drawingml/2006/main" xmlns:r="http://schemas.openxmlformats.org/officeDocument/2006/relationships" xmlns:p="http://schemas.openxmlformats.org/presentationml/2006/main">
   <p:cSld>
     <p:spTree>
@@ -8873,7 +10025,28 @@
                 <a:latin typeface="Times New Roman" panose="02020603050405020304" pitchFamily="18" charset="0"/>
                 <a:cs typeface="Times New Roman" panose="02020603050405020304" pitchFamily="18" charset="0"/>
               </a:rPr>
-              <a:t>At the end we conclude our classification project with five models namely - Logistic Regression Model, Decision Tree Classifier, Random Forest Classifier, Gradient Boosting Classifier and Passive Aggressive Classifier.</a:t>
+              <a:t>At the end we conclude our classification project with five models namely - Logistic Regression Model, Decision Tree Classifier, Random Forest Classifier</a:t>
+            </a:r>
+            <a:r>
+              <a:rPr lang="en-US" dirty="0">
+                <a:solidFill>
+                  <a:srgbClr val="042D85"/>
+                </a:solidFill>
+                <a:latin typeface="Times New Roman" panose="02020603050405020304" pitchFamily="18" charset="0"/>
+                <a:cs typeface="Times New Roman" panose="02020603050405020304" pitchFamily="18" charset="0"/>
+              </a:rPr>
+              <a:t> and </a:t>
+            </a:r>
+            <a:r>
+              <a:rPr lang="en-US" b="0" i="0" dirty="0">
+                <a:solidFill>
+                  <a:srgbClr val="042D85"/>
+                </a:solidFill>
+                <a:effectLst/>
+                <a:latin typeface="Times New Roman" panose="02020603050405020304" pitchFamily="18" charset="0"/>
+                <a:cs typeface="Times New Roman" panose="02020603050405020304" pitchFamily="18" charset="0"/>
+              </a:rPr>
+              <a:t>Gradient Boosting Classifier.</a:t>
             </a:r>
           </a:p>
           <a:p>
@@ -8956,7 +10129,7 @@
 </p:sld>
 </file>
 
-<file path=ppt/slides/slide23.xml><?xml version="1.0" encoding="utf-8"?>
+<file path=ppt/slides/slide27.xml><?xml version="1.0" encoding="utf-8"?>
 <p:sld xmlns:a="http://schemas.openxmlformats.org/drawingml/2006/main" xmlns:r="http://schemas.openxmlformats.org/officeDocument/2006/relationships" xmlns:p="http://schemas.openxmlformats.org/presentationml/2006/main">
   <p:cSld>
     <p:spTree>
